--- a/1.2.Leadership_for_Sus_Dev/FProject/PRESENTATION_FINAL_PROJECT.pptx
+++ b/1.2.Leadership_for_Sus_Dev/FProject/PRESENTATION_FINAL_PROJECT.pptx
@@ -5,7 +5,7 @@
     <p:sldMasterId id="2147483648" r:id="rId1"/>
   </p:sldMasterIdLst>
   <p:notesMasterIdLst>
-    <p:notesMasterId r:id="rId12"/>
+    <p:notesMasterId r:id="rId11"/>
   </p:notesMasterIdLst>
   <p:sldIdLst>
     <p:sldId id="256" r:id="rId2"/>
@@ -17,7 +17,6 @@
     <p:sldId id="276" r:id="rId8"/>
     <p:sldId id="269" r:id="rId9"/>
     <p:sldId id="263" r:id="rId10"/>
-    <p:sldId id="281" r:id="rId11"/>
   </p:sldIdLst>
   <p:sldSz cx="12192000" cy="6858000"/>
   <p:notesSz cx="6858000" cy="9144000"/>
@@ -146,7 +145,6 @@
         <p14:section name="Side Slides" id="{1C99C5B6-3640-4323-B416-8D531FACFE49}">
           <p14:sldIdLst>
             <p14:sldId id="263"/>
-            <p14:sldId id="281"/>
           </p14:sldIdLst>
         </p14:section>
       </p14:sectionLst>
@@ -184,8 +182,10 @@
 <file path=ppt/revisionInfo.xml><?xml version="1.0" encoding="utf-8"?>
 <p1510:revInfo xmlns:a="http://schemas.openxmlformats.org/drawingml/2006/main" xmlns:r="http://schemas.openxmlformats.org/officeDocument/2006/relationships" xmlns:p1510="http://schemas.microsoft.com/office/powerpoint/2015/10/main">
   <p1510:revLst>
+    <p1510:client id="{32B8FC8B-73BF-4179-A255-324A3489FE93}" v="82" dt="2019-05-06T01:35:44.563"/>
+    <p1510:client id="{4120883B-3EAF-4E35-87A7-AF060FDADAAF}" v="121" dt="2019-05-06T04:29:14.633"/>
+    <p1510:client id="{86DC1217-0230-73E2-35DD-C6CD9CFAA5EC}" v="1" dt="2019-05-06T04:36:35.659"/>
     <p1510:client id="{E8966260-3096-4054-A5E0-0A91A10A6CF4}" v="12" dt="2019-05-05T18:21:47.650"/>
-    <p1510:client id="{32B8FC8B-73BF-4179-A255-324A3489FE93}" v="58" dt="2019-05-05T18:53:29.118"/>
   </p1510:revLst>
 </p1510:revInfo>
 </file>
@@ -453,134 +453,86 @@
     </pc:docChg>
   </pc:docChgLst>
   <pc:docChgLst>
-    <pc:chgData name="Antonio Osamu Katagiri Tanaka" userId="2c28225e-d492-4964-8551-1b0a3c65dda0" providerId="ADAL" clId="{A1255C39-2EFB-4D15-B143-B65097792378}"/>
-    <pc:docChg chg="undo custSel addSld delSld modSld">
-      <pc:chgData name="Antonio Osamu Katagiri Tanaka" userId="2c28225e-d492-4964-8551-1b0a3c65dda0" providerId="ADAL" clId="{A1255C39-2EFB-4D15-B143-B65097792378}" dt="2019-03-29T13:16:25.522" v="350" actId="20577"/>
+    <pc:chgData name="Antonio Osamu Katagiri Tanaka" userId="2c28225e-d492-4964-8551-1b0a3c65dda0" providerId="ADAL" clId="{C59DF1F7-432E-4893-B28C-5D3B004F8374}"/>
+    <pc:docChg chg="undo redo custSel addSld delSld modSld sldOrd delSection modSection">
+      <pc:chgData name="Antonio Osamu Katagiri Tanaka" userId="2c28225e-d492-4964-8551-1b0a3c65dda0" providerId="ADAL" clId="{C59DF1F7-432E-4893-B28C-5D3B004F8374}" dt="2019-03-31T14:59:20.878" v="389" actId="20577"/>
       <pc:docMkLst>
         <pc:docMk/>
       </pc:docMkLst>
       <pc:sldChg chg="modSp">
-        <pc:chgData name="Antonio Osamu Katagiri Tanaka" userId="2c28225e-d492-4964-8551-1b0a3c65dda0" providerId="ADAL" clId="{A1255C39-2EFB-4D15-B143-B65097792378}" dt="2019-03-28T22:22:21.819" v="38" actId="20577"/>
-        <pc:sldMkLst>
-          <pc:docMk/>
-          <pc:sldMk cId="3401248549" sldId="256"/>
-        </pc:sldMkLst>
-        <pc:spChg chg="mod">
-          <ac:chgData name="Antonio Osamu Katagiri Tanaka" userId="2c28225e-d492-4964-8551-1b0a3c65dda0" providerId="ADAL" clId="{A1255C39-2EFB-4D15-B143-B65097792378}" dt="2019-03-28T22:22:21.819" v="38" actId="20577"/>
-          <ac:spMkLst>
-            <pc:docMk/>
-            <pc:sldMk cId="3401248549" sldId="256"/>
-            <ac:spMk id="7" creationId="{8D0BEDFD-CE79-4A45-9ADE-72FBEA303FCC}"/>
-          </ac:spMkLst>
-        </pc:spChg>
-      </pc:sldChg>
-      <pc:sldChg chg="modSp addCm delCm">
-        <pc:chgData name="Antonio Osamu Katagiri Tanaka" userId="2c28225e-d492-4964-8551-1b0a3c65dda0" providerId="ADAL" clId="{A1255C39-2EFB-4D15-B143-B65097792378}" dt="2019-03-29T13:16:25.522" v="350" actId="20577"/>
-        <pc:sldMkLst>
-          <pc:docMk/>
-          <pc:sldMk cId="1105756717" sldId="257"/>
-        </pc:sldMkLst>
-        <pc:spChg chg="mod">
-          <ac:chgData name="Antonio Osamu Katagiri Tanaka" userId="2c28225e-d492-4964-8551-1b0a3c65dda0" providerId="ADAL" clId="{A1255C39-2EFB-4D15-B143-B65097792378}" dt="2019-03-28T22:24:17.071" v="98" actId="790"/>
-          <ac:spMkLst>
-            <pc:docMk/>
-            <pc:sldMk cId="1105756717" sldId="257"/>
-            <ac:spMk id="2" creationId="{6B4CD107-D7DB-4A9B-AA15-4038D49BB7C0}"/>
-          </ac:spMkLst>
-        </pc:spChg>
-        <pc:spChg chg="mod">
-          <ac:chgData name="Antonio Osamu Katagiri Tanaka" userId="2c28225e-d492-4964-8551-1b0a3c65dda0" providerId="ADAL" clId="{A1255C39-2EFB-4D15-B143-B65097792378}" dt="2019-03-29T13:16:25.522" v="350" actId="20577"/>
-          <ac:spMkLst>
-            <pc:docMk/>
-            <pc:sldMk cId="1105756717" sldId="257"/>
-            <ac:spMk id="3" creationId="{6E971A9A-8031-4781-96A0-B9A5656935B5}"/>
-          </ac:spMkLst>
-        </pc:spChg>
-      </pc:sldChg>
-      <pc:sldChg chg="addSp delSp modSp">
-        <pc:chgData name="Antonio Osamu Katagiri Tanaka" userId="2c28225e-d492-4964-8551-1b0a3c65dda0" providerId="ADAL" clId="{A1255C39-2EFB-4D15-B143-B65097792378}" dt="2019-03-28T23:56:37.673" v="212" actId="113"/>
+        <pc:chgData name="Antonio Osamu Katagiri Tanaka" userId="2c28225e-d492-4964-8551-1b0a3c65dda0" providerId="ADAL" clId="{C59DF1F7-432E-4893-B28C-5D3B004F8374}" dt="2019-03-30T15:24:08.167" v="64" actId="1440"/>
         <pc:sldMkLst>
           <pc:docMk/>
           <pc:sldMk cId="4056039362" sldId="260"/>
         </pc:sldMkLst>
-        <pc:spChg chg="del">
-          <ac:chgData name="Antonio Osamu Katagiri Tanaka" userId="2c28225e-d492-4964-8551-1b0a3c65dda0" providerId="ADAL" clId="{A1255C39-2EFB-4D15-B143-B65097792378}" dt="2019-03-28T23:48:09.150" v="129" actId="478"/>
+        <pc:picChg chg="mod">
+          <ac:chgData name="Antonio Osamu Katagiri Tanaka" userId="2c28225e-d492-4964-8551-1b0a3c65dda0" providerId="ADAL" clId="{C59DF1F7-432E-4893-B28C-5D3B004F8374}" dt="2019-03-30T15:24:08.167" v="64" actId="1440"/>
+          <ac:picMkLst>
+            <pc:docMk/>
+            <pc:sldMk cId="4056039362" sldId="260"/>
+            <ac:picMk id="13" creationId="{8578D0BD-CD2C-44B1-976E-1029D186D2DF}"/>
+          </ac:picMkLst>
+        </pc:picChg>
+      </pc:sldChg>
+      <pc:sldChg chg="ord">
+        <pc:chgData name="Antonio Osamu Katagiri Tanaka" userId="2c28225e-d492-4964-8551-1b0a3c65dda0" providerId="ADAL" clId="{C59DF1F7-432E-4893-B28C-5D3B004F8374}" dt="2019-03-30T14:49:00.456" v="1"/>
+        <pc:sldMkLst>
+          <pc:docMk/>
+          <pc:sldMk cId="3604131991" sldId="263"/>
+        </pc:sldMkLst>
+      </pc:sldChg>
+      <pc:sldChg chg="addSp delSp modSp add">
+        <pc:chgData name="Antonio Osamu Katagiri Tanaka" userId="2c28225e-d492-4964-8551-1b0a3c65dda0" providerId="ADAL" clId="{C59DF1F7-432E-4893-B28C-5D3B004F8374}" dt="2019-03-30T15:01:17.755" v="32"/>
+        <pc:sldMkLst>
+          <pc:docMk/>
+          <pc:sldMk cId="4246728971" sldId="269"/>
+        </pc:sldMkLst>
+        <pc:spChg chg="add del mod">
+          <ac:chgData name="Antonio Osamu Katagiri Tanaka" userId="2c28225e-d492-4964-8551-1b0a3c65dda0" providerId="ADAL" clId="{C59DF1F7-432E-4893-B28C-5D3B004F8374}" dt="2019-03-30T14:52:53.260" v="6" actId="478"/>
           <ac:spMkLst>
             <pc:docMk/>
-            <pc:sldMk cId="4056039362" sldId="260"/>
-            <ac:spMk id="2" creationId="{6B4CD107-D7DB-4A9B-AA15-4038D49BB7C0}"/>
+            <pc:sldMk cId="4246728971" sldId="269"/>
+            <ac:spMk id="3" creationId="{BFCEFFC5-7335-4486-8818-2B397870E222}"/>
           </ac:spMkLst>
         </pc:spChg>
         <pc:spChg chg="del">
-          <ac:chgData name="Antonio Osamu Katagiri Tanaka" userId="2c28225e-d492-4964-8551-1b0a3c65dda0" providerId="ADAL" clId="{A1255C39-2EFB-4D15-B143-B65097792378}" dt="2019-03-28T23:48:09.150" v="129" actId="478"/>
+          <ac:chgData name="Antonio Osamu Katagiri Tanaka" userId="2c28225e-d492-4964-8551-1b0a3c65dda0" providerId="ADAL" clId="{C59DF1F7-432E-4893-B28C-5D3B004F8374}" dt="2019-03-30T14:52:51.721" v="5" actId="478"/>
           <ac:spMkLst>
             <pc:docMk/>
-            <pc:sldMk cId="4056039362" sldId="260"/>
-            <ac:spMk id="3" creationId="{6E971A9A-8031-4781-96A0-B9A5656935B5}"/>
+            <pc:sldMk cId="4246728971" sldId="269"/>
+            <ac:spMk id="4" creationId="{F9ED8BE6-F7AC-4FD8-8FA8-8C683A7C2F62}"/>
+          </ac:spMkLst>
+        </pc:spChg>
+        <pc:spChg chg="del">
+          <ac:chgData name="Antonio Osamu Katagiri Tanaka" userId="2c28225e-d492-4964-8551-1b0a3c65dda0" providerId="ADAL" clId="{C59DF1F7-432E-4893-B28C-5D3B004F8374}" dt="2019-03-30T14:52:55.923" v="7" actId="478"/>
+          <ac:spMkLst>
+            <pc:docMk/>
+            <pc:sldMk cId="4246728971" sldId="269"/>
+            <ac:spMk id="6" creationId="{058630E6-31AF-4451-B084-C9809D0DA4E8}"/>
+          </ac:spMkLst>
+        </pc:spChg>
+        <pc:spChg chg="add del mod">
+          <ac:chgData name="Antonio Osamu Katagiri Tanaka" userId="2c28225e-d492-4964-8551-1b0a3c65dda0" providerId="ADAL" clId="{C59DF1F7-432E-4893-B28C-5D3B004F8374}" dt="2019-03-30T14:52:58.396" v="8" actId="478"/>
+          <ac:spMkLst>
+            <pc:docMk/>
+            <pc:sldMk cId="4246728971" sldId="269"/>
+            <ac:spMk id="7" creationId="{EFB1FD18-9FB8-4EC8-A186-B4E23A6745CA}"/>
           </ac:spMkLst>
         </pc:spChg>
         <pc:spChg chg="add mod">
-          <ac:chgData name="Antonio Osamu Katagiri Tanaka" userId="2c28225e-d492-4964-8551-1b0a3c65dda0" providerId="ADAL" clId="{A1255C39-2EFB-4D15-B143-B65097792378}" dt="2019-03-28T23:50:57.963" v="160" actId="14100"/>
+          <ac:chgData name="Antonio Osamu Katagiri Tanaka" userId="2c28225e-d492-4964-8551-1b0a3c65dda0" providerId="ADAL" clId="{C59DF1F7-432E-4893-B28C-5D3B004F8374}" dt="2019-03-30T14:57:55.916" v="28" actId="403"/>
           <ac:spMkLst>
             <pc:docMk/>
-            <pc:sldMk cId="4056039362" sldId="260"/>
-            <ac:spMk id="6" creationId="{438892A2-F58C-479B-93B3-BDD2A80D348B}"/>
+            <pc:sldMk cId="4246728971" sldId="269"/>
+            <ac:spMk id="9" creationId="{907DD878-B76C-4FC5-9BC3-86C7C3DB3BDA}"/>
           </ac:spMkLst>
         </pc:spChg>
-        <pc:spChg chg="add del">
-          <ac:chgData name="Antonio Osamu Katagiri Tanaka" userId="2c28225e-d492-4964-8551-1b0a3c65dda0" providerId="ADAL" clId="{A1255C39-2EFB-4D15-B143-B65097792378}" dt="2019-03-28T23:48:28.310" v="146" actId="478"/>
-          <ac:spMkLst>
-            <pc:docMk/>
-            <pc:sldMk cId="4056039362" sldId="260"/>
-            <ac:spMk id="7" creationId="{EF6DB918-A567-432C-9553-B291EBCD9916}"/>
-          </ac:spMkLst>
-        </pc:spChg>
-        <pc:spChg chg="add del mod">
-          <ac:chgData name="Antonio Osamu Katagiri Tanaka" userId="2c28225e-d492-4964-8551-1b0a3c65dda0" providerId="ADAL" clId="{A1255C39-2EFB-4D15-B143-B65097792378}" dt="2019-03-28T23:48:31.374" v="147" actId="478"/>
-          <ac:spMkLst>
-            <pc:docMk/>
-            <pc:sldMk cId="4056039362" sldId="260"/>
-            <ac:spMk id="9" creationId="{1E2B6CCF-ADC6-4398-BBBE-8A3899B1F60D}"/>
-          </ac:spMkLst>
-        </pc:spChg>
-        <pc:spChg chg="add del mod">
-          <ac:chgData name="Antonio Osamu Katagiri Tanaka" userId="2c28225e-d492-4964-8551-1b0a3c65dda0" providerId="ADAL" clId="{A1255C39-2EFB-4D15-B143-B65097792378}" dt="2019-03-28T23:49:31.279" v="152" actId="478"/>
-          <ac:spMkLst>
-            <pc:docMk/>
-            <pc:sldMk cId="4056039362" sldId="260"/>
-            <ac:spMk id="10" creationId="{76E5AA51-769F-464D-B9B3-B06DC2DB3974}"/>
-          </ac:spMkLst>
-        </pc:spChg>
-        <pc:spChg chg="add del mod">
-          <ac:chgData name="Antonio Osamu Katagiri Tanaka" userId="2c28225e-d492-4964-8551-1b0a3c65dda0" providerId="ADAL" clId="{A1255C39-2EFB-4D15-B143-B65097792378}" dt="2019-03-28T23:49:33.812" v="153" actId="478"/>
-          <ac:spMkLst>
-            <pc:docMk/>
-            <pc:sldMk cId="4056039362" sldId="260"/>
-            <ac:spMk id="12" creationId="{687A944B-A58D-42D4-A5FB-9C5AEDA23012}"/>
-          </ac:spMkLst>
-        </pc:spChg>
-        <pc:spChg chg="add mod">
-          <ac:chgData name="Antonio Osamu Katagiri Tanaka" userId="2c28225e-d492-4964-8551-1b0a3c65dda0" providerId="ADAL" clId="{A1255C39-2EFB-4D15-B143-B65097792378}" dt="2019-03-28T23:56:37.673" v="212" actId="113"/>
-          <ac:spMkLst>
-            <pc:docMk/>
-            <pc:sldMk cId="4056039362" sldId="260"/>
-            <ac:spMk id="14" creationId="{B1FDEF3E-1872-41D3-A841-FBE14801F476}"/>
-          </ac:spMkLst>
-        </pc:spChg>
-        <pc:picChg chg="add del mod">
-          <ac:chgData name="Antonio Osamu Katagiri Tanaka" userId="2c28225e-d492-4964-8551-1b0a3c65dda0" providerId="ADAL" clId="{A1255C39-2EFB-4D15-B143-B65097792378}" dt="2019-03-28T23:50:01.886" v="156" actId="478"/>
+        <pc:picChg chg="add mod">
+          <ac:chgData name="Antonio Osamu Katagiri Tanaka" userId="2c28225e-d492-4964-8551-1b0a3c65dda0" providerId="ADAL" clId="{C59DF1F7-432E-4893-B28C-5D3B004F8374}" dt="2019-03-30T15:01:17.755" v="32"/>
           <ac:picMkLst>
             <pc:docMk/>
-            <pc:sldMk cId="4056039362" sldId="260"/>
-            <ac:picMk id="5" creationId="{977539DB-7CD6-458F-9C2E-830FC458ECDD}"/>
-          </ac:picMkLst>
-        </pc:picChg>
-        <pc:picChg chg="add mod">
-          <ac:chgData name="Antonio Osamu Katagiri Tanaka" userId="2c28225e-d492-4964-8551-1b0a3c65dda0" providerId="ADAL" clId="{A1255C39-2EFB-4D15-B143-B65097792378}" dt="2019-03-28T23:53:58.543" v="189" actId="1036"/>
-          <ac:picMkLst>
-            <pc:docMk/>
-            <pc:sldMk cId="4056039362" sldId="260"/>
-            <ac:picMk id="13" creationId="{8578D0BD-CD2C-44B1-976E-1029D186D2DF}"/>
+            <pc:sldMk cId="4246728971" sldId="269"/>
+            <ac:picMk id="1026" creationId="{62C86081-2859-45C8-BAE6-D2CC488FFFF6}"/>
           </ac:picMkLst>
         </pc:picChg>
       </pc:sldChg>
@@ -844,268 +796,6 @@
     </pc:docChg>
   </pc:docChgLst>
   <pc:docChgLst>
-    <pc:chgData name="Antonio Osamu Katagiri Tanaka" userId="2c28225e-d492-4964-8551-1b0a3c65dda0" providerId="ADAL" clId="{32B8FC8B-73BF-4179-A255-324A3489FE93}"/>
-    <pc:docChg chg="undo custSel addSld delSld modSld modSection">
-      <pc:chgData name="Antonio Osamu Katagiri Tanaka" userId="2c28225e-d492-4964-8551-1b0a3c65dda0" providerId="ADAL" clId="{32B8FC8B-73BF-4179-A255-324A3489FE93}" dt="2019-05-05T18:54:21.532" v="357" actId="6549"/>
-      <pc:docMkLst>
-        <pc:docMk/>
-      </pc:docMkLst>
-      <pc:sldChg chg="modSp">
-        <pc:chgData name="Antonio Osamu Katagiri Tanaka" userId="2c28225e-d492-4964-8551-1b0a3c65dda0" providerId="ADAL" clId="{32B8FC8B-73BF-4179-A255-324A3489FE93}" dt="2019-05-05T18:39:36.571" v="128" actId="20577"/>
-        <pc:sldMkLst>
-          <pc:docMk/>
-          <pc:sldMk cId="3401248549" sldId="256"/>
-        </pc:sldMkLst>
-        <pc:spChg chg="mod">
-          <ac:chgData name="Antonio Osamu Katagiri Tanaka" userId="2c28225e-d492-4964-8551-1b0a3c65dda0" providerId="ADAL" clId="{32B8FC8B-73BF-4179-A255-324A3489FE93}" dt="2019-05-05T18:34:37.442" v="25" actId="20577"/>
-          <ac:spMkLst>
-            <pc:docMk/>
-            <pc:sldMk cId="3401248549" sldId="256"/>
-            <ac:spMk id="6" creationId="{3EB028BF-0783-48AF-AB96-57CC5B2CBEAF}"/>
-          </ac:spMkLst>
-        </pc:spChg>
-        <pc:spChg chg="mod">
-          <ac:chgData name="Antonio Osamu Katagiri Tanaka" userId="2c28225e-d492-4964-8551-1b0a3c65dda0" providerId="ADAL" clId="{32B8FC8B-73BF-4179-A255-324A3489FE93}" dt="2019-05-05T18:39:36.571" v="128" actId="20577"/>
-          <ac:spMkLst>
-            <pc:docMk/>
-            <pc:sldMk cId="3401248549" sldId="256"/>
-            <ac:spMk id="7" creationId="{8D0BEDFD-CE79-4A45-9ADE-72FBEA303FCC}"/>
-          </ac:spMkLst>
-        </pc:spChg>
-      </pc:sldChg>
-      <pc:sldChg chg="modSp">
-        <pc:chgData name="Antonio Osamu Katagiri Tanaka" userId="2c28225e-d492-4964-8551-1b0a3c65dda0" providerId="ADAL" clId="{32B8FC8B-73BF-4179-A255-324A3489FE93}" dt="2019-05-05T18:45:15.734" v="227" actId="20577"/>
-        <pc:sldMkLst>
-          <pc:docMk/>
-          <pc:sldMk cId="1105756717" sldId="257"/>
-        </pc:sldMkLst>
-        <pc:spChg chg="mod">
-          <ac:chgData name="Antonio Osamu Katagiri Tanaka" userId="2c28225e-d492-4964-8551-1b0a3c65dda0" providerId="ADAL" clId="{32B8FC8B-73BF-4179-A255-324A3489FE93}" dt="2019-05-05T18:45:15.734" v="227" actId="20577"/>
-          <ac:spMkLst>
-            <pc:docMk/>
-            <pc:sldMk cId="1105756717" sldId="257"/>
-            <ac:spMk id="3" creationId="{6E971A9A-8031-4781-96A0-B9A5656935B5}"/>
-          </ac:spMkLst>
-        </pc:spChg>
-      </pc:sldChg>
-      <pc:sldChg chg="addSp modSp">
-        <pc:chgData name="Antonio Osamu Katagiri Tanaka" userId="2c28225e-d492-4964-8551-1b0a3c65dda0" providerId="ADAL" clId="{32B8FC8B-73BF-4179-A255-324A3489FE93}" dt="2019-05-05T18:49:27.705" v="261" actId="1076"/>
-        <pc:sldMkLst>
-          <pc:docMk/>
-          <pc:sldMk cId="4056039362" sldId="260"/>
-        </pc:sldMkLst>
-        <pc:spChg chg="add mod">
-          <ac:chgData name="Antonio Osamu Katagiri Tanaka" userId="2c28225e-d492-4964-8551-1b0a3c65dda0" providerId="ADAL" clId="{32B8FC8B-73BF-4179-A255-324A3489FE93}" dt="2019-05-05T18:49:21.171" v="260"/>
-          <ac:spMkLst>
-            <pc:docMk/>
-            <pc:sldMk cId="4056039362" sldId="260"/>
-            <ac:spMk id="4" creationId="{F8AAC0B0-37FC-4A11-B894-7B27109CC8B7}"/>
-          </ac:spMkLst>
-        </pc:spChg>
-        <pc:spChg chg="mod">
-          <ac:chgData name="Antonio Osamu Katagiri Tanaka" userId="2c28225e-d492-4964-8551-1b0a3c65dda0" providerId="ADAL" clId="{32B8FC8B-73BF-4179-A255-324A3489FE93}" dt="2019-05-05T18:46:21.585" v="234"/>
-          <ac:spMkLst>
-            <pc:docMk/>
-            <pc:sldMk cId="4056039362" sldId="260"/>
-            <ac:spMk id="6" creationId="{438892A2-F58C-479B-93B3-BDD2A80D348B}"/>
-          </ac:spMkLst>
-        </pc:spChg>
-        <pc:spChg chg="mod">
-          <ac:chgData name="Antonio Osamu Katagiri Tanaka" userId="2c28225e-d492-4964-8551-1b0a3c65dda0" providerId="ADAL" clId="{32B8FC8B-73BF-4179-A255-324A3489FE93}" dt="2019-05-05T18:49:27.705" v="261" actId="1076"/>
-          <ac:spMkLst>
-            <pc:docMk/>
-            <pc:sldMk cId="4056039362" sldId="260"/>
-            <ac:spMk id="14" creationId="{B1FDEF3E-1872-41D3-A841-FBE14801F476}"/>
-          </ac:spMkLst>
-        </pc:spChg>
-      </pc:sldChg>
-      <pc:sldChg chg="modSp">
-        <pc:chgData name="Antonio Osamu Katagiri Tanaka" userId="2c28225e-d492-4964-8551-1b0a3c65dda0" providerId="ADAL" clId="{32B8FC8B-73BF-4179-A255-324A3489FE93}" dt="2019-05-05T18:54:21.532" v="357" actId="6549"/>
-        <pc:sldMkLst>
-          <pc:docMk/>
-          <pc:sldMk cId="3604131991" sldId="263"/>
-        </pc:sldMkLst>
-        <pc:spChg chg="mod">
-          <ac:chgData name="Antonio Osamu Katagiri Tanaka" userId="2c28225e-d492-4964-8551-1b0a3c65dda0" providerId="ADAL" clId="{32B8FC8B-73BF-4179-A255-324A3489FE93}" dt="2019-05-05T18:54:21.532" v="357" actId="6549"/>
-          <ac:spMkLst>
-            <pc:docMk/>
-            <pc:sldMk cId="3604131991" sldId="263"/>
-            <ac:spMk id="6" creationId="{058630E6-31AF-4451-B084-C9809D0DA4E8}"/>
-          </ac:spMkLst>
-        </pc:spChg>
-      </pc:sldChg>
-      <pc:sldChg chg="modSp">
-        <pc:chgData name="Antonio Osamu Katagiri Tanaka" userId="2c28225e-d492-4964-8551-1b0a3c65dda0" providerId="ADAL" clId="{32B8FC8B-73BF-4179-A255-324A3489FE93}" dt="2019-05-05T18:47:01.963" v="254"/>
-        <pc:sldMkLst>
-          <pc:docMk/>
-          <pc:sldMk cId="708711930" sldId="276"/>
-        </pc:sldMkLst>
-        <pc:spChg chg="mod">
-          <ac:chgData name="Antonio Osamu Katagiri Tanaka" userId="2c28225e-d492-4964-8551-1b0a3c65dda0" providerId="ADAL" clId="{32B8FC8B-73BF-4179-A255-324A3489FE93}" dt="2019-05-05T18:47:01.963" v="254"/>
-          <ac:spMkLst>
-            <pc:docMk/>
-            <pc:sldMk cId="708711930" sldId="276"/>
-            <ac:spMk id="4" creationId="{F9ED8BE6-F7AC-4FD8-8FA8-8C683A7C2F62}"/>
-          </ac:spMkLst>
-        </pc:spChg>
-      </pc:sldChg>
-      <pc:sldChg chg="modSp add">
-        <pc:chgData name="Antonio Osamu Katagiri Tanaka" userId="2c28225e-d492-4964-8551-1b0a3c65dda0" providerId="ADAL" clId="{32B8FC8B-73BF-4179-A255-324A3489FE93}" dt="2019-05-05T18:53:01.095" v="328"/>
-        <pc:sldMkLst>
-          <pc:docMk/>
-          <pc:sldMk cId="1982087068" sldId="282"/>
-        </pc:sldMkLst>
-        <pc:spChg chg="mod">
-          <ac:chgData name="Antonio Osamu Katagiri Tanaka" userId="2c28225e-d492-4964-8551-1b0a3c65dda0" providerId="ADAL" clId="{32B8FC8B-73BF-4179-A255-324A3489FE93}" dt="2019-05-05T18:46:27.589" v="235"/>
-          <ac:spMkLst>
-            <pc:docMk/>
-            <pc:sldMk cId="1982087068" sldId="282"/>
-            <ac:spMk id="6" creationId="{438892A2-F58C-479B-93B3-BDD2A80D348B}"/>
-          </ac:spMkLst>
-        </pc:spChg>
-        <pc:spChg chg="mod">
-          <ac:chgData name="Antonio Osamu Katagiri Tanaka" userId="2c28225e-d492-4964-8551-1b0a3c65dda0" providerId="ADAL" clId="{32B8FC8B-73BF-4179-A255-324A3489FE93}" dt="2019-05-05T18:53:01.095" v="328"/>
-          <ac:spMkLst>
-            <pc:docMk/>
-            <pc:sldMk cId="1982087068" sldId="282"/>
-            <ac:spMk id="14" creationId="{B1FDEF3E-1872-41D3-A841-FBE14801F476}"/>
-          </ac:spMkLst>
-        </pc:spChg>
-      </pc:sldChg>
-      <pc:sldChg chg="modSp add">
-        <pc:chgData name="Antonio Osamu Katagiri Tanaka" userId="2c28225e-d492-4964-8551-1b0a3c65dda0" providerId="ADAL" clId="{32B8FC8B-73BF-4179-A255-324A3489FE93}" dt="2019-05-05T18:50:19.978" v="265" actId="1076"/>
-        <pc:sldMkLst>
-          <pc:docMk/>
-          <pc:sldMk cId="3526386784" sldId="283"/>
-        </pc:sldMkLst>
-        <pc:spChg chg="mod">
-          <ac:chgData name="Antonio Osamu Katagiri Tanaka" userId="2c28225e-d492-4964-8551-1b0a3c65dda0" providerId="ADAL" clId="{32B8FC8B-73BF-4179-A255-324A3489FE93}" dt="2019-05-05T18:46:37.149" v="236"/>
-          <ac:spMkLst>
-            <pc:docMk/>
-            <pc:sldMk cId="3526386784" sldId="283"/>
-            <ac:spMk id="6" creationId="{438892A2-F58C-479B-93B3-BDD2A80D348B}"/>
-          </ac:spMkLst>
-        </pc:spChg>
-        <pc:spChg chg="mod">
-          <ac:chgData name="Antonio Osamu Katagiri Tanaka" userId="2c28225e-d492-4964-8551-1b0a3c65dda0" providerId="ADAL" clId="{32B8FC8B-73BF-4179-A255-324A3489FE93}" dt="2019-05-05T18:50:19.978" v="265" actId="1076"/>
-          <ac:spMkLst>
-            <pc:docMk/>
-            <pc:sldMk cId="3526386784" sldId="283"/>
-            <ac:spMk id="14" creationId="{B1FDEF3E-1872-41D3-A841-FBE14801F476}"/>
-          </ac:spMkLst>
-        </pc:spChg>
-      </pc:sldChg>
-      <pc:sldChg chg="modSp add">
-        <pc:chgData name="Antonio Osamu Katagiri Tanaka" userId="2c28225e-d492-4964-8551-1b0a3c65dda0" providerId="ADAL" clId="{32B8FC8B-73BF-4179-A255-324A3489FE93}" dt="2019-05-05T18:46:50.683" v="253" actId="404"/>
-        <pc:sldMkLst>
-          <pc:docMk/>
-          <pc:sldMk cId="1924512942" sldId="284"/>
-        </pc:sldMkLst>
-        <pc:spChg chg="mod">
-          <ac:chgData name="Antonio Osamu Katagiri Tanaka" userId="2c28225e-d492-4964-8551-1b0a3c65dda0" providerId="ADAL" clId="{32B8FC8B-73BF-4179-A255-324A3489FE93}" dt="2019-05-05T18:46:50.683" v="253" actId="404"/>
-          <ac:spMkLst>
-            <pc:docMk/>
-            <pc:sldMk cId="1924512942" sldId="284"/>
-            <ac:spMk id="6" creationId="{438892A2-F58C-479B-93B3-BDD2A80D348B}"/>
-          </ac:spMkLst>
-        </pc:spChg>
-      </pc:sldChg>
-      <pc:sldChg chg="add del">
-        <pc:chgData name="Antonio Osamu Katagiri Tanaka" userId="2c28225e-d492-4964-8551-1b0a3c65dda0" providerId="ADAL" clId="{32B8FC8B-73BF-4179-A255-324A3489FE93}" dt="2019-05-05T18:46:12.386" v="233" actId="2696"/>
-        <pc:sldMkLst>
-          <pc:docMk/>
-          <pc:sldMk cId="1158943362" sldId="285"/>
-        </pc:sldMkLst>
-      </pc:sldChg>
-    </pc:docChg>
-  </pc:docChgLst>
-  <pc:docChgLst>
-    <pc:chgData name="Antonio Osamu Katagiri Tanaka" userId="2c28225e-d492-4964-8551-1b0a3c65dda0" providerId="ADAL" clId="{C59DF1F7-432E-4893-B28C-5D3B004F8374}"/>
-    <pc:docChg chg="undo redo custSel addSld delSld modSld sldOrd delSection modSection">
-      <pc:chgData name="Antonio Osamu Katagiri Tanaka" userId="2c28225e-d492-4964-8551-1b0a3c65dda0" providerId="ADAL" clId="{C59DF1F7-432E-4893-B28C-5D3B004F8374}" dt="2019-03-31T14:59:20.878" v="389" actId="20577"/>
-      <pc:docMkLst>
-        <pc:docMk/>
-      </pc:docMkLst>
-      <pc:sldChg chg="modSp">
-        <pc:chgData name="Antonio Osamu Katagiri Tanaka" userId="2c28225e-d492-4964-8551-1b0a3c65dda0" providerId="ADAL" clId="{C59DF1F7-432E-4893-B28C-5D3B004F8374}" dt="2019-03-30T15:24:08.167" v="64" actId="1440"/>
-        <pc:sldMkLst>
-          <pc:docMk/>
-          <pc:sldMk cId="4056039362" sldId="260"/>
-        </pc:sldMkLst>
-        <pc:picChg chg="mod">
-          <ac:chgData name="Antonio Osamu Katagiri Tanaka" userId="2c28225e-d492-4964-8551-1b0a3c65dda0" providerId="ADAL" clId="{C59DF1F7-432E-4893-B28C-5D3B004F8374}" dt="2019-03-30T15:24:08.167" v="64" actId="1440"/>
-          <ac:picMkLst>
-            <pc:docMk/>
-            <pc:sldMk cId="4056039362" sldId="260"/>
-            <ac:picMk id="13" creationId="{8578D0BD-CD2C-44B1-976E-1029D186D2DF}"/>
-          </ac:picMkLst>
-        </pc:picChg>
-      </pc:sldChg>
-      <pc:sldChg chg="ord">
-        <pc:chgData name="Antonio Osamu Katagiri Tanaka" userId="2c28225e-d492-4964-8551-1b0a3c65dda0" providerId="ADAL" clId="{C59DF1F7-432E-4893-B28C-5D3B004F8374}" dt="2019-03-30T14:49:00.456" v="1"/>
-        <pc:sldMkLst>
-          <pc:docMk/>
-          <pc:sldMk cId="3604131991" sldId="263"/>
-        </pc:sldMkLst>
-      </pc:sldChg>
-      <pc:sldChg chg="addSp delSp modSp add">
-        <pc:chgData name="Antonio Osamu Katagiri Tanaka" userId="2c28225e-d492-4964-8551-1b0a3c65dda0" providerId="ADAL" clId="{C59DF1F7-432E-4893-B28C-5D3B004F8374}" dt="2019-03-30T15:01:17.755" v="32"/>
-        <pc:sldMkLst>
-          <pc:docMk/>
-          <pc:sldMk cId="4246728971" sldId="269"/>
-        </pc:sldMkLst>
-        <pc:spChg chg="add del mod">
-          <ac:chgData name="Antonio Osamu Katagiri Tanaka" userId="2c28225e-d492-4964-8551-1b0a3c65dda0" providerId="ADAL" clId="{C59DF1F7-432E-4893-B28C-5D3B004F8374}" dt="2019-03-30T14:52:53.260" v="6" actId="478"/>
-          <ac:spMkLst>
-            <pc:docMk/>
-            <pc:sldMk cId="4246728971" sldId="269"/>
-            <ac:spMk id="3" creationId="{BFCEFFC5-7335-4486-8818-2B397870E222}"/>
-          </ac:spMkLst>
-        </pc:spChg>
-        <pc:spChg chg="del">
-          <ac:chgData name="Antonio Osamu Katagiri Tanaka" userId="2c28225e-d492-4964-8551-1b0a3c65dda0" providerId="ADAL" clId="{C59DF1F7-432E-4893-B28C-5D3B004F8374}" dt="2019-03-30T14:52:51.721" v="5" actId="478"/>
-          <ac:spMkLst>
-            <pc:docMk/>
-            <pc:sldMk cId="4246728971" sldId="269"/>
-            <ac:spMk id="4" creationId="{F9ED8BE6-F7AC-4FD8-8FA8-8C683A7C2F62}"/>
-          </ac:spMkLst>
-        </pc:spChg>
-        <pc:spChg chg="del">
-          <ac:chgData name="Antonio Osamu Katagiri Tanaka" userId="2c28225e-d492-4964-8551-1b0a3c65dda0" providerId="ADAL" clId="{C59DF1F7-432E-4893-B28C-5D3B004F8374}" dt="2019-03-30T14:52:55.923" v="7" actId="478"/>
-          <ac:spMkLst>
-            <pc:docMk/>
-            <pc:sldMk cId="4246728971" sldId="269"/>
-            <ac:spMk id="6" creationId="{058630E6-31AF-4451-B084-C9809D0DA4E8}"/>
-          </ac:spMkLst>
-        </pc:spChg>
-        <pc:spChg chg="add del mod">
-          <ac:chgData name="Antonio Osamu Katagiri Tanaka" userId="2c28225e-d492-4964-8551-1b0a3c65dda0" providerId="ADAL" clId="{C59DF1F7-432E-4893-B28C-5D3B004F8374}" dt="2019-03-30T14:52:58.396" v="8" actId="478"/>
-          <ac:spMkLst>
-            <pc:docMk/>
-            <pc:sldMk cId="4246728971" sldId="269"/>
-            <ac:spMk id="7" creationId="{EFB1FD18-9FB8-4EC8-A186-B4E23A6745CA}"/>
-          </ac:spMkLst>
-        </pc:spChg>
-        <pc:spChg chg="add mod">
-          <ac:chgData name="Antonio Osamu Katagiri Tanaka" userId="2c28225e-d492-4964-8551-1b0a3c65dda0" providerId="ADAL" clId="{C59DF1F7-432E-4893-B28C-5D3B004F8374}" dt="2019-03-30T14:57:55.916" v="28" actId="403"/>
-          <ac:spMkLst>
-            <pc:docMk/>
-            <pc:sldMk cId="4246728971" sldId="269"/>
-            <ac:spMk id="9" creationId="{907DD878-B76C-4FC5-9BC3-86C7C3DB3BDA}"/>
-          </ac:spMkLst>
-        </pc:spChg>
-        <pc:picChg chg="add mod">
-          <ac:chgData name="Antonio Osamu Katagiri Tanaka" userId="2c28225e-d492-4964-8551-1b0a3c65dda0" providerId="ADAL" clId="{C59DF1F7-432E-4893-B28C-5D3B004F8374}" dt="2019-03-30T15:01:17.755" v="32"/>
-          <ac:picMkLst>
-            <pc:docMk/>
-            <pc:sldMk cId="4246728971" sldId="269"/>
-            <ac:picMk id="1026" creationId="{62C86081-2859-45C8-BAE6-D2CC488FFFF6}"/>
-          </ac:picMkLst>
-        </pc:picChg>
-      </pc:sldChg>
-    </pc:docChg>
-  </pc:docChgLst>
-  <pc:docChgLst>
     <pc:chgData name="Antonio Osamu Katagiri Tanaka" userId="2c28225e-d492-4964-8551-1b0a3c65dda0" providerId="ADAL" clId="{BA091A27-582A-4D6D-8346-D5CF8624059C}"/>
     <pc:docChg chg="undo custSel addSld delSld modSld sldOrd">
       <pc:chgData name="Antonio Osamu Katagiri Tanaka" userId="2c28225e-d492-4964-8551-1b0a3c65dda0" providerId="ADAL" clId="{BA091A27-582A-4D6D-8346-D5CF8624059C}" dt="2019-03-29T18:11:35.461" v="1535" actId="20577"/>
@@ -1149,6 +839,480 @@
             <ac:spMk id="6" creationId="{058630E6-31AF-4451-B084-C9809D0DA4E8}"/>
           </ac:spMkLst>
         </pc:spChg>
+      </pc:sldChg>
+    </pc:docChg>
+  </pc:docChgLst>
+  <pc:docChgLst>
+    <pc:chgData name="Guest User" userId="S::urn:spo:anon#eefee8524a9af362ce993b59cbad1dc10e96478d9a467e62d16060d771e11e01::" providerId="AD" clId="Web-{4120883B-3EAF-4E35-87A7-AF060FDADAAF}"/>
+    <pc:docChg chg="delSld modSld modSection">
+      <pc:chgData name="Guest User" userId="S::urn:spo:anon#eefee8524a9af362ce993b59cbad1dc10e96478d9a467e62d16060d771e11e01::" providerId="AD" clId="Web-{4120883B-3EAF-4E35-87A7-AF060FDADAAF}" dt="2019-05-06T04:29:14.633" v="367" actId="14100"/>
+      <pc:docMkLst>
+        <pc:docMk/>
+      </pc:docMkLst>
+      <pc:sldChg chg="mod modShow">
+        <pc:chgData name="Guest User" userId="S::urn:spo:anon#eefee8524a9af362ce993b59cbad1dc10e96478d9a467e62d16060d771e11e01::" providerId="AD" clId="Web-{4120883B-3EAF-4E35-87A7-AF060FDADAAF}" dt="2019-05-06T01:44:42.730" v="1"/>
+        <pc:sldMkLst>
+          <pc:docMk/>
+          <pc:sldMk cId="1105756717" sldId="257"/>
+        </pc:sldMkLst>
+      </pc:sldChg>
+      <pc:sldChg chg="modSp">
+        <pc:chgData name="Guest User" userId="S::urn:spo:anon#eefee8524a9af362ce993b59cbad1dc10e96478d9a467e62d16060d771e11e01::" providerId="AD" clId="Web-{4120883B-3EAF-4E35-87A7-AF060FDADAAF}" dt="2019-05-06T04:29:14.633" v="367" actId="14100"/>
+        <pc:sldMkLst>
+          <pc:docMk/>
+          <pc:sldMk cId="708711930" sldId="276"/>
+        </pc:sldMkLst>
+        <pc:spChg chg="mod">
+          <ac:chgData name="Guest User" userId="S::urn:spo:anon#eefee8524a9af362ce993b59cbad1dc10e96478d9a467e62d16060d771e11e01::" providerId="AD" clId="Web-{4120883B-3EAF-4E35-87A7-AF060FDADAAF}" dt="2019-05-06T04:29:14.633" v="367" actId="14100"/>
+          <ac:spMkLst>
+            <pc:docMk/>
+            <pc:sldMk cId="708711930" sldId="276"/>
+            <ac:spMk id="4" creationId="{F9ED8BE6-F7AC-4FD8-8FA8-8C683A7C2F62}"/>
+          </ac:spMkLst>
+        </pc:spChg>
+        <pc:spChg chg="mod">
+          <ac:chgData name="Guest User" userId="S::urn:spo:anon#eefee8524a9af362ce993b59cbad1dc10e96478d9a467e62d16060d771e11e01::" providerId="AD" clId="Web-{4120883B-3EAF-4E35-87A7-AF060FDADAAF}" dt="2019-05-06T04:29:08.336" v="365" actId="20577"/>
+          <ac:spMkLst>
+            <pc:docMk/>
+            <pc:sldMk cId="708711930" sldId="276"/>
+            <ac:spMk id="7" creationId="{43F915F1-9C90-4B6E-AA0B-C9F4FCF704FA}"/>
+          </ac:spMkLst>
+        </pc:spChg>
+      </pc:sldChg>
+      <pc:sldChg chg="del">
+        <pc:chgData name="Guest User" userId="S::urn:spo:anon#eefee8524a9af362ce993b59cbad1dc10e96478d9a467e62d16060d771e11e01::" providerId="AD" clId="Web-{4120883B-3EAF-4E35-87A7-AF060FDADAAF}" dt="2019-05-06T01:44:17.480" v="0"/>
+        <pc:sldMkLst>
+          <pc:docMk/>
+          <pc:sldMk cId="2232161063" sldId="281"/>
+        </pc:sldMkLst>
+      </pc:sldChg>
+      <pc:sldChg chg="modSp">
+        <pc:chgData name="Guest User" userId="S::urn:spo:anon#eefee8524a9af362ce993b59cbad1dc10e96478d9a467e62d16060d771e11e01::" providerId="AD" clId="Web-{4120883B-3EAF-4E35-87A7-AF060FDADAAF}" dt="2019-05-06T04:22:28.927" v="14" actId="20577"/>
+        <pc:sldMkLst>
+          <pc:docMk/>
+          <pc:sldMk cId="3526386784" sldId="283"/>
+        </pc:sldMkLst>
+        <pc:spChg chg="mod">
+          <ac:chgData name="Guest User" userId="S::urn:spo:anon#eefee8524a9af362ce993b59cbad1dc10e96478d9a467e62d16060d771e11e01::" providerId="AD" clId="Web-{4120883B-3EAF-4E35-87A7-AF060FDADAAF}" dt="2019-05-06T04:22:28.927" v="14" actId="20577"/>
+          <ac:spMkLst>
+            <pc:docMk/>
+            <pc:sldMk cId="3526386784" sldId="283"/>
+            <ac:spMk id="14" creationId="{B1FDEF3E-1872-41D3-A841-FBE14801F476}"/>
+          </ac:spMkLst>
+        </pc:spChg>
+      </pc:sldChg>
+    </pc:docChg>
+  </pc:docChgLst>
+  <pc:docChgLst>
+    <pc:chgData name="Antonio Osamu Katagiri Tanaka" userId="2c28225e-d492-4964-8551-1b0a3c65dda0" providerId="ADAL" clId="{32B8FC8B-73BF-4179-A255-324A3489FE93}"/>
+    <pc:docChg chg="undo custSel addSld delSld modSld modSection">
+      <pc:chgData name="Antonio Osamu Katagiri Tanaka" userId="2c28225e-d492-4964-8551-1b0a3c65dda0" providerId="ADAL" clId="{32B8FC8B-73BF-4179-A255-324A3489FE93}" dt="2019-05-06T01:36:25.897" v="545" actId="1076"/>
+      <pc:docMkLst>
+        <pc:docMk/>
+      </pc:docMkLst>
+      <pc:sldChg chg="modSp">
+        <pc:chgData name="Antonio Osamu Katagiri Tanaka" userId="2c28225e-d492-4964-8551-1b0a3c65dda0" providerId="ADAL" clId="{32B8FC8B-73BF-4179-A255-324A3489FE93}" dt="2019-05-05T18:39:36.571" v="128" actId="20577"/>
+        <pc:sldMkLst>
+          <pc:docMk/>
+          <pc:sldMk cId="3401248549" sldId="256"/>
+        </pc:sldMkLst>
+        <pc:spChg chg="mod">
+          <ac:chgData name="Antonio Osamu Katagiri Tanaka" userId="2c28225e-d492-4964-8551-1b0a3c65dda0" providerId="ADAL" clId="{32B8FC8B-73BF-4179-A255-324A3489FE93}" dt="2019-05-05T18:34:37.442" v="25" actId="20577"/>
+          <ac:spMkLst>
+            <pc:docMk/>
+            <pc:sldMk cId="3401248549" sldId="256"/>
+            <ac:spMk id="6" creationId="{3EB028BF-0783-48AF-AB96-57CC5B2CBEAF}"/>
+          </ac:spMkLst>
+        </pc:spChg>
+        <pc:spChg chg="mod">
+          <ac:chgData name="Antonio Osamu Katagiri Tanaka" userId="2c28225e-d492-4964-8551-1b0a3c65dda0" providerId="ADAL" clId="{32B8FC8B-73BF-4179-A255-324A3489FE93}" dt="2019-05-05T18:39:36.571" v="128" actId="20577"/>
+          <ac:spMkLst>
+            <pc:docMk/>
+            <pc:sldMk cId="3401248549" sldId="256"/>
+            <ac:spMk id="7" creationId="{8D0BEDFD-CE79-4A45-9ADE-72FBEA303FCC}"/>
+          </ac:spMkLst>
+        </pc:spChg>
+      </pc:sldChg>
+      <pc:sldChg chg="modSp">
+        <pc:chgData name="Antonio Osamu Katagiri Tanaka" userId="2c28225e-d492-4964-8551-1b0a3c65dda0" providerId="ADAL" clId="{32B8FC8B-73BF-4179-A255-324A3489FE93}" dt="2019-05-05T18:45:15.734" v="227" actId="20577"/>
+        <pc:sldMkLst>
+          <pc:docMk/>
+          <pc:sldMk cId="1105756717" sldId="257"/>
+        </pc:sldMkLst>
+        <pc:spChg chg="mod">
+          <ac:chgData name="Antonio Osamu Katagiri Tanaka" userId="2c28225e-d492-4964-8551-1b0a3c65dda0" providerId="ADAL" clId="{32B8FC8B-73BF-4179-A255-324A3489FE93}" dt="2019-05-05T18:45:15.734" v="227" actId="20577"/>
+          <ac:spMkLst>
+            <pc:docMk/>
+            <pc:sldMk cId="1105756717" sldId="257"/>
+            <ac:spMk id="3" creationId="{6E971A9A-8031-4781-96A0-B9A5656935B5}"/>
+          </ac:spMkLst>
+        </pc:spChg>
+      </pc:sldChg>
+      <pc:sldChg chg="addSp delSp modSp">
+        <pc:chgData name="Antonio Osamu Katagiri Tanaka" userId="2c28225e-d492-4964-8551-1b0a3c65dda0" providerId="ADAL" clId="{32B8FC8B-73BF-4179-A255-324A3489FE93}" dt="2019-05-06T01:30:50.507" v="506" actId="478"/>
+        <pc:sldMkLst>
+          <pc:docMk/>
+          <pc:sldMk cId="4056039362" sldId="260"/>
+        </pc:sldMkLst>
+        <pc:spChg chg="add mod">
+          <ac:chgData name="Antonio Osamu Katagiri Tanaka" userId="2c28225e-d492-4964-8551-1b0a3c65dda0" providerId="ADAL" clId="{32B8FC8B-73BF-4179-A255-324A3489FE93}" dt="2019-05-06T01:30:45.509" v="505" actId="20577"/>
+          <ac:spMkLst>
+            <pc:docMk/>
+            <pc:sldMk cId="4056039362" sldId="260"/>
+            <ac:spMk id="4" creationId="{F8AAC0B0-37FC-4A11-B894-7B27109CC8B7}"/>
+          </ac:spMkLst>
+        </pc:spChg>
+        <pc:spChg chg="mod">
+          <ac:chgData name="Antonio Osamu Katagiri Tanaka" userId="2c28225e-d492-4964-8551-1b0a3c65dda0" providerId="ADAL" clId="{32B8FC8B-73BF-4179-A255-324A3489FE93}" dt="2019-05-05T18:46:21.585" v="234"/>
+          <ac:spMkLst>
+            <pc:docMk/>
+            <pc:sldMk cId="4056039362" sldId="260"/>
+            <ac:spMk id="6" creationId="{438892A2-F58C-479B-93B3-BDD2A80D348B}"/>
+          </ac:spMkLst>
+        </pc:spChg>
+        <pc:spChg chg="del mod">
+          <ac:chgData name="Antonio Osamu Katagiri Tanaka" userId="2c28225e-d492-4964-8551-1b0a3c65dda0" providerId="ADAL" clId="{32B8FC8B-73BF-4179-A255-324A3489FE93}" dt="2019-05-06T01:30:50.507" v="506" actId="478"/>
+          <ac:spMkLst>
+            <pc:docMk/>
+            <pc:sldMk cId="4056039362" sldId="260"/>
+            <ac:spMk id="14" creationId="{B1FDEF3E-1872-41D3-A841-FBE14801F476}"/>
+          </ac:spMkLst>
+        </pc:spChg>
+      </pc:sldChg>
+      <pc:sldChg chg="modSp">
+        <pc:chgData name="Antonio Osamu Katagiri Tanaka" userId="2c28225e-d492-4964-8551-1b0a3c65dda0" providerId="ADAL" clId="{32B8FC8B-73BF-4179-A255-324A3489FE93}" dt="2019-05-05T18:54:21.532" v="357" actId="6549"/>
+        <pc:sldMkLst>
+          <pc:docMk/>
+          <pc:sldMk cId="3604131991" sldId="263"/>
+        </pc:sldMkLst>
+        <pc:spChg chg="mod">
+          <ac:chgData name="Antonio Osamu Katagiri Tanaka" userId="2c28225e-d492-4964-8551-1b0a3c65dda0" providerId="ADAL" clId="{32B8FC8B-73BF-4179-A255-324A3489FE93}" dt="2019-05-05T18:54:21.532" v="357" actId="6549"/>
+          <ac:spMkLst>
+            <pc:docMk/>
+            <pc:sldMk cId="3604131991" sldId="263"/>
+            <ac:spMk id="6" creationId="{058630E6-31AF-4451-B084-C9809D0DA4E8}"/>
+          </ac:spMkLst>
+        </pc:spChg>
+      </pc:sldChg>
+      <pc:sldChg chg="modSp">
+        <pc:chgData name="Antonio Osamu Katagiri Tanaka" userId="2c28225e-d492-4964-8551-1b0a3c65dda0" providerId="ADAL" clId="{32B8FC8B-73BF-4179-A255-324A3489FE93}" dt="2019-05-06T01:33:14.638" v="522"/>
+        <pc:sldMkLst>
+          <pc:docMk/>
+          <pc:sldMk cId="708711930" sldId="276"/>
+        </pc:sldMkLst>
+        <pc:spChg chg="mod">
+          <ac:chgData name="Antonio Osamu Katagiri Tanaka" userId="2c28225e-d492-4964-8551-1b0a3c65dda0" providerId="ADAL" clId="{32B8FC8B-73BF-4179-A255-324A3489FE93}" dt="2019-05-05T18:47:01.963" v="254"/>
+          <ac:spMkLst>
+            <pc:docMk/>
+            <pc:sldMk cId="708711930" sldId="276"/>
+            <ac:spMk id="4" creationId="{F9ED8BE6-F7AC-4FD8-8FA8-8C683A7C2F62}"/>
+          </ac:spMkLst>
+        </pc:spChg>
+        <pc:spChg chg="mod">
+          <ac:chgData name="Antonio Osamu Katagiri Tanaka" userId="2c28225e-d492-4964-8551-1b0a3c65dda0" providerId="ADAL" clId="{32B8FC8B-73BF-4179-A255-324A3489FE93}" dt="2019-05-06T01:33:14.638" v="522"/>
+          <ac:spMkLst>
+            <pc:docMk/>
+            <pc:sldMk cId="708711930" sldId="276"/>
+            <ac:spMk id="7" creationId="{43F915F1-9C90-4B6E-AA0B-C9F4FCF704FA}"/>
+          </ac:spMkLst>
+        </pc:spChg>
+      </pc:sldChg>
+      <pc:sldChg chg="addSp">
+        <pc:chgData name="Antonio Osamu Katagiri Tanaka" userId="2c28225e-d492-4964-8551-1b0a3c65dda0" providerId="ADAL" clId="{32B8FC8B-73BF-4179-A255-324A3489FE93}" dt="2019-05-06T01:30:58.686" v="507"/>
+        <pc:sldMkLst>
+          <pc:docMk/>
+          <pc:sldMk cId="2232161063" sldId="281"/>
+        </pc:sldMkLst>
+        <pc:spChg chg="add">
+          <ac:chgData name="Antonio Osamu Katagiri Tanaka" userId="2c28225e-d492-4964-8551-1b0a3c65dda0" providerId="ADAL" clId="{32B8FC8B-73BF-4179-A255-324A3489FE93}" dt="2019-05-06T01:30:58.686" v="507"/>
+          <ac:spMkLst>
+            <pc:docMk/>
+            <pc:sldMk cId="2232161063" sldId="281"/>
+            <ac:spMk id="3" creationId="{E2C1BD49-4A59-4739-9773-BF73456C40B7}"/>
+          </ac:spMkLst>
+        </pc:spChg>
+      </pc:sldChg>
+      <pc:sldChg chg="modSp add">
+        <pc:chgData name="Antonio Osamu Katagiri Tanaka" userId="2c28225e-d492-4964-8551-1b0a3c65dda0" providerId="ADAL" clId="{32B8FC8B-73BF-4179-A255-324A3489FE93}" dt="2019-05-06T01:22:51.840" v="489" actId="313"/>
+        <pc:sldMkLst>
+          <pc:docMk/>
+          <pc:sldMk cId="1982087068" sldId="282"/>
+        </pc:sldMkLst>
+        <pc:spChg chg="mod">
+          <ac:chgData name="Antonio Osamu Katagiri Tanaka" userId="2c28225e-d492-4964-8551-1b0a3c65dda0" providerId="ADAL" clId="{32B8FC8B-73BF-4179-A255-324A3489FE93}" dt="2019-05-05T18:46:27.589" v="235"/>
+          <ac:spMkLst>
+            <pc:docMk/>
+            <pc:sldMk cId="1982087068" sldId="282"/>
+            <ac:spMk id="6" creationId="{438892A2-F58C-479B-93B3-BDD2A80D348B}"/>
+          </ac:spMkLst>
+        </pc:spChg>
+        <pc:spChg chg="mod">
+          <ac:chgData name="Antonio Osamu Katagiri Tanaka" userId="2c28225e-d492-4964-8551-1b0a3c65dda0" providerId="ADAL" clId="{32B8FC8B-73BF-4179-A255-324A3489FE93}" dt="2019-05-06T01:22:51.840" v="489" actId="313"/>
+          <ac:spMkLst>
+            <pc:docMk/>
+            <pc:sldMk cId="1982087068" sldId="282"/>
+            <ac:spMk id="14" creationId="{B1FDEF3E-1872-41D3-A841-FBE14801F476}"/>
+          </ac:spMkLst>
+        </pc:spChg>
+      </pc:sldChg>
+      <pc:sldChg chg="addSp delSp modSp add">
+        <pc:chgData name="Antonio Osamu Katagiri Tanaka" userId="2c28225e-d492-4964-8551-1b0a3c65dda0" providerId="ADAL" clId="{32B8FC8B-73BF-4179-A255-324A3489FE93}" dt="2019-05-06T01:35:15.004" v="524"/>
+        <pc:sldMkLst>
+          <pc:docMk/>
+          <pc:sldMk cId="3526386784" sldId="283"/>
+        </pc:sldMkLst>
+        <pc:spChg chg="mod">
+          <ac:chgData name="Antonio Osamu Katagiri Tanaka" userId="2c28225e-d492-4964-8551-1b0a3c65dda0" providerId="ADAL" clId="{32B8FC8B-73BF-4179-A255-324A3489FE93}" dt="2019-05-05T18:46:37.149" v="236"/>
+          <ac:spMkLst>
+            <pc:docMk/>
+            <pc:sldMk cId="3526386784" sldId="283"/>
+            <ac:spMk id="6" creationId="{438892A2-F58C-479B-93B3-BDD2A80D348B}"/>
+          </ac:spMkLst>
+        </pc:spChg>
+        <pc:spChg chg="mod">
+          <ac:chgData name="Antonio Osamu Katagiri Tanaka" userId="2c28225e-d492-4964-8551-1b0a3c65dda0" providerId="ADAL" clId="{32B8FC8B-73BF-4179-A255-324A3489FE93}" dt="2019-05-06T01:17:21.193" v="391" actId="20577"/>
+          <ac:spMkLst>
+            <pc:docMk/>
+            <pc:sldMk cId="3526386784" sldId="283"/>
+            <ac:spMk id="14" creationId="{B1FDEF3E-1872-41D3-A841-FBE14801F476}"/>
+          </ac:spMkLst>
+        </pc:spChg>
+        <pc:picChg chg="add del mod">
+          <ac:chgData name="Antonio Osamu Katagiri Tanaka" userId="2c28225e-d492-4964-8551-1b0a3c65dda0" providerId="ADAL" clId="{32B8FC8B-73BF-4179-A255-324A3489FE93}" dt="2019-05-06T01:35:15.004" v="524"/>
+          <ac:picMkLst>
+            <pc:docMk/>
+            <pc:sldMk cId="3526386784" sldId="283"/>
+            <ac:picMk id="3" creationId="{D61DE846-7373-46A2-9116-854F7015B21C}"/>
+          </ac:picMkLst>
+        </pc:picChg>
+      </pc:sldChg>
+      <pc:sldChg chg="addSp delSp modSp add">
+        <pc:chgData name="Antonio Osamu Katagiri Tanaka" userId="2c28225e-d492-4964-8551-1b0a3c65dda0" providerId="ADAL" clId="{32B8FC8B-73BF-4179-A255-324A3489FE93}" dt="2019-05-06T01:36:25.897" v="545" actId="1076"/>
+        <pc:sldMkLst>
+          <pc:docMk/>
+          <pc:sldMk cId="1924512942" sldId="284"/>
+        </pc:sldMkLst>
+        <pc:spChg chg="mod">
+          <ac:chgData name="Antonio Osamu Katagiri Tanaka" userId="2c28225e-d492-4964-8551-1b0a3c65dda0" providerId="ADAL" clId="{32B8FC8B-73BF-4179-A255-324A3489FE93}" dt="2019-05-05T18:46:50.683" v="253" actId="404"/>
+          <ac:spMkLst>
+            <pc:docMk/>
+            <pc:sldMk cId="1924512942" sldId="284"/>
+            <ac:spMk id="6" creationId="{438892A2-F58C-479B-93B3-BDD2A80D348B}"/>
+          </ac:spMkLst>
+        </pc:spChg>
+        <pc:spChg chg="del">
+          <ac:chgData name="Antonio Osamu Katagiri Tanaka" userId="2c28225e-d492-4964-8551-1b0a3c65dda0" providerId="ADAL" clId="{32B8FC8B-73BF-4179-A255-324A3489FE93}" dt="2019-05-06T01:31:03.802" v="508" actId="478"/>
+          <ac:spMkLst>
+            <pc:docMk/>
+            <pc:sldMk cId="1924512942" sldId="284"/>
+            <ac:spMk id="14" creationId="{B1FDEF3E-1872-41D3-A841-FBE14801F476}"/>
+          </ac:spMkLst>
+        </pc:spChg>
+        <pc:picChg chg="add mod">
+          <ac:chgData name="Antonio Osamu Katagiri Tanaka" userId="2c28225e-d492-4964-8551-1b0a3c65dda0" providerId="ADAL" clId="{32B8FC8B-73BF-4179-A255-324A3489FE93}" dt="2019-05-06T01:36:12.553" v="541" actId="1076"/>
+          <ac:picMkLst>
+            <pc:docMk/>
+            <pc:sldMk cId="1924512942" sldId="284"/>
+            <ac:picMk id="3" creationId="{6AB294B2-C0FF-49BE-BF6F-B5E9ADD12668}"/>
+          </ac:picMkLst>
+        </pc:picChg>
+        <pc:picChg chg="add mod">
+          <ac:chgData name="Antonio Osamu Katagiri Tanaka" userId="2c28225e-d492-4964-8551-1b0a3c65dda0" providerId="ADAL" clId="{32B8FC8B-73BF-4179-A255-324A3489FE93}" dt="2019-05-06T01:36:25.897" v="545" actId="1076"/>
+          <ac:picMkLst>
+            <pc:docMk/>
+            <pc:sldMk cId="1924512942" sldId="284"/>
+            <ac:picMk id="5" creationId="{D21522CE-DC73-4A00-89B7-CF3C3BFF4448}"/>
+          </ac:picMkLst>
+        </pc:picChg>
+        <pc:picChg chg="add mod">
+          <ac:chgData name="Antonio Osamu Katagiri Tanaka" userId="2c28225e-d492-4964-8551-1b0a3c65dda0" providerId="ADAL" clId="{32B8FC8B-73BF-4179-A255-324A3489FE93}" dt="2019-05-06T01:36:23.736" v="544" actId="1076"/>
+          <ac:picMkLst>
+            <pc:docMk/>
+            <pc:sldMk cId="1924512942" sldId="284"/>
+            <ac:picMk id="8" creationId="{6BE7C238-D3C2-4039-82DC-842CEE4C9559}"/>
+          </ac:picMkLst>
+        </pc:picChg>
+      </pc:sldChg>
+      <pc:sldChg chg="add del">
+        <pc:chgData name="Antonio Osamu Katagiri Tanaka" userId="2c28225e-d492-4964-8551-1b0a3c65dda0" providerId="ADAL" clId="{32B8FC8B-73BF-4179-A255-324A3489FE93}" dt="2019-05-05T18:46:12.386" v="233" actId="2696"/>
+        <pc:sldMkLst>
+          <pc:docMk/>
+          <pc:sldMk cId="1158943362" sldId="285"/>
+        </pc:sldMkLst>
+      </pc:sldChg>
+    </pc:docChg>
+  </pc:docChgLst>
+  <pc:docChgLst>
+    <pc:chgData name="Antonio Osamu Katagiri Tanaka" userId="2c28225e-d492-4964-8551-1b0a3c65dda0" providerId="ADAL" clId="{A1255C39-2EFB-4D15-B143-B65097792378}"/>
+    <pc:docChg chg="undo custSel addSld delSld modSld">
+      <pc:chgData name="Antonio Osamu Katagiri Tanaka" userId="2c28225e-d492-4964-8551-1b0a3c65dda0" providerId="ADAL" clId="{A1255C39-2EFB-4D15-B143-B65097792378}" dt="2019-03-29T13:16:25.522" v="350" actId="20577"/>
+      <pc:docMkLst>
+        <pc:docMk/>
+      </pc:docMkLst>
+      <pc:sldChg chg="modSp">
+        <pc:chgData name="Antonio Osamu Katagiri Tanaka" userId="2c28225e-d492-4964-8551-1b0a3c65dda0" providerId="ADAL" clId="{A1255C39-2EFB-4D15-B143-B65097792378}" dt="2019-03-28T22:22:21.819" v="38" actId="20577"/>
+        <pc:sldMkLst>
+          <pc:docMk/>
+          <pc:sldMk cId="3401248549" sldId="256"/>
+        </pc:sldMkLst>
+        <pc:spChg chg="mod">
+          <ac:chgData name="Antonio Osamu Katagiri Tanaka" userId="2c28225e-d492-4964-8551-1b0a3c65dda0" providerId="ADAL" clId="{A1255C39-2EFB-4D15-B143-B65097792378}" dt="2019-03-28T22:22:21.819" v="38" actId="20577"/>
+          <ac:spMkLst>
+            <pc:docMk/>
+            <pc:sldMk cId="3401248549" sldId="256"/>
+            <ac:spMk id="7" creationId="{8D0BEDFD-CE79-4A45-9ADE-72FBEA303FCC}"/>
+          </ac:spMkLst>
+        </pc:spChg>
+      </pc:sldChg>
+      <pc:sldChg chg="modSp addCm delCm">
+        <pc:chgData name="Antonio Osamu Katagiri Tanaka" userId="2c28225e-d492-4964-8551-1b0a3c65dda0" providerId="ADAL" clId="{A1255C39-2EFB-4D15-B143-B65097792378}" dt="2019-03-29T13:16:25.522" v="350" actId="20577"/>
+        <pc:sldMkLst>
+          <pc:docMk/>
+          <pc:sldMk cId="1105756717" sldId="257"/>
+        </pc:sldMkLst>
+        <pc:spChg chg="mod">
+          <ac:chgData name="Antonio Osamu Katagiri Tanaka" userId="2c28225e-d492-4964-8551-1b0a3c65dda0" providerId="ADAL" clId="{A1255C39-2EFB-4D15-B143-B65097792378}" dt="2019-03-28T22:24:17.071" v="98" actId="790"/>
+          <ac:spMkLst>
+            <pc:docMk/>
+            <pc:sldMk cId="1105756717" sldId="257"/>
+            <ac:spMk id="2" creationId="{6B4CD107-D7DB-4A9B-AA15-4038D49BB7C0}"/>
+          </ac:spMkLst>
+        </pc:spChg>
+        <pc:spChg chg="mod">
+          <ac:chgData name="Antonio Osamu Katagiri Tanaka" userId="2c28225e-d492-4964-8551-1b0a3c65dda0" providerId="ADAL" clId="{A1255C39-2EFB-4D15-B143-B65097792378}" dt="2019-03-29T13:16:25.522" v="350" actId="20577"/>
+          <ac:spMkLst>
+            <pc:docMk/>
+            <pc:sldMk cId="1105756717" sldId="257"/>
+            <ac:spMk id="3" creationId="{6E971A9A-8031-4781-96A0-B9A5656935B5}"/>
+          </ac:spMkLst>
+        </pc:spChg>
+      </pc:sldChg>
+      <pc:sldChg chg="addSp delSp modSp">
+        <pc:chgData name="Antonio Osamu Katagiri Tanaka" userId="2c28225e-d492-4964-8551-1b0a3c65dda0" providerId="ADAL" clId="{A1255C39-2EFB-4D15-B143-B65097792378}" dt="2019-03-28T23:56:37.673" v="212" actId="113"/>
+        <pc:sldMkLst>
+          <pc:docMk/>
+          <pc:sldMk cId="4056039362" sldId="260"/>
+        </pc:sldMkLst>
+        <pc:spChg chg="del">
+          <ac:chgData name="Antonio Osamu Katagiri Tanaka" userId="2c28225e-d492-4964-8551-1b0a3c65dda0" providerId="ADAL" clId="{A1255C39-2EFB-4D15-B143-B65097792378}" dt="2019-03-28T23:48:09.150" v="129" actId="478"/>
+          <ac:spMkLst>
+            <pc:docMk/>
+            <pc:sldMk cId="4056039362" sldId="260"/>
+            <ac:spMk id="2" creationId="{6B4CD107-D7DB-4A9B-AA15-4038D49BB7C0}"/>
+          </ac:spMkLst>
+        </pc:spChg>
+        <pc:spChg chg="del">
+          <ac:chgData name="Antonio Osamu Katagiri Tanaka" userId="2c28225e-d492-4964-8551-1b0a3c65dda0" providerId="ADAL" clId="{A1255C39-2EFB-4D15-B143-B65097792378}" dt="2019-03-28T23:48:09.150" v="129" actId="478"/>
+          <ac:spMkLst>
+            <pc:docMk/>
+            <pc:sldMk cId="4056039362" sldId="260"/>
+            <ac:spMk id="3" creationId="{6E971A9A-8031-4781-96A0-B9A5656935B5}"/>
+          </ac:spMkLst>
+        </pc:spChg>
+        <pc:spChg chg="add mod">
+          <ac:chgData name="Antonio Osamu Katagiri Tanaka" userId="2c28225e-d492-4964-8551-1b0a3c65dda0" providerId="ADAL" clId="{A1255C39-2EFB-4D15-B143-B65097792378}" dt="2019-03-28T23:50:57.963" v="160" actId="14100"/>
+          <ac:spMkLst>
+            <pc:docMk/>
+            <pc:sldMk cId="4056039362" sldId="260"/>
+            <ac:spMk id="6" creationId="{438892A2-F58C-479B-93B3-BDD2A80D348B}"/>
+          </ac:spMkLst>
+        </pc:spChg>
+        <pc:spChg chg="add del">
+          <ac:chgData name="Antonio Osamu Katagiri Tanaka" userId="2c28225e-d492-4964-8551-1b0a3c65dda0" providerId="ADAL" clId="{A1255C39-2EFB-4D15-B143-B65097792378}" dt="2019-03-28T23:48:28.310" v="146" actId="478"/>
+          <ac:spMkLst>
+            <pc:docMk/>
+            <pc:sldMk cId="4056039362" sldId="260"/>
+            <ac:spMk id="7" creationId="{EF6DB918-A567-432C-9553-B291EBCD9916}"/>
+          </ac:spMkLst>
+        </pc:spChg>
+        <pc:spChg chg="add del mod">
+          <ac:chgData name="Antonio Osamu Katagiri Tanaka" userId="2c28225e-d492-4964-8551-1b0a3c65dda0" providerId="ADAL" clId="{A1255C39-2EFB-4D15-B143-B65097792378}" dt="2019-03-28T23:48:31.374" v="147" actId="478"/>
+          <ac:spMkLst>
+            <pc:docMk/>
+            <pc:sldMk cId="4056039362" sldId="260"/>
+            <ac:spMk id="9" creationId="{1E2B6CCF-ADC6-4398-BBBE-8A3899B1F60D}"/>
+          </ac:spMkLst>
+        </pc:spChg>
+        <pc:spChg chg="add del mod">
+          <ac:chgData name="Antonio Osamu Katagiri Tanaka" userId="2c28225e-d492-4964-8551-1b0a3c65dda0" providerId="ADAL" clId="{A1255C39-2EFB-4D15-B143-B65097792378}" dt="2019-03-28T23:49:31.279" v="152" actId="478"/>
+          <ac:spMkLst>
+            <pc:docMk/>
+            <pc:sldMk cId="4056039362" sldId="260"/>
+            <ac:spMk id="10" creationId="{76E5AA51-769F-464D-B9B3-B06DC2DB3974}"/>
+          </ac:spMkLst>
+        </pc:spChg>
+        <pc:spChg chg="add del mod">
+          <ac:chgData name="Antonio Osamu Katagiri Tanaka" userId="2c28225e-d492-4964-8551-1b0a3c65dda0" providerId="ADAL" clId="{A1255C39-2EFB-4D15-B143-B65097792378}" dt="2019-03-28T23:49:33.812" v="153" actId="478"/>
+          <ac:spMkLst>
+            <pc:docMk/>
+            <pc:sldMk cId="4056039362" sldId="260"/>
+            <ac:spMk id="12" creationId="{687A944B-A58D-42D4-A5FB-9C5AEDA23012}"/>
+          </ac:spMkLst>
+        </pc:spChg>
+        <pc:spChg chg="add mod">
+          <ac:chgData name="Antonio Osamu Katagiri Tanaka" userId="2c28225e-d492-4964-8551-1b0a3c65dda0" providerId="ADAL" clId="{A1255C39-2EFB-4D15-B143-B65097792378}" dt="2019-03-28T23:56:37.673" v="212" actId="113"/>
+          <ac:spMkLst>
+            <pc:docMk/>
+            <pc:sldMk cId="4056039362" sldId="260"/>
+            <ac:spMk id="14" creationId="{B1FDEF3E-1872-41D3-A841-FBE14801F476}"/>
+          </ac:spMkLst>
+        </pc:spChg>
+        <pc:picChg chg="add del mod">
+          <ac:chgData name="Antonio Osamu Katagiri Tanaka" userId="2c28225e-d492-4964-8551-1b0a3c65dda0" providerId="ADAL" clId="{A1255C39-2EFB-4D15-B143-B65097792378}" dt="2019-03-28T23:50:01.886" v="156" actId="478"/>
+          <ac:picMkLst>
+            <pc:docMk/>
+            <pc:sldMk cId="4056039362" sldId="260"/>
+            <ac:picMk id="5" creationId="{977539DB-7CD6-458F-9C2E-830FC458ECDD}"/>
+          </ac:picMkLst>
+        </pc:picChg>
+        <pc:picChg chg="add mod">
+          <ac:chgData name="Antonio Osamu Katagiri Tanaka" userId="2c28225e-d492-4964-8551-1b0a3c65dda0" providerId="ADAL" clId="{A1255C39-2EFB-4D15-B143-B65097792378}" dt="2019-03-28T23:53:58.543" v="189" actId="1036"/>
+          <ac:picMkLst>
+            <pc:docMk/>
+            <pc:sldMk cId="4056039362" sldId="260"/>
+            <ac:picMk id="13" creationId="{8578D0BD-CD2C-44B1-976E-1029D186D2DF}"/>
+          </ac:picMkLst>
+        </pc:picChg>
+      </pc:sldChg>
+    </pc:docChg>
+  </pc:docChgLst>
+  <pc:docChgLst>
+    <pc:chgData name="Guest User" userId="S::urn:spo:anon#eefee8524a9af362ce993b59cbad1dc10e96478d9a467e62d16060d771e11e01::" providerId="AD" clId="Web-{86DC1217-0230-73E2-35DD-C6CD9CFAA5EC}"/>
+    <pc:docChg chg="modSld">
+      <pc:chgData name="Guest User" userId="S::urn:spo:anon#eefee8524a9af362ce993b59cbad1dc10e96478d9a467e62d16060d771e11e01::" providerId="AD" clId="Web-{86DC1217-0230-73E2-35DD-C6CD9CFAA5EC}" dt="2019-05-06T04:36:35.659" v="0" actId="1076"/>
+      <pc:docMkLst>
+        <pc:docMk/>
+      </pc:docMkLst>
+      <pc:sldChg chg="modSp">
+        <pc:chgData name="Guest User" userId="S::urn:spo:anon#eefee8524a9af362ce993b59cbad1dc10e96478d9a467e62d16060d771e11e01::" providerId="AD" clId="Web-{86DC1217-0230-73E2-35DD-C6CD9CFAA5EC}" dt="2019-05-06T04:36:35.659" v="0" actId="1076"/>
+        <pc:sldMkLst>
+          <pc:docMk/>
+          <pc:sldMk cId="1924512942" sldId="284"/>
+        </pc:sldMkLst>
+        <pc:picChg chg="mod">
+          <ac:chgData name="Guest User" userId="S::urn:spo:anon#eefee8524a9af362ce993b59cbad1dc10e96478d9a467e62d16060d771e11e01::" providerId="AD" clId="Web-{86DC1217-0230-73E2-35DD-C6CD9CFAA5EC}" dt="2019-05-06T04:36:35.659" v="0" actId="1076"/>
+          <ac:picMkLst>
+            <pc:docMk/>
+            <pc:sldMk cId="1924512942" sldId="284"/>
+            <ac:picMk id="3" creationId="{6AB294B2-C0FF-49BE-BF6F-B5E9ADD12668}"/>
+          </ac:picMkLst>
+        </pc:picChg>
+      </pc:sldChg>
+    </pc:docChg>
+  </pc:docChgLst>
+  <pc:docChgLst>
+    <pc:chgData name="Guest User" userId="S::urn:spo:anon#eefee8524a9af362ce993b59cbad1dc10e96478d9a467e62d16060d771e11e01::" providerId="AD" clId="Web-{B3554685-8874-0F0B-5B33-F77968689505}"/>
+    <pc:docChg chg="modSld">
+      <pc:chgData name="Guest User" userId="S::urn:spo:anon#eefee8524a9af362ce993b59cbad1dc10e96478d9a467e62d16060d771e11e01::" providerId="AD" clId="Web-{B3554685-8874-0F0B-5B33-F77968689505}" dt="2019-05-06T01:58:42.005" v="0"/>
+      <pc:docMkLst>
+        <pc:docMk/>
+      </pc:docMkLst>
+      <pc:sldChg chg="mod modShow">
+        <pc:chgData name="Guest User" userId="S::urn:spo:anon#eefee8524a9af362ce993b59cbad1dc10e96478d9a467e62d16060d771e11e01::" providerId="AD" clId="Web-{B3554685-8874-0F0B-5B33-F77968689505}" dt="2019-05-06T01:58:42.005" v="0"/>
+        <pc:sldMkLst>
+          <pc:docMk/>
+          <pc:sldMk cId="1105756717" sldId="257"/>
+        </pc:sldMkLst>
       </pc:sldChg>
     </pc:docChg>
   </pc:docChgLst>
@@ -1183,37 +1347,6 @@
     </inkml:brush>
   </inkml:definitions>
   <inkml:trace contextRef="#ctx0" brushRef="#br0">226 0 692 0 0,'-17'0'1812'0'0,"17"0"-484"0"0,-17 0-324 0 0,-1 0-295 0 0,-17 0-237 0 0,18 0-176 0 0,-18 0-108 0 0,18 10-84 0 0,-18-10-96 0 0,18 0-156 0 0,17 0-248 0 0,-17 0-301 0 0,17 0-303 0 0,17-10-372 0 0,-17 10-32 0 0,17 0 192 0 0</inkml:trace>
-</inkml:ink>
-</file>
-
-<file path=ppt/ink/ink2.xml><?xml version="1.0" encoding="utf-8"?>
-<inkml:ink xmlns:inkml="http://www.w3.org/2003/InkML">
-  <inkml:definitions>
-    <inkml:context xml:id="ctx0">
-      <inkml:inkSource xml:id="inkSrc0">
-        <inkml:traceFormat>
-          <inkml:channel name="X" type="integer" min="-2.14748E9" max="2.14748E9" units="cm"/>
-          <inkml:channel name="Y" type="integer" min="-2.14748E9" max="2.14748E9" units="cm"/>
-        </inkml:traceFormat>
-        <inkml:channelProperties>
-          <inkml:channelProperty channel="X" name="resolution" value="1000" units="1/cm"/>
-          <inkml:channelProperty channel="Y" name="resolution" value="1000" units="1/cm"/>
-        </inkml:channelProperties>
-      </inkml:inkSource>
-      <inkml:timestamp xml:id="ts0" timeString="2019-04-04T14:17:54.543"/>
-    </inkml:context>
-    <inkml:brush xml:id="br0">
-      <inkml:brushProperty name="width" value="0.1" units="cm"/>
-      <inkml:brushProperty name="height" value="0.1" units="cm"/>
-      <inkml:brushProperty name="color" value="#B4C3DA"/>
-      <inkml:brushProperty name="ignorePressure" value="1"/>
-      <inkml:brushProperty name="inkEffects" value="silver"/>
-      <inkml:brushProperty name="anchorX" value="-26568.26563"/>
-      <inkml:brushProperty name="anchorY" value="-13048.70605"/>
-      <inkml:brushProperty name="scaleFactor" value="0.5"/>
-    </inkml:brush>
-  </inkml:definitions>
-  <inkml:trace contextRef="#ctx0" brushRef="#br0">1 1,'0'0,"0"0</inkml:trace>
 </inkml:ink>
 </file>
 
@@ -1611,7 +1744,7 @@
           <a:bodyPr/>
           <a:lstStyle/>
           <a:p>
-            <a:endParaRPr lang="en-GB" dirty="0">
+            <a:endParaRPr lang="en-GB">
               <a:solidFill>
                 <a:schemeClr val="bg1">
                   <a:lumMod val="95000"/>
@@ -4943,7 +5076,7 @@
           <a:lstStyle/>
           <a:p>
             <a:r>
-              <a:rPr lang="en-GB" dirty="0">
+              <a:rPr lang="en-GB">
                 <a:solidFill>
                   <a:schemeClr val="bg1">
                     <a:lumMod val="95000"/>
@@ -4954,7 +5087,7 @@
               <a:t>Garden Gem</a:t>
             </a:r>
             <a:br>
-              <a:rPr lang="en-GB" dirty="0">
+              <a:rPr lang="en-GB">
                 <a:solidFill>
                   <a:schemeClr val="bg1">
                     <a:lumMod val="95000"/>
@@ -4964,7 +5097,7 @@
               </a:rPr>
             </a:br>
             <a:r>
-              <a:rPr lang="en-GB" dirty="0">
+              <a:rPr lang="en-GB">
                 <a:solidFill>
                   <a:schemeClr val="bg1">
                     <a:lumMod val="95000"/>
@@ -5006,7 +5139,7 @@
           <a:lstStyle/>
           <a:p>
             <a:r>
-              <a:rPr lang="en-GB" dirty="0">
+              <a:rPr lang="en-GB">
                 <a:solidFill>
                   <a:schemeClr val="bg1">
                     <a:lumMod val="95000"/>
@@ -5017,7 +5150,7 @@
               <a:t>Bruno Gonzalez Soria</a:t>
             </a:r>
             <a:r>
-              <a:rPr lang="en-GB" sz="1800" dirty="0">
+              <a:rPr lang="en-GB" sz="1800">
                 <a:solidFill>
                   <a:schemeClr val="bg1">
                     <a:lumMod val="95000"/>
@@ -5030,7 +5163,7 @@
           </a:p>
           <a:p>
             <a:r>
-              <a:rPr lang="en-GB" dirty="0">
+              <a:rPr lang="en-GB">
                 <a:solidFill>
                   <a:schemeClr val="bg1">
                     <a:lumMod val="95000"/>
@@ -5041,7 +5174,7 @@
               <a:t>Antonio Osamu Katagiri Tanaka</a:t>
             </a:r>
             <a:r>
-              <a:rPr lang="en-GB" sz="1800" dirty="0">
+              <a:rPr lang="en-GB" sz="1800">
                 <a:solidFill>
                   <a:schemeClr val="bg1">
                     <a:lumMod val="95000"/>
@@ -5054,7 +5187,7 @@
           </a:p>
           <a:p>
             <a:r>
-              <a:rPr lang="en-GB" dirty="0">
+              <a:rPr lang="en-GB">
                 <a:solidFill>
                   <a:schemeClr val="bg1">
                     <a:lumMod val="95000"/>
@@ -5065,7 +5198,7 @@
               <a:t>Carlos Cardoso Isidoro</a:t>
             </a:r>
             <a:r>
-              <a:rPr lang="en-GB" sz="1800" dirty="0">
+              <a:rPr lang="en-GB" sz="1800">
                 <a:solidFill>
                   <a:schemeClr val="bg1">
                     <a:lumMod val="95000"/>
@@ -5077,7 +5210,7 @@
             </a:r>
           </a:p>
           <a:p>
-            <a:endParaRPr lang="en-GB" dirty="0">
+            <a:endParaRPr lang="en-GB">
               <a:solidFill>
                 <a:schemeClr val="bg1">
                   <a:lumMod val="95000"/>
@@ -5087,7 +5220,7 @@
             </a:endParaRPr>
           </a:p>
           <a:p>
-            <a:endParaRPr lang="en-GB" dirty="0">
+            <a:endParaRPr lang="en-GB">
               <a:solidFill>
                 <a:schemeClr val="bg1">
                   <a:lumMod val="95000"/>
@@ -5098,7 +5231,7 @@
           </a:p>
           <a:p>
             <a:r>
-              <a:rPr lang="en-GB" dirty="0">
+              <a:rPr lang="en-GB">
                 <a:solidFill>
                   <a:schemeClr val="bg1">
                     <a:lumMod val="95000"/>
@@ -5111,8 +5244,8 @@
           </a:p>
         </p:txBody>
       </p:sp>
-      <mc:AlternateContent xmlns:mc="http://schemas.openxmlformats.org/markup-compatibility/2006" xmlns:p14="http://schemas.microsoft.com/office/powerpoint/2010/main">
-        <mc:Choice Requires="p14">
+      <mc:AlternateContent xmlns:mc="http://schemas.openxmlformats.org/markup-compatibility/2006">
+        <mc:Choice xmlns:p14="http://schemas.microsoft.com/office/powerpoint/2010/main" Requires="p14">
           <p:contentPart p14:bwMode="auto" r:id="rId3">
             <p14:nvContentPartPr>
               <p14:cNvPr id="2" name="Ink 1">
@@ -5131,7 +5264,7 @@
             </p14:xfrm>
           </p:contentPart>
         </mc:Choice>
-        <mc:Fallback xmlns="">
+        <mc:Fallback>
           <p:pic>
             <p:nvPicPr>
               <p:cNvPr id="2" name="Ink 1">
@@ -5152,8 +5285,8 @@
             </p:blipFill>
             <p:spPr>
               <a:xfrm>
-                <a:off x="2017920" y="-518093"/>
-                <a:ext cx="99360" cy="21600"/>
+                <a:off x="2017520" y="-518093"/>
+                <a:ext cx="99438" cy="21600"/>
               </a:xfrm>
               <a:prstGeom prst="rect">
                 <a:avLst/>
@@ -5166,87 +5299,6 @@
     <p:extLst>
       <p:ext uri="{BB962C8B-B14F-4D97-AF65-F5344CB8AC3E}">
         <p14:creationId xmlns:p14="http://schemas.microsoft.com/office/powerpoint/2010/main" val="3401248549"/>
-      </p:ext>
-    </p:extLst>
-  </p:cSld>
-  <p:clrMapOvr>
-    <a:masterClrMapping/>
-  </p:clrMapOvr>
-</p:sld>
-</file>
-
-<file path=ppt/slides/slide10.xml><?xml version="1.0" encoding="utf-8"?>
-<p:sld xmlns:a="http://schemas.openxmlformats.org/drawingml/2006/main" xmlns:r="http://schemas.openxmlformats.org/officeDocument/2006/relationships" xmlns:p="http://schemas.openxmlformats.org/presentationml/2006/main">
-  <p:cSld>
-    <p:spTree>
-      <p:nvGrpSpPr>
-        <p:cNvPr id="1" name=""/>
-        <p:cNvGrpSpPr/>
-        <p:nvPr/>
-      </p:nvGrpSpPr>
-      <p:grpSpPr>
-        <a:xfrm>
-          <a:off x="0" y="0"/>
-          <a:ext cx="0" cy="0"/>
-          <a:chOff x="0" y="0"/>
-          <a:chExt cx="0" cy="0"/>
-        </a:xfrm>
-      </p:grpSpPr>
-      <mc:AlternateContent xmlns:mc="http://schemas.openxmlformats.org/markup-compatibility/2006" xmlns:p14="http://schemas.microsoft.com/office/powerpoint/2010/main" xmlns:aink="http://schemas.microsoft.com/office/drawing/2016/ink">
-        <mc:Choice Requires="p14 aink">
-          <p:contentPart p14:bwMode="auto" r:id="rId2">
-            <p14:nvContentPartPr>
-              <p14:cNvPr id="19" name="Ink 18">
-                <a:extLst>
-                  <a:ext uri="{FF2B5EF4-FFF2-40B4-BE49-F238E27FC236}">
-                    <a16:creationId xmlns:a16="http://schemas.microsoft.com/office/drawing/2014/main" id="{BAA549A7-2830-4ED6-A802-0791908B8068}"/>
-                  </a:ext>
-                </a:extLst>
-              </p14:cNvPr>
-              <p14:cNvContentPartPr/>
-              <p14:nvPr/>
-            </p14:nvContentPartPr>
-            <p14:xfrm>
-              <a:off x="400573" y="7394564"/>
-              <a:ext cx="360" cy="360"/>
-            </p14:xfrm>
-          </p:contentPart>
-        </mc:Choice>
-        <mc:Fallback xmlns="">
-          <p:pic>
-            <p:nvPicPr>
-              <p:cNvPr id="19" name="Ink 18">
-                <a:extLst>
-                  <a:ext uri="{FF2B5EF4-FFF2-40B4-BE49-F238E27FC236}">
-                    <a16:creationId xmlns:a16="http://schemas.microsoft.com/office/drawing/2014/main" id="{BAA549A7-2830-4ED6-A802-0791908B8068}"/>
-                  </a:ext>
-                </a:extLst>
-              </p:cNvPr>
-              <p:cNvPicPr/>
-              <p:nvPr/>
-            </p:nvPicPr>
-            <p:blipFill>
-              <a:blip r:embed="rId3"/>
-              <a:stretch>
-                <a:fillRect/>
-              </a:stretch>
-            </p:blipFill>
-            <p:spPr>
-              <a:xfrm>
-                <a:off x="382933" y="7376924"/>
-                <a:ext cx="36000" cy="36000"/>
-              </a:xfrm>
-              <a:prstGeom prst="rect">
-                <a:avLst/>
-              </a:prstGeom>
-            </p:spPr>
-          </p:pic>
-        </mc:Fallback>
-      </mc:AlternateContent>
-    </p:spTree>
-    <p:extLst>
-      <p:ext uri="{BB962C8B-B14F-4D97-AF65-F5344CB8AC3E}">
-        <p14:creationId xmlns:p14="http://schemas.microsoft.com/office/powerpoint/2010/main" val="2232161063"/>
       </p:ext>
     </p:extLst>
   </p:cSld>
@@ -5300,7 +5352,7 @@
           <a:lstStyle/>
           <a:p>
             <a:r>
-              <a:rPr lang="en-GB" dirty="0">
+              <a:rPr lang="en-GB">
                 <a:solidFill>
                   <a:schemeClr val="bg1">
                     <a:lumMod val="95000"/>
@@ -5340,7 +5392,7 @@
           <a:lstStyle/>
           <a:p>
             <a:r>
-              <a:rPr lang="en-GB" dirty="0">
+              <a:rPr lang="en-GB">
                 <a:solidFill>
                   <a:schemeClr val="bg1">
                     <a:lumMod val="95000"/>
@@ -5353,7 +5405,7 @@
           </a:p>
           <a:p>
             <a:r>
-              <a:rPr lang="en-GB" dirty="0">
+              <a:rPr lang="en-GB">
                 <a:solidFill>
                   <a:schemeClr val="bg1">
                     <a:lumMod val="95000"/>
@@ -5366,7 +5418,7 @@
           </a:p>
           <a:p>
             <a:r>
-              <a:rPr lang="en-GB" dirty="0">
+              <a:rPr lang="en-GB">
                 <a:solidFill>
                   <a:schemeClr val="bg1">
                     <a:lumMod val="95000"/>
@@ -5379,7 +5431,7 @@
           </a:p>
           <a:p>
             <a:r>
-              <a:rPr lang="en-GB" dirty="0">
+              <a:rPr lang="en-GB">
                 <a:solidFill>
                   <a:schemeClr val="bg1">
                     <a:lumMod val="95000"/>
@@ -5391,7 +5443,7 @@
             </a:r>
           </a:p>
           <a:p>
-            <a:endParaRPr lang="en-GB" dirty="0">
+            <a:endParaRPr lang="en-GB">
               <a:solidFill>
                 <a:schemeClr val="bg1">
                   <a:lumMod val="95000"/>
@@ -5459,7 +5511,7 @@
           <a:lstStyle/>
           <a:p>
             <a:r>
-              <a:rPr lang="en-GB" dirty="0">
+              <a:rPr lang="en-GB">
                 <a:solidFill>
                   <a:schemeClr val="bg1">
                     <a:lumMod val="95000"/>
@@ -5474,10 +5526,10 @@
       </p:sp>
       <p:sp>
         <p:nvSpPr>
-          <p:cNvPr id="14" name="Rectangle 13">
-            <a:extLst>
-              <a:ext uri="{FF2B5EF4-FFF2-40B4-BE49-F238E27FC236}">
-                <a16:creationId xmlns:a16="http://schemas.microsoft.com/office/drawing/2014/main" id="{B1FDEF3E-1872-41D3-A841-FBE14801F476}"/>
+          <p:cNvPr id="4" name="Rectangle 3">
+            <a:extLst>
+              <a:ext uri="{FF2B5EF4-FFF2-40B4-BE49-F238E27FC236}">
+                <a16:creationId xmlns:a16="http://schemas.microsoft.com/office/drawing/2014/main" id="{F8AAC0B0-37FC-4A11-B894-7B27109CC8B7}"/>
               </a:ext>
             </a:extLst>
           </p:cNvPr>
@@ -5486,8 +5538,8 @@
         </p:nvSpPr>
         <p:spPr>
           <a:xfrm>
-            <a:off x="942833" y="6334780"/>
-            <a:ext cx="11242960" cy="523220"/>
+            <a:off x="949040" y="1690688"/>
+            <a:ext cx="11242960" cy="4832092"/>
           </a:xfrm>
           <a:prstGeom prst="rect">
             <a:avLst/>
@@ -5500,7 +5552,7 @@
           <a:lstStyle/>
           <a:p>
             <a:r>
-              <a:rPr lang="en-GB" sz="2800" dirty="0">
+              <a:rPr lang="en-GB" sz="2800">
                 <a:solidFill>
                   <a:schemeClr val="bg1">
                     <a:lumMod val="95000"/>
@@ -5508,64 +5560,11 @@
                 </a:solidFill>
                 <a:latin typeface="Arial Nova Light" panose="020B0304020202020204" pitchFamily="34" charset="0"/>
               </a:rPr>
-              <a:t>&lt;content&gt; </a:t>
-            </a:r>
-            <a:r>
-              <a:rPr lang="en-GB" sz="2800" b="1" dirty="0">
-                <a:solidFill>
-                  <a:schemeClr val="tx2">
-                    <a:lumMod val="75000"/>
-                  </a:schemeClr>
-                </a:solidFill>
-                <a:latin typeface="Arial Nova Light" panose="020B0304020202020204" pitchFamily="34" charset="0"/>
-              </a:rPr>
-              <a:t>&lt;key concept&gt;</a:t>
-            </a:r>
-            <a:endParaRPr lang="en-GB" dirty="0"/>
-          </a:p>
-        </p:txBody>
-      </p:sp>
-      <p:sp>
-        <p:nvSpPr>
-          <p:cNvPr id="4" name="Rectangle 3">
-            <a:extLst>
-              <a:ext uri="{FF2B5EF4-FFF2-40B4-BE49-F238E27FC236}">
-                <a16:creationId xmlns:a16="http://schemas.microsoft.com/office/drawing/2014/main" id="{F8AAC0B0-37FC-4A11-B894-7B27109CC8B7}"/>
-              </a:ext>
-            </a:extLst>
-          </p:cNvPr>
-          <p:cNvSpPr/>
-          <p:nvPr/>
-        </p:nvSpPr>
-        <p:spPr>
-          <a:xfrm>
-            <a:off x="949040" y="1690688"/>
-            <a:ext cx="11242960" cy="1815882"/>
-          </a:xfrm>
-          <a:prstGeom prst="rect">
-            <a:avLst/>
-          </a:prstGeom>
-        </p:spPr>
-        <p:txBody>
-          <a:bodyPr wrap="square">
-            <a:spAutoFit/>
-          </a:bodyPr>
-          <a:lstStyle/>
-          <a:p>
-            <a:r>
-              <a:rPr lang="en-GB" sz="2800" dirty="0">
-                <a:solidFill>
-                  <a:schemeClr val="bg1">
-                    <a:lumMod val="95000"/>
-                  </a:schemeClr>
-                </a:solidFill>
-                <a:latin typeface="Arial Nova Light" panose="020B0304020202020204" pitchFamily="34" charset="0"/>
-              </a:rPr>
-              <a:t>Plentiful, healthy, economic and safe food for the entire planet is a topic to be held in our minds for the following years.​</a:t>
-            </a:r>
-          </a:p>
-          <a:p>
-            <a:endParaRPr lang="en-GB" sz="2800" dirty="0">
+              <a:t>Urban agriculture is performed under specific conditions that require technologies different to those used in the rural context. Such specific conditions include among others:</a:t>
+            </a:r>
+          </a:p>
+          <a:p>
+            <a:endParaRPr lang="en-GB" sz="2800">
               <a:solidFill>
                 <a:schemeClr val="bg1">
                   <a:lumMod val="95000"/>
@@ -5575,8 +5574,11 @@
             </a:endParaRPr>
           </a:p>
           <a:p>
-            <a:r>
-              <a:rPr lang="en-GB" sz="2800" dirty="0">
+            <a:pPr marL="514350" indent="-514350">
+              <a:buAutoNum type="arabicParenR"/>
+            </a:pPr>
+            <a:r>
+              <a:rPr lang="en-GB" sz="2800">
                 <a:solidFill>
                   <a:schemeClr val="bg1">
                     <a:lumMod val="95000"/>
@@ -5584,9 +5586,64 @@
                 </a:solidFill>
                 <a:latin typeface="Arial Nova Light" panose="020B0304020202020204" pitchFamily="34" charset="0"/>
               </a:rPr>
+              <a:t>Limited availability of space and the high price of urban land, proximity to large numbers of people (and thus a need for safe production methods),</a:t>
+            </a:r>
+          </a:p>
+          <a:p>
+            <a:pPr marL="514350" indent="-514350">
+              <a:buAutoNum type="arabicParenR"/>
+            </a:pPr>
+            <a:r>
+              <a:rPr lang="en-GB" sz="2800">
+                <a:solidFill>
+                  <a:schemeClr val="bg1">
+                    <a:lumMod val="95000"/>
+                  </a:schemeClr>
+                </a:solidFill>
+                <a:latin typeface="Arial Nova Light" panose="020B0304020202020204" pitchFamily="34" charset="0"/>
+              </a:rPr>
+              <a:t>use of urban resources (organic waste and wastewater), and </a:t>
+            </a:r>
+          </a:p>
+          <a:p>
+            <a:pPr marL="514350" indent="-514350">
+              <a:buAutoNum type="arabicParenR"/>
+            </a:pPr>
+            <a:r>
+              <a:rPr lang="en-GB" sz="2800">
+                <a:solidFill>
+                  <a:schemeClr val="bg1">
+                    <a:lumMod val="95000"/>
+                  </a:schemeClr>
+                </a:solidFill>
+                <a:latin typeface="Arial Nova Light" panose="020B0304020202020204" pitchFamily="34" charset="0"/>
+              </a:rPr>
+              <a:t>possibilities for direct producer-consumer contacts.</a:t>
+            </a:r>
+          </a:p>
+          <a:p>
+            <a:endParaRPr lang="en-GB" sz="2800">
+              <a:solidFill>
+                <a:schemeClr val="bg1">
+                  <a:lumMod val="95000"/>
+                </a:schemeClr>
+              </a:solidFill>
+              <a:latin typeface="Arial Nova Light" panose="020B0304020202020204" pitchFamily="34" charset="0"/>
+            </a:endParaRPr>
+          </a:p>
+          <a:p>
+            <a:r>
+              <a:rPr lang="en-GB" sz="2800">
+                <a:solidFill>
+                  <a:schemeClr val="bg1">
+                    <a:lumMod val="95000"/>
+                  </a:schemeClr>
+                </a:solidFill>
+                <a:latin typeface="Arial Nova Light" panose="020B0304020202020204" pitchFamily="34" charset="0"/>
+              </a:rPr>
               <a:t>Food policies require training citizens about new lifestyles</a:t>
             </a:r>
-            <a:endParaRPr lang="en-GB" dirty="0"/>
+            <a:endParaRPr lang="en-GB"/>
           </a:p>
         </p:txBody>
       </p:sp>
@@ -5647,7 +5704,7 @@
           <a:lstStyle/>
           <a:p>
             <a:r>
-              <a:rPr lang="en-GB" dirty="0">
+              <a:rPr lang="en-GB">
                 <a:solidFill>
                   <a:schemeClr val="bg1">
                     <a:lumMod val="95000"/>
@@ -5675,7 +5732,7 @@
         <p:spPr>
           <a:xfrm>
             <a:off x="949040" y="1690688"/>
-            <a:ext cx="11242960" cy="7263527"/>
+            <a:ext cx="11242960" cy="5262979"/>
           </a:xfrm>
           <a:prstGeom prst="rect">
             <a:avLst/>
@@ -5688,7 +5745,7 @@
           <a:lstStyle/>
           <a:p>
             <a:r>
-              <a:rPr lang="en-GB" sz="2800" dirty="0">
+              <a:rPr lang="en-GB" sz="2800">
                 <a:solidFill>
                   <a:schemeClr val="bg1">
                     <a:lumMod val="95000"/>
@@ -5700,7 +5757,7 @@
             </a:r>
           </a:p>
           <a:p>
-            <a:endParaRPr lang="en-GB" sz="2800" dirty="0">
+            <a:endParaRPr lang="en-GB" sz="2800">
               <a:solidFill>
                 <a:schemeClr val="bg1">
                   <a:lumMod val="95000"/>
@@ -5711,7 +5768,7 @@
           </a:p>
           <a:p>
             <a:r>
-              <a:rPr lang="en-GB" sz="2800" dirty="0">
+              <a:rPr lang="en-GB" sz="2800">
                 <a:solidFill>
                   <a:schemeClr val="bg1">
                     <a:lumMod val="95000"/>
@@ -5719,22 +5776,9 @@
                 </a:solidFill>
                 <a:latin typeface="Arial Nova Light" panose="020B0304020202020204" pitchFamily="34" charset="0"/>
               </a:rPr>
-              <a:t>Economical goal: </a:t>
-            </a:r>
-            <a:r>
-              <a:rPr lang="en-US" sz="2800" dirty="0">
-                <a:solidFill>
-                  <a:schemeClr val="bg1">
-                    <a:lumMod val="95000"/>
-                  </a:schemeClr>
-                </a:solidFill>
-                <a:latin typeface="Arial Nova Light" panose="020B0304020202020204" pitchFamily="34" charset="0"/>
-              </a:rPr>
-              <a:t>Urban gardening has been part of the human economic activities since the emergence of cites as the urban phenomena developed</a:t>
-            </a:r>
-          </a:p>
-          <a:p>
-            <a:endParaRPr lang="en-US" sz="2800" dirty="0">
+              <a:t>Economical goal: For the average citizen, growing vegetables locally saves money and selling the produce (fresh or processed) brings in resources.</a:t>
+            </a:r>
+            <a:endParaRPr lang="en-US" sz="2800">
               <a:solidFill>
                 <a:schemeClr val="bg1">
                   <a:lumMod val="95000"/>
@@ -5744,31 +5788,7 @@
             </a:endParaRPr>
           </a:p>
           <a:p>
-            <a:r>
-              <a:rPr lang="en-US" sz="2800" dirty="0">
-                <a:solidFill>
-                  <a:schemeClr val="bg1">
-                    <a:lumMod val="95000"/>
-                  </a:schemeClr>
-                </a:solidFill>
-                <a:latin typeface="Arial Nova Light" panose="020B0304020202020204" pitchFamily="34" charset="0"/>
-              </a:rPr>
-              <a:t>Social goal: </a:t>
-            </a:r>
-            <a:r>
-              <a:rPr lang="en-GB" sz="2800" dirty="0">
-                <a:solidFill>
-                  <a:schemeClr val="bg1">
-                    <a:lumMod val="95000"/>
-                  </a:schemeClr>
-                </a:solidFill>
-                <a:latin typeface="Arial Nova Light" panose="020B0304020202020204" pitchFamily="34" charset="0"/>
-              </a:rPr>
-              <a:t>Urban gardens are used to protest against political corruption, empowering the people and appealing to citizen responsibility to overcome any crisis​</a:t>
-            </a:r>
-          </a:p>
-          <a:p>
-            <a:endParaRPr lang="en-GB" sz="2800" dirty="0">
+            <a:endParaRPr lang="en-US" sz="2800">
               <a:solidFill>
                 <a:schemeClr val="bg1">
                   <a:lumMod val="95000"/>
@@ -5778,9 +5798,8 @@
             </a:endParaRPr>
           </a:p>
           <a:p>
-            <a:pPr fontAlgn="base"/>
-            <a:r>
-              <a:rPr lang="en-GB" sz="2800" dirty="0">
+            <a:r>
+              <a:rPr lang="en-US" sz="2800">
                 <a:solidFill>
                   <a:schemeClr val="bg1">
                     <a:lumMod val="95000"/>
@@ -5788,10 +5807,10 @@
                 </a:solidFill>
                 <a:latin typeface="Arial Nova Light" panose="020B0304020202020204" pitchFamily="34" charset="0"/>
               </a:rPr>
-              <a:t>Environmental goal: </a:t>
-            </a:r>
-            <a:r>
-              <a:rPr lang="en-US" sz="2800" dirty="0" err="1">
+              <a:t>Social goal: </a:t>
+            </a:r>
+            <a:r>
+              <a:rPr lang="en-GB" sz="2800">
                 <a:solidFill>
                   <a:schemeClr val="bg1">
                     <a:lumMod val="95000"/>
@@ -5799,10 +5818,23 @@
                 </a:solidFill>
                 <a:latin typeface="Arial Nova Light" panose="020B0304020202020204" pitchFamily="34" charset="0"/>
               </a:rPr>
-              <a:t>GardenGem</a:t>
-            </a:r>
-            <a:r>
-              <a:rPr lang="en-US" sz="2800" dirty="0">
+              <a:t>Urban agriculture play an important role for poverty alleviation and social integration.​</a:t>
+            </a:r>
+          </a:p>
+          <a:p>
+            <a:endParaRPr lang="en-GB" sz="2800">
+              <a:solidFill>
+                <a:schemeClr val="bg1">
+                  <a:lumMod val="95000"/>
+                </a:schemeClr>
+              </a:solidFill>
+              <a:latin typeface="Arial Nova Light" panose="020B0304020202020204" pitchFamily="34" charset="0"/>
+            </a:endParaRPr>
+          </a:p>
+          <a:p>
+            <a:pPr fontAlgn="base"/>
+            <a:r>
+              <a:rPr lang="en-GB" sz="2800">
                 <a:solidFill>
                   <a:schemeClr val="bg1">
                     <a:lumMod val="95000"/>
@@ -5810,13 +5842,10 @@
                 </a:solidFill>
                 <a:latin typeface="Arial Nova Light" panose="020B0304020202020204" pitchFamily="34" charset="0"/>
               </a:rPr>
-              <a:t> is meant to improve the caring of the environment in a sustainable and practical way​</a:t>
-            </a:r>
-          </a:p>
-          <a:p>
-            <a:pPr fontAlgn="base"/>
-            <a:r>
-              <a:rPr lang="en-US" sz="2800" dirty="0">
+              <a:t>Environmental goal: </a:t>
+            </a:r>
+            <a:r>
+              <a:rPr lang="en-US" sz="2800">
                 <a:solidFill>
                   <a:schemeClr val="bg1">
                     <a:lumMod val="95000"/>
@@ -5824,11 +5853,8 @@
                 </a:solidFill>
                 <a:latin typeface="Arial Nova Light" panose="020B0304020202020204" pitchFamily="34" charset="0"/>
               </a:rPr>
-              <a:t>Urban agriculture enhances the diversity and distribution of food and non-food products through processes that reuse human and material resources​</a:t>
-            </a:r>
-          </a:p>
-          <a:p>
-            <a:endParaRPr lang="en-GB" dirty="0"/>
+              <a:t>Urban agriculture enhances the diversity and distribution of food products through processes that reuse resources​</a:t>
+            </a:r>
           </a:p>
         </p:txBody>
       </p:sp>
@@ -5889,7 +5915,7 @@
           <a:lstStyle/>
           <a:p>
             <a:r>
-              <a:rPr lang="en-GB" dirty="0">
+              <a:rPr lang="en-GB">
                 <a:solidFill>
                   <a:schemeClr val="bg1">
                     <a:lumMod val="95000"/>
@@ -5917,32 +5943,70 @@
         <p:spPr>
           <a:xfrm>
             <a:off x="942833" y="1690688"/>
-            <a:ext cx="11242960" cy="2246769"/>
+            <a:ext cx="11242960" cy="3108543"/>
           </a:xfrm>
           <a:prstGeom prst="rect">
             <a:avLst/>
           </a:prstGeom>
         </p:spPr>
         <p:txBody>
-          <a:bodyPr wrap="square">
+          <a:bodyPr wrap="square" anchor="t">
             <a:spAutoFit/>
           </a:bodyPr>
           <a:lstStyle/>
           <a:p>
             <a:r>
-              <a:rPr lang="en-GB" sz="2800" dirty="0">
+              <a:rPr lang="en-GB" sz="2800" b="1">
                 <a:solidFill>
                   <a:schemeClr val="bg1">
                     <a:lumMod val="95000"/>
                   </a:schemeClr>
                 </a:solidFill>
-                <a:latin typeface="Arial Nova Light" panose="020B0304020202020204" pitchFamily="34" charset="0"/>
+                <a:latin typeface="Arial Nova Light"/>
               </a:rPr>
-              <a:t>Development of the web application.​</a:t>
-            </a:r>
-          </a:p>
-          <a:p>
-            <a:endParaRPr lang="en-GB" sz="2800" dirty="0">
+              <a:t>Development of the mobile application</a:t>
+            </a:r>
+            <a:endParaRPr lang="en-US" b="1">
+              <a:solidFill>
+                <a:schemeClr val="bg1">
+                  <a:lumMod val="95000"/>
+                </a:schemeClr>
+              </a:solidFill>
+            </a:endParaRPr>
+          </a:p>
+          <a:p>
+            <a:endParaRPr lang="en-GB" sz="2800">
+              <a:solidFill>
+                <a:schemeClr val="bg1">
+                  <a:lumMod val="95000"/>
+                </a:schemeClr>
+              </a:solidFill>
+              <a:latin typeface="Arial Nova Light"/>
+            </a:endParaRPr>
+          </a:p>
+          <a:p>
+            <a:r>
+              <a:rPr lang="en-GB" sz="2800">
+                <a:solidFill>
+                  <a:schemeClr val="bg1">
+                    <a:lumMod val="95000"/>
+                  </a:schemeClr>
+                </a:solidFill>
+                <a:latin typeface="Arial Nova Light"/>
+              </a:rPr>
+              <a:t>The app is able record data about growing plants in order to monitor the growing conditions and make the plants grow better, and identify potential issues during the growing process.</a:t>
+            </a:r>
+            <a:endParaRPr lang="en-GB">
+              <a:solidFill>
+                <a:schemeClr val="bg1">
+                  <a:lumMod val="95000"/>
+                </a:schemeClr>
+              </a:solidFill>
+              <a:cs typeface="Calibri"/>
+            </a:endParaRPr>
+          </a:p>
+          <a:p>
+            <a:endParaRPr lang="en-GB" sz="2800">
               <a:solidFill>
                 <a:schemeClr val="bg1">
                   <a:lumMod val="95000"/>
@@ -5953,7 +6017,7 @@
           </a:p>
           <a:p>
             <a:r>
-              <a:rPr lang="en-GB" sz="2800" dirty="0">
+              <a:rPr lang="en-GB" sz="2800">
                 <a:solidFill>
                   <a:schemeClr val="bg1">
                     <a:lumMod val="95000"/>
@@ -5961,32 +6025,9 @@
                 </a:solidFill>
                 <a:latin typeface="Arial Nova Light" panose="020B0304020202020204" pitchFamily="34" charset="0"/>
               </a:rPr>
-              <a:t>Recovering the data from more than thirty thousand plants.​</a:t>
-            </a:r>
-          </a:p>
-          <a:p>
-            <a:endParaRPr lang="en-GB" sz="2800" dirty="0">
-              <a:solidFill>
-                <a:schemeClr val="bg1">
-                  <a:lumMod val="95000"/>
-                </a:schemeClr>
-              </a:solidFill>
-              <a:latin typeface="Arial Nova Light" panose="020B0304020202020204" pitchFamily="34" charset="0"/>
-            </a:endParaRPr>
-          </a:p>
-          <a:p>
-            <a:r>
-              <a:rPr lang="en-GB" sz="2800" dirty="0">
-                <a:solidFill>
-                  <a:schemeClr val="bg1">
-                    <a:lumMod val="95000"/>
-                  </a:schemeClr>
-                </a:solidFill>
-                <a:latin typeface="Arial Nova Light" panose="020B0304020202020204" pitchFamily="34" charset="0"/>
-              </a:rPr>
               <a:t>Concentrating in the three pillars of sustainability</a:t>
             </a:r>
-            <a:endParaRPr lang="en-GB" dirty="0"/>
+            <a:endParaRPr lang="en-GB"/>
           </a:p>
         </p:txBody>
       </p:sp>
@@ -6047,7 +6088,7 @@
           <a:lstStyle/>
           <a:p>
             <a:r>
-              <a:rPr lang="en-GB" dirty="0">
+              <a:rPr lang="en-GB">
                 <a:solidFill>
                   <a:schemeClr val="bg1">
                     <a:lumMod val="95000"/>
@@ -6058,7 +6099,7 @@
               <a:t>Results </a:t>
             </a:r>
             <a:r>
-              <a:rPr lang="en-GB" sz="2800" dirty="0">
+              <a:rPr lang="en-GB" sz="2800">
                 <a:solidFill>
                   <a:schemeClr val="bg1">
                     <a:lumMod val="95000"/>
@@ -6068,7 +6109,7 @@
               </a:rPr>
               <a:t>(continued)</a:t>
             </a:r>
-            <a:endParaRPr lang="en-GB" dirty="0">
+            <a:endParaRPr lang="en-GB">
               <a:solidFill>
                 <a:schemeClr val="bg1">
                   <a:lumMod val="95000"/>
@@ -6079,59 +6120,114 @@
           </a:p>
         </p:txBody>
       </p:sp>
-      <p:sp>
-        <p:nvSpPr>
-          <p:cNvPr id="14" name="Rectangle 13">
-            <a:extLst>
-              <a:ext uri="{FF2B5EF4-FFF2-40B4-BE49-F238E27FC236}">
-                <a16:creationId xmlns:a16="http://schemas.microsoft.com/office/drawing/2014/main" id="{B1FDEF3E-1872-41D3-A841-FBE14801F476}"/>
-              </a:ext>
-            </a:extLst>
-          </p:cNvPr>
-          <p:cNvSpPr/>
+      <p:pic>
+        <p:nvPicPr>
+          <p:cNvPr id="3" name="Picture 2" descr="A screenshot of a cell phone&#10;&#10;Description automatically generated">
+            <a:extLst>
+              <a:ext uri="{FF2B5EF4-FFF2-40B4-BE49-F238E27FC236}">
+                <a16:creationId xmlns:a16="http://schemas.microsoft.com/office/drawing/2014/main" id="{6AB294B2-C0FF-49BE-BF6F-B5E9ADD12668}"/>
+              </a:ext>
+            </a:extLst>
+          </p:cNvPr>
+          <p:cNvPicPr>
+            <a:picLocks noChangeAspect="1"/>
+          </p:cNvPicPr>
           <p:nvPr/>
-        </p:nvSpPr>
+        </p:nvPicPr>
+        <p:blipFill>
+          <a:blip r:embed="rId2">
+            <a:extLst>
+              <a:ext uri="{28A0092B-C50C-407E-A947-70E740481C1C}">
+                <a14:useLocalDpi xmlns:a14="http://schemas.microsoft.com/office/drawing/2010/main" val="0"/>
+              </a:ext>
+            </a:extLst>
+          </a:blip>
+          <a:stretch>
+            <a:fillRect/>
+          </a:stretch>
+        </p:blipFill>
         <p:spPr>
           <a:xfrm>
-            <a:off x="942833" y="4705003"/>
-            <a:ext cx="11242960" cy="523220"/>
+            <a:off x="8943474" y="-4315"/>
+            <a:ext cx="3248526" cy="6858000"/>
           </a:xfrm>
           <a:prstGeom prst="rect">
             <a:avLst/>
           </a:prstGeom>
         </p:spPr>
-        <p:txBody>
-          <a:bodyPr wrap="square">
-            <a:spAutoFit/>
-          </a:bodyPr>
-          <a:lstStyle/>
-          <a:p>
-            <a:r>
-              <a:rPr lang="en-GB" sz="2800" dirty="0">
-                <a:solidFill>
-                  <a:schemeClr val="bg1">
-                    <a:lumMod val="95000"/>
-                  </a:schemeClr>
-                </a:solidFill>
-                <a:latin typeface="Arial Nova Light" panose="020B0304020202020204" pitchFamily="34" charset="0"/>
-              </a:rPr>
-              <a:t>&lt;content&gt; </a:t>
-            </a:r>
-            <a:r>
-              <a:rPr lang="en-GB" sz="2800" b="1" dirty="0">
-                <a:solidFill>
-                  <a:schemeClr val="tx2">
-                    <a:lumMod val="75000"/>
-                  </a:schemeClr>
-                </a:solidFill>
-                <a:latin typeface="Arial Nova Light" panose="020B0304020202020204" pitchFamily="34" charset="0"/>
-              </a:rPr>
-              <a:t>&lt;key concept&gt;</a:t>
-            </a:r>
-            <a:endParaRPr lang="en-GB" dirty="0"/>
-          </a:p>
-        </p:txBody>
-      </p:sp>
+      </p:pic>
+      <p:pic>
+        <p:nvPicPr>
+          <p:cNvPr id="5" name="Picture 4" descr="A screenshot of a cell phone&#10;&#10;Description automatically generated">
+            <a:extLst>
+              <a:ext uri="{FF2B5EF4-FFF2-40B4-BE49-F238E27FC236}">
+                <a16:creationId xmlns:a16="http://schemas.microsoft.com/office/drawing/2014/main" id="{D21522CE-DC73-4A00-89B7-CF3C3BFF4448}"/>
+              </a:ext>
+            </a:extLst>
+          </p:cNvPr>
+          <p:cNvPicPr>
+            <a:picLocks noChangeAspect="1"/>
+          </p:cNvPicPr>
+          <p:nvPr/>
+        </p:nvPicPr>
+        <p:blipFill>
+          <a:blip r:embed="rId3">
+            <a:extLst>
+              <a:ext uri="{28A0092B-C50C-407E-A947-70E740481C1C}">
+                <a14:useLocalDpi xmlns:a14="http://schemas.microsoft.com/office/drawing/2010/main" val="0"/>
+              </a:ext>
+            </a:extLst>
+          </a:blip>
+          <a:stretch>
+            <a:fillRect/>
+          </a:stretch>
+        </p:blipFill>
+        <p:spPr>
+          <a:xfrm>
+            <a:off x="4938916" y="1690688"/>
+            <a:ext cx="3250794" cy="3250794"/>
+          </a:xfrm>
+          <a:prstGeom prst="rect">
+            <a:avLst/>
+          </a:prstGeom>
+        </p:spPr>
+      </p:pic>
+      <p:pic>
+        <p:nvPicPr>
+          <p:cNvPr id="8" name="Picture 7" descr="A screenshot of a cell phone&#10;&#10;Description automatically generated">
+            <a:extLst>
+              <a:ext uri="{FF2B5EF4-FFF2-40B4-BE49-F238E27FC236}">
+                <a16:creationId xmlns:a16="http://schemas.microsoft.com/office/drawing/2014/main" id="{6BE7C238-D3C2-4039-82DC-842CEE4C9559}"/>
+              </a:ext>
+            </a:extLst>
+          </p:cNvPr>
+          <p:cNvPicPr>
+            <a:picLocks noChangeAspect="1"/>
+          </p:cNvPicPr>
+          <p:nvPr/>
+        </p:nvPicPr>
+        <p:blipFill>
+          <a:blip r:embed="rId4">
+            <a:extLst>
+              <a:ext uri="{28A0092B-C50C-407E-A947-70E740481C1C}">
+                <a14:useLocalDpi xmlns:a14="http://schemas.microsoft.com/office/drawing/2010/main" val="0"/>
+              </a:ext>
+            </a:extLst>
+          </a:blip>
+          <a:stretch>
+            <a:fillRect/>
+          </a:stretch>
+        </p:blipFill>
+        <p:spPr>
+          <a:xfrm>
+            <a:off x="949040" y="1690688"/>
+            <a:ext cx="3250794" cy="3250794"/>
+          </a:xfrm>
+          <a:prstGeom prst="rect">
+            <a:avLst/>
+          </a:prstGeom>
+        </p:spPr>
+      </p:pic>
     </p:spTree>
     <p:extLst>
       <p:ext uri="{BB962C8B-B14F-4D97-AF65-F5344CB8AC3E}">
@@ -6194,7 +6290,7 @@
               <a:buNone/>
             </a:pPr>
             <a:r>
-              <a:rPr lang="en-GB" dirty="0">
+              <a:rPr lang="en-GB">
                 <a:solidFill>
                   <a:schemeClr val="bg1">
                     <a:lumMod val="95000"/>
@@ -6206,7 +6302,7 @@
             </a:r>
           </a:p>
           <a:p>
-            <a:endParaRPr lang="en-GB" dirty="0">
+            <a:endParaRPr lang="en-GB">
               <a:solidFill>
                 <a:schemeClr val="bg1">
                   <a:lumMod val="95000"/>
@@ -6216,7 +6312,7 @@
             </a:endParaRPr>
           </a:p>
           <a:p>
-            <a:endParaRPr lang="en-GB" dirty="0">
+            <a:endParaRPr lang="en-GB">
               <a:solidFill>
                 <a:schemeClr val="bg1">
                   <a:lumMod val="95000"/>
@@ -6226,7 +6322,7 @@
             </a:endParaRPr>
           </a:p>
           <a:p>
-            <a:endParaRPr lang="en-GB" dirty="0">
+            <a:endParaRPr lang="en-GB">
               <a:solidFill>
                 <a:schemeClr val="bg1">
                   <a:lumMod val="95000"/>
@@ -6256,15 +6352,17 @@
         <p:spPr>
           <a:xfrm>
             <a:off x="949040" y="365125"/>
-            <a:ext cx="11242960" cy="1325563"/>
+            <a:ext cx="11242960" cy="632836"/>
           </a:xfrm>
         </p:spPr>
         <p:txBody>
-          <a:bodyPr/>
+          <a:bodyPr>
+            <a:normAutofit fontScale="90000"/>
+          </a:bodyPr>
           <a:lstStyle/>
           <a:p>
             <a:r>
-              <a:rPr lang="en-GB" dirty="0">
+              <a:rPr lang="en-GB">
                 <a:solidFill>
                   <a:schemeClr val="bg1">
                     <a:lumMod val="95000"/>
@@ -6274,7 +6372,7 @@
               </a:rPr>
               <a:t>Conclusions &amp; Further Work</a:t>
             </a:r>
-            <a:endParaRPr lang="en-GB" b="1" dirty="0">
+            <a:endParaRPr lang="en-GB" b="1">
               <a:solidFill>
                 <a:schemeClr val="tx2">
                   <a:lumMod val="75000"/>
@@ -6301,15 +6399,15 @@
         </p:nvSpPr>
         <p:spPr>
           <a:xfrm>
-            <a:off x="949040" y="1690688"/>
-            <a:ext cx="11242960" cy="5167312"/>
+            <a:off x="949040" y="1330470"/>
+            <a:ext cx="11242960" cy="5527530"/>
           </a:xfrm>
           <a:prstGeom prst="rect">
             <a:avLst/>
           </a:prstGeom>
         </p:spPr>
         <p:txBody>
-          <a:bodyPr vert="horz" lIns="91440" tIns="45720" rIns="91440" bIns="45720" rtlCol="0">
+          <a:bodyPr vert="horz" lIns="91440" tIns="45720" rIns="91440" bIns="45720" rtlCol="0" anchor="t">
             <a:normAutofit/>
           </a:bodyPr>
           <a:lstStyle>
@@ -6477,8 +6575,11 @@
             </a:lvl9pPr>
           </a:lstStyle>
           <a:p>
-            <a:r>
-              <a:rPr lang="en-GB" dirty="0">
+            <a:pPr marL="0" indent="0">
+              <a:buNone/>
+            </a:pPr>
+            <a:r>
+              <a:rPr lang="en-GB">
                 <a:solidFill>
                   <a:schemeClr val="bg1">
                     <a:lumMod val="95000"/>
@@ -6486,14 +6587,74 @@
                 </a:solidFill>
                 <a:latin typeface="Arial Nova Light" panose="020B0304020202020204" pitchFamily="34" charset="0"/>
               </a:rPr>
-              <a:t>&lt;Conclusion A&gt;</a:t>
+              <a:t>A growing number of cities are designing policies and programmes on urban agriculture</a:t>
             </a:r>
           </a:p>
           <a:p>
             <a:pPr marL="0" indent="0">
               <a:buNone/>
             </a:pPr>
-            <a:endParaRPr lang="en-GB" dirty="0">
+            <a:endParaRPr lang="en-GB">
+              <a:solidFill>
+                <a:schemeClr val="bg1">
+                  <a:lumMod val="95000"/>
+                </a:schemeClr>
+              </a:solidFill>
+              <a:latin typeface="Arial Nova Light"/>
+            </a:endParaRPr>
+          </a:p>
+          <a:p>
+            <a:r>
+              <a:rPr lang="en-GB">
+                <a:solidFill>
+                  <a:schemeClr val="bg1">
+                    <a:lumMod val="95000"/>
+                  </a:schemeClr>
+                </a:solidFill>
+                <a:latin typeface="Arial Nova Light"/>
+              </a:rPr>
+              <a:t>Urban agriculture has the potential to become a dynamic economic sector that quickly adapts to changing urban conditions and demands</a:t>
+            </a:r>
+          </a:p>
+          <a:p>
+            <a:r>
+              <a:rPr lang="en-GB">
+                <a:solidFill>
+                  <a:schemeClr val="bg1">
+                    <a:lumMod val="95000"/>
+                  </a:schemeClr>
+                </a:solidFill>
+                <a:latin typeface="Arial Nova Light" panose="020B0304020202020204" pitchFamily="34" charset="0"/>
+              </a:rPr>
+              <a:t>The sustainability of urban agriculture is closely related to its contributions to the development of a sustainable and resilient city that is socially inclusive, food-secure, productive and environmentally-healthy.</a:t>
+            </a:r>
+          </a:p>
+          <a:p>
+            <a:r>
+              <a:rPr lang="en-GB">
+                <a:solidFill>
+                  <a:schemeClr val="bg1">
+                    <a:lumMod val="95000"/>
+                  </a:schemeClr>
+                </a:solidFill>
+                <a:latin typeface="Arial Nova Light"/>
+              </a:rPr>
+              <a:t>Another related project that represents an important ally is OpenAg Initiative of the MIT with a Personal Food Computer (PFC)</a:t>
+            </a:r>
+          </a:p>
+          <a:p>
+            <a:r>
+              <a:rPr lang="en-GB">
+                <a:solidFill>
+                  <a:schemeClr val="bg1">
+                    <a:lumMod val="95000"/>
+                  </a:schemeClr>
+                </a:solidFill>
+                <a:latin typeface="Arial Nova Light"/>
+              </a:rPr>
+              <a:t>Legal advice and permits will be required for public gardens</a:t>
+            </a:r>
+            <a:endParaRPr lang="en-GB">
               <a:solidFill>
                 <a:schemeClr val="bg1">
                   <a:lumMod val="95000"/>
@@ -6501,19 +6662,6 @@
               </a:solidFill>
               <a:latin typeface="Arial Nova Light" panose="020B0304020202020204" pitchFamily="34" charset="0"/>
             </a:endParaRPr>
-          </a:p>
-          <a:p>
-            <a:r>
-              <a:rPr lang="en-GB" dirty="0">
-                <a:solidFill>
-                  <a:schemeClr val="bg1">
-                    <a:lumMod val="95000"/>
-                  </a:schemeClr>
-                </a:solidFill>
-                <a:latin typeface="Arial Nova Light" panose="020B0304020202020204" pitchFamily="34" charset="0"/>
-              </a:rPr>
-              <a:t>&lt;Conclusion B&gt;</a:t>
-            </a:r>
           </a:p>
         </p:txBody>
       </p:sp>
@@ -6577,7 +6725,7 @@
           <a:p>
             <a:pPr algn="ctr"/>
             <a:r>
-              <a:rPr lang="en-GB" sz="6000" b="1" dirty="0">
+              <a:rPr lang="en-GB" sz="6000" b="1">
                 <a:solidFill>
                   <a:schemeClr val="tx1">
                     <a:lumMod val="75000"/>
@@ -6695,7 +6843,7 @@
           <a:lstStyle/>
           <a:p>
             <a:r>
-              <a:rPr lang="en-GB" dirty="0">
+              <a:rPr lang="en-GB">
                 <a:solidFill>
                   <a:schemeClr val="bg1">
                     <a:lumMod val="95000"/>
@@ -6741,7 +6889,7 @@
               <a:buAutoNum type="arabicPeriod"/>
             </a:pPr>
             <a:r>
-              <a:rPr lang="en-GB" dirty="0">
+              <a:rPr lang="en-GB">
                 <a:solidFill>
                   <a:schemeClr val="bg1">
                     <a:lumMod val="95000"/>
@@ -6752,7 +6900,7 @@
               <a:t>Barthel, S., Parker, J., &amp; </a:t>
             </a:r>
             <a:r>
-              <a:rPr lang="en-GB" dirty="0" err="1">
+              <a:rPr lang="en-GB" err="1">
                 <a:solidFill>
                   <a:schemeClr val="bg1">
                     <a:lumMod val="95000"/>
@@ -6763,7 +6911,7 @@
               <a:t>Ernstson</a:t>
             </a:r>
             <a:r>
-              <a:rPr lang="en-GB" dirty="0">
+              <a:rPr lang="en-GB">
                 <a:solidFill>
                   <a:schemeClr val="bg1">
                     <a:lumMod val="95000"/>
@@ -6780,7 +6928,7 @@
               <a:buAutoNum type="arabicPeriod"/>
             </a:pPr>
             <a:r>
-              <a:rPr lang="en-GB" dirty="0">
+              <a:rPr lang="en-GB">
                 <a:solidFill>
                   <a:schemeClr val="bg1">
                     <a:lumMod val="95000"/>
@@ -6797,7 +6945,7 @@
               <a:buAutoNum type="arabicPeriod"/>
             </a:pPr>
             <a:r>
-              <a:rPr lang="en-GB" dirty="0" err="1">
+              <a:rPr lang="en-GB" err="1">
                 <a:solidFill>
                   <a:schemeClr val="bg1">
                     <a:lumMod val="95000"/>
@@ -6808,7 +6956,7 @@
               <a:t>Calvet</a:t>
             </a:r>
             <a:r>
-              <a:rPr lang="en-GB" dirty="0">
+              <a:rPr lang="en-GB">
                 <a:solidFill>
                   <a:schemeClr val="bg1">
                     <a:lumMod val="95000"/>
@@ -6825,7 +6973,7 @@
               <a:buAutoNum type="arabicPeriod"/>
             </a:pPr>
             <a:r>
-              <a:rPr lang="en-GB" dirty="0" err="1">
+              <a:rPr lang="en-GB" err="1">
                 <a:solidFill>
                   <a:schemeClr val="bg1">
                     <a:lumMod val="95000"/>
@@ -6836,7 +6984,7 @@
               <a:t>Certomà</a:t>
             </a:r>
             <a:r>
-              <a:rPr lang="en-GB" dirty="0">
+              <a:rPr lang="en-GB">
                 <a:solidFill>
                   <a:schemeClr val="bg1">
                     <a:lumMod val="95000"/>
@@ -6853,7 +7001,7 @@
               <a:buAutoNum type="arabicPeriod"/>
             </a:pPr>
             <a:r>
-              <a:rPr lang="en-GB" dirty="0" err="1">
+              <a:rPr lang="en-GB" err="1">
                 <a:solidFill>
                   <a:schemeClr val="bg1">
                     <a:lumMod val="95000"/>
@@ -6864,7 +7012,7 @@
               <a:t>Sandrini</a:t>
             </a:r>
             <a:r>
-              <a:rPr lang="en-GB" dirty="0">
+              <a:rPr lang="en-GB">
                 <a:solidFill>
                   <a:schemeClr val="bg1">
                     <a:lumMod val="95000"/>
@@ -6875,7 +7023,7 @@
               <a:t>, S., &amp; </a:t>
             </a:r>
             <a:r>
-              <a:rPr lang="en-GB" dirty="0" err="1">
+              <a:rPr lang="en-GB" err="1">
                 <a:solidFill>
                   <a:schemeClr val="bg1">
                     <a:lumMod val="95000"/>
@@ -6886,7 +7034,7 @@
               <a:t>Cabini</a:t>
             </a:r>
             <a:r>
-              <a:rPr lang="en-GB" dirty="0">
+              <a:rPr lang="en-GB">
                 <a:solidFill>
                   <a:schemeClr val="bg1">
                     <a:lumMod val="95000"/>
@@ -6903,7 +7051,7 @@
               <a:buAutoNum type="arabicPeriod"/>
             </a:pPr>
             <a:r>
-              <a:rPr lang="en-GB" dirty="0" err="1">
+              <a:rPr lang="en-GB" err="1">
                 <a:solidFill>
                   <a:schemeClr val="bg1">
                     <a:lumMod val="95000"/>
@@ -6914,7 +7062,7 @@
               <a:t>Trefle</a:t>
             </a:r>
             <a:r>
-              <a:rPr lang="en-GB" dirty="0">
+              <a:rPr lang="en-GB">
                 <a:solidFill>
                   <a:schemeClr val="bg1">
                     <a:lumMod val="95000"/>

--- a/1.2.Leadership_for_Sus_Dev/FProject/PRESENTATION_FINAL_PROJECT.pptx
+++ b/1.2.Leadership_for_Sus_Dev/FProject/PRESENTATION_FINAL_PROJECT.pptx
@@ -182,10 +182,7 @@
 <file path=ppt/revisionInfo.xml><?xml version="1.0" encoding="utf-8"?>
 <p1510:revInfo xmlns:a="http://schemas.openxmlformats.org/drawingml/2006/main" xmlns:r="http://schemas.openxmlformats.org/officeDocument/2006/relationships" xmlns:p1510="http://schemas.microsoft.com/office/powerpoint/2015/10/main">
   <p1510:revLst>
-    <p1510:client id="{32B8FC8B-73BF-4179-A255-324A3489FE93}" v="82" dt="2019-05-06T01:35:44.563"/>
-    <p1510:client id="{4120883B-3EAF-4E35-87A7-AF060FDADAAF}" v="121" dt="2019-05-06T04:29:14.633"/>
-    <p1510:client id="{86DC1217-0230-73E2-35DD-C6CD9CFAA5EC}" v="1" dt="2019-05-06T04:36:35.659"/>
-    <p1510:client id="{E8966260-3096-4054-A5E0-0A91A10A6CF4}" v="12" dt="2019-05-05T18:21:47.650"/>
+    <p1510:client id="{180D7613-7C21-35A1-BFD9-84875C7D6962}" v="379" dt="2019-05-13T02:14:01.669"/>
   </p1510:revLst>
 </p1510:revInfo>
 </file>
@@ -449,92 +446,6 @@
             <ac:inkMk id="19" creationId="{BAA549A7-2830-4ED6-A802-0791908B8068}"/>
           </ac:inkMkLst>
         </pc:inkChg>
-      </pc:sldChg>
-    </pc:docChg>
-  </pc:docChgLst>
-  <pc:docChgLst>
-    <pc:chgData name="Antonio Osamu Katagiri Tanaka" userId="2c28225e-d492-4964-8551-1b0a3c65dda0" providerId="ADAL" clId="{C59DF1F7-432E-4893-B28C-5D3B004F8374}"/>
-    <pc:docChg chg="undo redo custSel addSld delSld modSld sldOrd delSection modSection">
-      <pc:chgData name="Antonio Osamu Katagiri Tanaka" userId="2c28225e-d492-4964-8551-1b0a3c65dda0" providerId="ADAL" clId="{C59DF1F7-432E-4893-B28C-5D3B004F8374}" dt="2019-03-31T14:59:20.878" v="389" actId="20577"/>
-      <pc:docMkLst>
-        <pc:docMk/>
-      </pc:docMkLst>
-      <pc:sldChg chg="modSp">
-        <pc:chgData name="Antonio Osamu Katagiri Tanaka" userId="2c28225e-d492-4964-8551-1b0a3c65dda0" providerId="ADAL" clId="{C59DF1F7-432E-4893-B28C-5D3B004F8374}" dt="2019-03-30T15:24:08.167" v="64" actId="1440"/>
-        <pc:sldMkLst>
-          <pc:docMk/>
-          <pc:sldMk cId="4056039362" sldId="260"/>
-        </pc:sldMkLst>
-        <pc:picChg chg="mod">
-          <ac:chgData name="Antonio Osamu Katagiri Tanaka" userId="2c28225e-d492-4964-8551-1b0a3c65dda0" providerId="ADAL" clId="{C59DF1F7-432E-4893-B28C-5D3B004F8374}" dt="2019-03-30T15:24:08.167" v="64" actId="1440"/>
-          <ac:picMkLst>
-            <pc:docMk/>
-            <pc:sldMk cId="4056039362" sldId="260"/>
-            <ac:picMk id="13" creationId="{8578D0BD-CD2C-44B1-976E-1029D186D2DF}"/>
-          </ac:picMkLst>
-        </pc:picChg>
-      </pc:sldChg>
-      <pc:sldChg chg="ord">
-        <pc:chgData name="Antonio Osamu Katagiri Tanaka" userId="2c28225e-d492-4964-8551-1b0a3c65dda0" providerId="ADAL" clId="{C59DF1F7-432E-4893-B28C-5D3B004F8374}" dt="2019-03-30T14:49:00.456" v="1"/>
-        <pc:sldMkLst>
-          <pc:docMk/>
-          <pc:sldMk cId="3604131991" sldId="263"/>
-        </pc:sldMkLst>
-      </pc:sldChg>
-      <pc:sldChg chg="addSp delSp modSp add">
-        <pc:chgData name="Antonio Osamu Katagiri Tanaka" userId="2c28225e-d492-4964-8551-1b0a3c65dda0" providerId="ADAL" clId="{C59DF1F7-432E-4893-B28C-5D3B004F8374}" dt="2019-03-30T15:01:17.755" v="32"/>
-        <pc:sldMkLst>
-          <pc:docMk/>
-          <pc:sldMk cId="4246728971" sldId="269"/>
-        </pc:sldMkLst>
-        <pc:spChg chg="add del mod">
-          <ac:chgData name="Antonio Osamu Katagiri Tanaka" userId="2c28225e-d492-4964-8551-1b0a3c65dda0" providerId="ADAL" clId="{C59DF1F7-432E-4893-B28C-5D3B004F8374}" dt="2019-03-30T14:52:53.260" v="6" actId="478"/>
-          <ac:spMkLst>
-            <pc:docMk/>
-            <pc:sldMk cId="4246728971" sldId="269"/>
-            <ac:spMk id="3" creationId="{BFCEFFC5-7335-4486-8818-2B397870E222}"/>
-          </ac:spMkLst>
-        </pc:spChg>
-        <pc:spChg chg="del">
-          <ac:chgData name="Antonio Osamu Katagiri Tanaka" userId="2c28225e-d492-4964-8551-1b0a3c65dda0" providerId="ADAL" clId="{C59DF1F7-432E-4893-B28C-5D3B004F8374}" dt="2019-03-30T14:52:51.721" v="5" actId="478"/>
-          <ac:spMkLst>
-            <pc:docMk/>
-            <pc:sldMk cId="4246728971" sldId="269"/>
-            <ac:spMk id="4" creationId="{F9ED8BE6-F7AC-4FD8-8FA8-8C683A7C2F62}"/>
-          </ac:spMkLst>
-        </pc:spChg>
-        <pc:spChg chg="del">
-          <ac:chgData name="Antonio Osamu Katagiri Tanaka" userId="2c28225e-d492-4964-8551-1b0a3c65dda0" providerId="ADAL" clId="{C59DF1F7-432E-4893-B28C-5D3B004F8374}" dt="2019-03-30T14:52:55.923" v="7" actId="478"/>
-          <ac:spMkLst>
-            <pc:docMk/>
-            <pc:sldMk cId="4246728971" sldId="269"/>
-            <ac:spMk id="6" creationId="{058630E6-31AF-4451-B084-C9809D0DA4E8}"/>
-          </ac:spMkLst>
-        </pc:spChg>
-        <pc:spChg chg="add del mod">
-          <ac:chgData name="Antonio Osamu Katagiri Tanaka" userId="2c28225e-d492-4964-8551-1b0a3c65dda0" providerId="ADAL" clId="{C59DF1F7-432E-4893-B28C-5D3B004F8374}" dt="2019-03-30T14:52:58.396" v="8" actId="478"/>
-          <ac:spMkLst>
-            <pc:docMk/>
-            <pc:sldMk cId="4246728971" sldId="269"/>
-            <ac:spMk id="7" creationId="{EFB1FD18-9FB8-4EC8-A186-B4E23A6745CA}"/>
-          </ac:spMkLst>
-        </pc:spChg>
-        <pc:spChg chg="add mod">
-          <ac:chgData name="Antonio Osamu Katagiri Tanaka" userId="2c28225e-d492-4964-8551-1b0a3c65dda0" providerId="ADAL" clId="{C59DF1F7-432E-4893-B28C-5D3B004F8374}" dt="2019-03-30T14:57:55.916" v="28" actId="403"/>
-          <ac:spMkLst>
-            <pc:docMk/>
-            <pc:sldMk cId="4246728971" sldId="269"/>
-            <ac:spMk id="9" creationId="{907DD878-B76C-4FC5-9BC3-86C7C3DB3BDA}"/>
-          </ac:spMkLst>
-        </pc:spChg>
-        <pc:picChg chg="add mod">
-          <ac:chgData name="Antonio Osamu Katagiri Tanaka" userId="2c28225e-d492-4964-8551-1b0a3c65dda0" providerId="ADAL" clId="{C59DF1F7-432E-4893-B28C-5D3B004F8374}" dt="2019-03-30T15:01:17.755" v="32"/>
-          <ac:picMkLst>
-            <pc:docMk/>
-            <pc:sldMk cId="4246728971" sldId="269"/>
-            <ac:picMk id="1026" creationId="{62C86081-2859-45C8-BAE6-D2CC488FFFF6}"/>
-          </ac:picMkLst>
-        </pc:picChg>
       </pc:sldChg>
     </pc:docChg>
   </pc:docChgLst>
@@ -796,6 +707,92 @@
     </pc:docChg>
   </pc:docChgLst>
   <pc:docChgLst>
+    <pc:chgData name="Antonio Osamu Katagiri Tanaka" userId="2c28225e-d492-4964-8551-1b0a3c65dda0" providerId="ADAL" clId="{C59DF1F7-432E-4893-B28C-5D3B004F8374}"/>
+    <pc:docChg chg="undo redo custSel addSld delSld modSld sldOrd delSection modSection">
+      <pc:chgData name="Antonio Osamu Katagiri Tanaka" userId="2c28225e-d492-4964-8551-1b0a3c65dda0" providerId="ADAL" clId="{C59DF1F7-432E-4893-B28C-5D3B004F8374}" dt="2019-03-31T14:59:20.878" v="389" actId="20577"/>
+      <pc:docMkLst>
+        <pc:docMk/>
+      </pc:docMkLst>
+      <pc:sldChg chg="modSp">
+        <pc:chgData name="Antonio Osamu Katagiri Tanaka" userId="2c28225e-d492-4964-8551-1b0a3c65dda0" providerId="ADAL" clId="{C59DF1F7-432E-4893-B28C-5D3B004F8374}" dt="2019-03-30T15:24:08.167" v="64" actId="1440"/>
+        <pc:sldMkLst>
+          <pc:docMk/>
+          <pc:sldMk cId="4056039362" sldId="260"/>
+        </pc:sldMkLst>
+        <pc:picChg chg="mod">
+          <ac:chgData name="Antonio Osamu Katagiri Tanaka" userId="2c28225e-d492-4964-8551-1b0a3c65dda0" providerId="ADAL" clId="{C59DF1F7-432E-4893-B28C-5D3B004F8374}" dt="2019-03-30T15:24:08.167" v="64" actId="1440"/>
+          <ac:picMkLst>
+            <pc:docMk/>
+            <pc:sldMk cId="4056039362" sldId="260"/>
+            <ac:picMk id="13" creationId="{8578D0BD-CD2C-44B1-976E-1029D186D2DF}"/>
+          </ac:picMkLst>
+        </pc:picChg>
+      </pc:sldChg>
+      <pc:sldChg chg="ord">
+        <pc:chgData name="Antonio Osamu Katagiri Tanaka" userId="2c28225e-d492-4964-8551-1b0a3c65dda0" providerId="ADAL" clId="{C59DF1F7-432E-4893-B28C-5D3B004F8374}" dt="2019-03-30T14:49:00.456" v="1"/>
+        <pc:sldMkLst>
+          <pc:docMk/>
+          <pc:sldMk cId="3604131991" sldId="263"/>
+        </pc:sldMkLst>
+      </pc:sldChg>
+      <pc:sldChg chg="addSp delSp modSp add">
+        <pc:chgData name="Antonio Osamu Katagiri Tanaka" userId="2c28225e-d492-4964-8551-1b0a3c65dda0" providerId="ADAL" clId="{C59DF1F7-432E-4893-B28C-5D3B004F8374}" dt="2019-03-30T15:01:17.755" v="32"/>
+        <pc:sldMkLst>
+          <pc:docMk/>
+          <pc:sldMk cId="4246728971" sldId="269"/>
+        </pc:sldMkLst>
+        <pc:spChg chg="add del mod">
+          <ac:chgData name="Antonio Osamu Katagiri Tanaka" userId="2c28225e-d492-4964-8551-1b0a3c65dda0" providerId="ADAL" clId="{C59DF1F7-432E-4893-B28C-5D3B004F8374}" dt="2019-03-30T14:52:53.260" v="6" actId="478"/>
+          <ac:spMkLst>
+            <pc:docMk/>
+            <pc:sldMk cId="4246728971" sldId="269"/>
+            <ac:spMk id="3" creationId="{BFCEFFC5-7335-4486-8818-2B397870E222}"/>
+          </ac:spMkLst>
+        </pc:spChg>
+        <pc:spChg chg="del">
+          <ac:chgData name="Antonio Osamu Katagiri Tanaka" userId="2c28225e-d492-4964-8551-1b0a3c65dda0" providerId="ADAL" clId="{C59DF1F7-432E-4893-B28C-5D3B004F8374}" dt="2019-03-30T14:52:51.721" v="5" actId="478"/>
+          <ac:spMkLst>
+            <pc:docMk/>
+            <pc:sldMk cId="4246728971" sldId="269"/>
+            <ac:spMk id="4" creationId="{F9ED8BE6-F7AC-4FD8-8FA8-8C683A7C2F62}"/>
+          </ac:spMkLst>
+        </pc:spChg>
+        <pc:spChg chg="del">
+          <ac:chgData name="Antonio Osamu Katagiri Tanaka" userId="2c28225e-d492-4964-8551-1b0a3c65dda0" providerId="ADAL" clId="{C59DF1F7-432E-4893-B28C-5D3B004F8374}" dt="2019-03-30T14:52:55.923" v="7" actId="478"/>
+          <ac:spMkLst>
+            <pc:docMk/>
+            <pc:sldMk cId="4246728971" sldId="269"/>
+            <ac:spMk id="6" creationId="{058630E6-31AF-4451-B084-C9809D0DA4E8}"/>
+          </ac:spMkLst>
+        </pc:spChg>
+        <pc:spChg chg="add del mod">
+          <ac:chgData name="Antonio Osamu Katagiri Tanaka" userId="2c28225e-d492-4964-8551-1b0a3c65dda0" providerId="ADAL" clId="{C59DF1F7-432E-4893-B28C-5D3B004F8374}" dt="2019-03-30T14:52:58.396" v="8" actId="478"/>
+          <ac:spMkLst>
+            <pc:docMk/>
+            <pc:sldMk cId="4246728971" sldId="269"/>
+            <ac:spMk id="7" creationId="{EFB1FD18-9FB8-4EC8-A186-B4E23A6745CA}"/>
+          </ac:spMkLst>
+        </pc:spChg>
+        <pc:spChg chg="add mod">
+          <ac:chgData name="Antonio Osamu Katagiri Tanaka" userId="2c28225e-d492-4964-8551-1b0a3c65dda0" providerId="ADAL" clId="{C59DF1F7-432E-4893-B28C-5D3B004F8374}" dt="2019-03-30T14:57:55.916" v="28" actId="403"/>
+          <ac:spMkLst>
+            <pc:docMk/>
+            <pc:sldMk cId="4246728971" sldId="269"/>
+            <ac:spMk id="9" creationId="{907DD878-B76C-4FC5-9BC3-86C7C3DB3BDA}"/>
+          </ac:spMkLst>
+        </pc:spChg>
+        <pc:picChg chg="add mod">
+          <ac:chgData name="Antonio Osamu Katagiri Tanaka" userId="2c28225e-d492-4964-8551-1b0a3c65dda0" providerId="ADAL" clId="{C59DF1F7-432E-4893-B28C-5D3B004F8374}" dt="2019-03-30T15:01:17.755" v="32"/>
+          <ac:picMkLst>
+            <pc:docMk/>
+            <pc:sldMk cId="4246728971" sldId="269"/>
+            <ac:picMk id="1026" creationId="{62C86081-2859-45C8-BAE6-D2CC488FFFF6}"/>
+          </ac:picMkLst>
+        </pc:picChg>
+      </pc:sldChg>
+    </pc:docChg>
+  </pc:docChgLst>
+  <pc:docChgLst>
     <pc:chgData name="Antonio Osamu Katagiri Tanaka" userId="2c28225e-d492-4964-8551-1b0a3c65dda0" providerId="ADAL" clId="{BA091A27-582A-4D6D-8346-D5CF8624059C}"/>
     <pc:docChg chg="undo custSel addSld delSld modSld sldOrd">
       <pc:chgData name="Antonio Osamu Katagiri Tanaka" userId="2c28225e-d492-4964-8551-1b0a3c65dda0" providerId="ADAL" clId="{BA091A27-582A-4D6D-8346-D5CF8624059C}" dt="2019-03-29T18:11:35.461" v="1535" actId="20577"/>
@@ -898,6 +895,145 @@
             <pc:docMk/>
             <pc:sldMk cId="3526386784" sldId="283"/>
             <ac:spMk id="14" creationId="{B1FDEF3E-1872-41D3-A841-FBE14801F476}"/>
+          </ac:spMkLst>
+        </pc:spChg>
+      </pc:sldChg>
+    </pc:docChg>
+  </pc:docChgLst>
+  <pc:docChgLst>
+    <pc:chgData name="Guest User" userId="S::urn:spo:anon#241d39677f0dd6285931f75b3e496679dc54a87f4eb745685bb5652cce676f84::" providerId="AD" clId="Web-{180D7613-7C21-35A1-BFD9-84875C7D6962}"/>
+    <pc:docChg chg="modSld">
+      <pc:chgData name="Guest User" userId="S::urn:spo:anon#241d39677f0dd6285931f75b3e496679dc54a87f4eb745685bb5652cce676f84::" providerId="AD" clId="Web-{180D7613-7C21-35A1-BFD9-84875C7D6962}" dt="2019-05-13T04:22:25.259" v="1314" actId="20577"/>
+      <pc:docMkLst>
+        <pc:docMk/>
+      </pc:docMkLst>
+      <pc:sldChg chg="modSp">
+        <pc:chgData name="Guest User" userId="S::urn:spo:anon#241d39677f0dd6285931f75b3e496679dc54a87f4eb745685bb5652cce676f84::" providerId="AD" clId="Web-{180D7613-7C21-35A1-BFD9-84875C7D6962}" dt="2019-05-13T01:51:35.900" v="470" actId="20577"/>
+        <pc:sldMkLst>
+          <pc:docMk/>
+          <pc:sldMk cId="4056039362" sldId="260"/>
+        </pc:sldMkLst>
+        <pc:spChg chg="mod">
+          <ac:chgData name="Guest User" userId="S::urn:spo:anon#241d39677f0dd6285931f75b3e496679dc54a87f4eb745685bb5652cce676f84::" providerId="AD" clId="Web-{180D7613-7C21-35A1-BFD9-84875C7D6962}" dt="2019-05-13T01:51:32.010" v="469" actId="1076"/>
+          <ac:spMkLst>
+            <pc:docMk/>
+            <pc:sldMk cId="4056039362" sldId="260"/>
+            <ac:spMk id="4" creationId="{F8AAC0B0-37FC-4A11-B894-7B27109CC8B7}"/>
+          </ac:spMkLst>
+        </pc:spChg>
+        <pc:spChg chg="mod">
+          <ac:chgData name="Guest User" userId="S::urn:spo:anon#241d39677f0dd6285931f75b3e496679dc54a87f4eb745685bb5652cce676f84::" providerId="AD" clId="Web-{180D7613-7C21-35A1-BFD9-84875C7D6962}" dt="2019-05-13T01:51:35.900" v="470" actId="20577"/>
+          <ac:spMkLst>
+            <pc:docMk/>
+            <pc:sldMk cId="4056039362" sldId="260"/>
+            <ac:spMk id="6" creationId="{438892A2-F58C-479B-93B3-BDD2A80D348B}"/>
+          </ac:spMkLst>
+        </pc:spChg>
+      </pc:sldChg>
+      <pc:sldChg chg="modSp">
+        <pc:chgData name="Guest User" userId="S::urn:spo:anon#241d39677f0dd6285931f75b3e496679dc54a87f4eb745685bb5652cce676f84::" providerId="AD" clId="Web-{180D7613-7C21-35A1-BFD9-84875C7D6962}" dt="2019-05-13T01:55:21.554" v="521" actId="20577"/>
+        <pc:sldMkLst>
+          <pc:docMk/>
+          <pc:sldMk cId="3604131991" sldId="263"/>
+        </pc:sldMkLst>
+        <pc:spChg chg="mod">
+          <ac:chgData name="Guest User" userId="S::urn:spo:anon#241d39677f0dd6285931f75b3e496679dc54a87f4eb745685bb5652cce676f84::" providerId="AD" clId="Web-{180D7613-7C21-35A1-BFD9-84875C7D6962}" dt="2019-05-13T01:53:59.665" v="500" actId="20577"/>
+          <ac:spMkLst>
+            <pc:docMk/>
+            <pc:sldMk cId="3604131991" sldId="263"/>
+            <ac:spMk id="4" creationId="{F9ED8BE6-F7AC-4FD8-8FA8-8C683A7C2F62}"/>
+          </ac:spMkLst>
+        </pc:spChg>
+        <pc:spChg chg="mod">
+          <ac:chgData name="Guest User" userId="S::urn:spo:anon#241d39677f0dd6285931f75b3e496679dc54a87f4eb745685bb5652cce676f84::" providerId="AD" clId="Web-{180D7613-7C21-35A1-BFD9-84875C7D6962}" dt="2019-05-13T01:55:21.554" v="521" actId="20577"/>
+          <ac:spMkLst>
+            <pc:docMk/>
+            <pc:sldMk cId="3604131991" sldId="263"/>
+            <ac:spMk id="6" creationId="{058630E6-31AF-4451-B084-C9809D0DA4E8}"/>
+          </ac:spMkLst>
+        </pc:spChg>
+      </pc:sldChg>
+      <pc:sldChg chg="modSp">
+        <pc:chgData name="Guest User" userId="S::urn:spo:anon#241d39677f0dd6285931f75b3e496679dc54a87f4eb745685bb5652cce676f84::" providerId="AD" clId="Web-{180D7613-7C21-35A1-BFD9-84875C7D6962}" dt="2019-05-13T01:53:55.493" v="497" actId="20577"/>
+        <pc:sldMkLst>
+          <pc:docMk/>
+          <pc:sldMk cId="708711930" sldId="276"/>
+        </pc:sldMkLst>
+        <pc:spChg chg="mod">
+          <ac:chgData name="Guest User" userId="S::urn:spo:anon#241d39677f0dd6285931f75b3e496679dc54a87f4eb745685bb5652cce676f84::" providerId="AD" clId="Web-{180D7613-7C21-35A1-BFD9-84875C7D6962}" dt="2019-05-13T01:53:55.493" v="497" actId="20577"/>
+          <ac:spMkLst>
+            <pc:docMk/>
+            <pc:sldMk cId="708711930" sldId="276"/>
+            <ac:spMk id="4" creationId="{F9ED8BE6-F7AC-4FD8-8FA8-8C683A7C2F62}"/>
+          </ac:spMkLst>
+        </pc:spChg>
+        <pc:spChg chg="mod">
+          <ac:chgData name="Guest User" userId="S::urn:spo:anon#241d39677f0dd6285931f75b3e496679dc54a87f4eb745685bb5652cce676f84::" providerId="AD" clId="Web-{180D7613-7C21-35A1-BFD9-84875C7D6962}" dt="2019-05-13T00:30:05.687" v="27" actId="20577"/>
+          <ac:spMkLst>
+            <pc:docMk/>
+            <pc:sldMk cId="708711930" sldId="276"/>
+            <ac:spMk id="7" creationId="{43F915F1-9C90-4B6E-AA0B-C9F4FCF704FA}"/>
+          </ac:spMkLst>
+        </pc:spChg>
+      </pc:sldChg>
+      <pc:sldChg chg="modSp">
+        <pc:chgData name="Guest User" userId="S::urn:spo:anon#241d39677f0dd6285931f75b3e496679dc54a87f4eb745685bb5652cce676f84::" providerId="AD" clId="Web-{180D7613-7C21-35A1-BFD9-84875C7D6962}" dt="2019-05-13T02:10:18.500" v="589" actId="20577"/>
+        <pc:sldMkLst>
+          <pc:docMk/>
+          <pc:sldMk cId="1982087068" sldId="282"/>
+        </pc:sldMkLst>
+        <pc:spChg chg="mod">
+          <ac:chgData name="Guest User" userId="S::urn:spo:anon#241d39677f0dd6285931f75b3e496679dc54a87f4eb745685bb5652cce676f84::" providerId="AD" clId="Web-{180D7613-7C21-35A1-BFD9-84875C7D6962}" dt="2019-05-13T01:51:41.213" v="473" actId="20577"/>
+          <ac:spMkLst>
+            <pc:docMk/>
+            <pc:sldMk cId="1982087068" sldId="282"/>
+            <ac:spMk id="6" creationId="{438892A2-F58C-479B-93B3-BDD2A80D348B}"/>
+          </ac:spMkLst>
+        </pc:spChg>
+        <pc:spChg chg="mod">
+          <ac:chgData name="Guest User" userId="S::urn:spo:anon#241d39677f0dd6285931f75b3e496679dc54a87f4eb745685bb5652cce676f84::" providerId="AD" clId="Web-{180D7613-7C21-35A1-BFD9-84875C7D6962}" dt="2019-05-13T02:10:18.500" v="589" actId="20577"/>
+          <ac:spMkLst>
+            <pc:docMk/>
+            <pc:sldMk cId="1982087068" sldId="282"/>
+            <ac:spMk id="14" creationId="{B1FDEF3E-1872-41D3-A841-FBE14801F476}"/>
+          </ac:spMkLst>
+        </pc:spChg>
+      </pc:sldChg>
+      <pc:sldChg chg="modSp">
+        <pc:chgData name="Guest User" userId="S::urn:spo:anon#241d39677f0dd6285931f75b3e496679dc54a87f4eb745685bb5652cce676f84::" providerId="AD" clId="Web-{180D7613-7C21-35A1-BFD9-84875C7D6962}" dt="2019-05-13T04:22:25.259" v="1313" actId="20577"/>
+        <pc:sldMkLst>
+          <pc:docMk/>
+          <pc:sldMk cId="3526386784" sldId="283"/>
+        </pc:sldMkLst>
+        <pc:spChg chg="mod">
+          <ac:chgData name="Guest User" userId="S::urn:spo:anon#241d39677f0dd6285931f75b3e496679dc54a87f4eb745685bb5652cce676f84::" providerId="AD" clId="Web-{180D7613-7C21-35A1-BFD9-84875C7D6962}" dt="2019-05-13T04:21:40.181" v="1250" actId="1076"/>
+          <ac:spMkLst>
+            <pc:docMk/>
+            <pc:sldMk cId="3526386784" sldId="283"/>
+            <ac:spMk id="6" creationId="{438892A2-F58C-479B-93B3-BDD2A80D348B}"/>
+          </ac:spMkLst>
+        </pc:spChg>
+        <pc:spChg chg="mod">
+          <ac:chgData name="Guest User" userId="S::urn:spo:anon#241d39677f0dd6285931f75b3e496679dc54a87f4eb745685bb5652cce676f84::" providerId="AD" clId="Web-{180D7613-7C21-35A1-BFD9-84875C7D6962}" dt="2019-05-13T04:22:25.259" v="1313" actId="20577"/>
+          <ac:spMkLst>
+            <pc:docMk/>
+            <pc:sldMk cId="3526386784" sldId="283"/>
+            <ac:spMk id="14" creationId="{B1FDEF3E-1872-41D3-A841-FBE14801F476}"/>
+          </ac:spMkLst>
+        </pc:spChg>
+      </pc:sldChg>
+      <pc:sldChg chg="modSp">
+        <pc:chgData name="Guest User" userId="S::urn:spo:anon#241d39677f0dd6285931f75b3e496679dc54a87f4eb745685bb5652cce676f84::" providerId="AD" clId="Web-{180D7613-7C21-35A1-BFD9-84875C7D6962}" dt="2019-05-13T01:53:51.602" v="494" actId="20577"/>
+        <pc:sldMkLst>
+          <pc:docMk/>
+          <pc:sldMk cId="1924512942" sldId="284"/>
+        </pc:sldMkLst>
+        <pc:spChg chg="mod">
+          <ac:chgData name="Guest User" userId="S::urn:spo:anon#241d39677f0dd6285931f75b3e496679dc54a87f4eb745685bb5652cce676f84::" providerId="AD" clId="Web-{180D7613-7C21-35A1-BFD9-84875C7D6962}" dt="2019-05-13T01:53:51.602" v="494" actId="20577"/>
+          <ac:spMkLst>
+            <pc:docMk/>
+            <pc:sldMk cId="1924512942" sldId="284"/>
+            <ac:spMk id="6" creationId="{438892A2-F58C-479B-93B3-BDD2A80D348B}"/>
           </ac:spMkLst>
         </pc:spChg>
       </pc:sldChg>
@@ -1432,7 +1568,7 @@
           <a:p>
             <a:fld id="{1B402B64-CAC4-4D07-834F-F232921309C8}" type="datetimeFigureOut">
               <a:rPr lang="en-GB" smtClean="0"/>
-              <a:t>05/05/2019</a:t>
+              <a:t>12/05/2019</a:t>
             </a:fld>
             <a:endParaRPr lang="en-GB"/>
           </a:p>
@@ -1940,7 +2076,7 @@
           <a:p>
             <a:fld id="{D884633D-11AC-4888-94B9-297E606567D1}" type="datetimeFigureOut">
               <a:rPr lang="en-GB" smtClean="0"/>
-              <a:t>05/05/2019</a:t>
+              <a:t>12/05/2019</a:t>
             </a:fld>
             <a:endParaRPr lang="en-GB"/>
           </a:p>
@@ -2140,7 +2276,7 @@
           <a:p>
             <a:fld id="{D884633D-11AC-4888-94B9-297E606567D1}" type="datetimeFigureOut">
               <a:rPr lang="en-GB" smtClean="0"/>
-              <a:t>05/05/2019</a:t>
+              <a:t>12/05/2019</a:t>
             </a:fld>
             <a:endParaRPr lang="en-GB"/>
           </a:p>
@@ -2350,7 +2486,7 @@
           <a:p>
             <a:fld id="{D884633D-11AC-4888-94B9-297E606567D1}" type="datetimeFigureOut">
               <a:rPr lang="en-GB" smtClean="0"/>
-              <a:t>05/05/2019</a:t>
+              <a:t>12/05/2019</a:t>
             </a:fld>
             <a:endParaRPr lang="en-GB"/>
           </a:p>
@@ -2550,7 +2686,7 @@
           <a:p>
             <a:fld id="{D884633D-11AC-4888-94B9-297E606567D1}" type="datetimeFigureOut">
               <a:rPr lang="en-GB" smtClean="0"/>
-              <a:t>05/05/2019</a:t>
+              <a:t>12/05/2019</a:t>
             </a:fld>
             <a:endParaRPr lang="en-GB"/>
           </a:p>
@@ -2826,7 +2962,7 @@
           <a:p>
             <a:fld id="{D884633D-11AC-4888-94B9-297E606567D1}" type="datetimeFigureOut">
               <a:rPr lang="en-GB" smtClean="0"/>
-              <a:t>05/05/2019</a:t>
+              <a:t>12/05/2019</a:t>
             </a:fld>
             <a:endParaRPr lang="en-GB"/>
           </a:p>
@@ -3094,7 +3230,7 @@
           <a:p>
             <a:fld id="{D884633D-11AC-4888-94B9-297E606567D1}" type="datetimeFigureOut">
               <a:rPr lang="en-GB" smtClean="0"/>
-              <a:t>05/05/2019</a:t>
+              <a:t>12/05/2019</a:t>
             </a:fld>
             <a:endParaRPr lang="en-GB"/>
           </a:p>
@@ -3509,7 +3645,7 @@
           <a:p>
             <a:fld id="{D884633D-11AC-4888-94B9-297E606567D1}" type="datetimeFigureOut">
               <a:rPr lang="en-GB" smtClean="0"/>
-              <a:t>05/05/2019</a:t>
+              <a:t>12/05/2019</a:t>
             </a:fld>
             <a:endParaRPr lang="en-GB"/>
           </a:p>
@@ -3651,7 +3787,7 @@
           <a:p>
             <a:fld id="{D884633D-11AC-4888-94B9-297E606567D1}" type="datetimeFigureOut">
               <a:rPr lang="en-GB" smtClean="0"/>
-              <a:t>05/05/2019</a:t>
+              <a:t>12/05/2019</a:t>
             </a:fld>
             <a:endParaRPr lang="en-GB"/>
           </a:p>
@@ -3764,7 +3900,7 @@
           <a:p>
             <a:fld id="{D884633D-11AC-4888-94B9-297E606567D1}" type="datetimeFigureOut">
               <a:rPr lang="en-GB" smtClean="0"/>
-              <a:t>05/05/2019</a:t>
+              <a:t>12/05/2019</a:t>
             </a:fld>
             <a:endParaRPr lang="en-GB"/>
           </a:p>
@@ -4077,7 +4213,7 @@
           <a:p>
             <a:fld id="{D884633D-11AC-4888-94B9-297E606567D1}" type="datetimeFigureOut">
               <a:rPr lang="en-GB" smtClean="0"/>
-              <a:t>05/05/2019</a:t>
+              <a:t>12/05/2019</a:t>
             </a:fld>
             <a:endParaRPr lang="en-GB"/>
           </a:p>
@@ -4366,7 +4502,7 @@
           <a:p>
             <a:fld id="{D884633D-11AC-4888-94B9-297E606567D1}" type="datetimeFigureOut">
               <a:rPr lang="en-GB" smtClean="0"/>
-              <a:t>05/05/2019</a:t>
+              <a:t>12/05/2019</a:t>
             </a:fld>
             <a:endParaRPr lang="en-GB"/>
           </a:p>
@@ -4618,7 +4754,7 @@
           <a:p>
             <a:fld id="{D884633D-11AC-4888-94B9-297E606567D1}" type="datetimeFigureOut">
               <a:rPr lang="en-GB" smtClean="0"/>
-              <a:t>05/05/2019</a:t>
+              <a:t>12/05/2019</a:t>
             </a:fld>
             <a:endParaRPr lang="en-GB"/>
           </a:p>
@@ -5502,8 +5638,8 @@
         </p:nvSpPr>
         <p:spPr>
           <a:xfrm>
-            <a:off x="949040" y="365125"/>
-            <a:ext cx="11242960" cy="1325563"/>
+            <a:off x="949040" y="4907"/>
+            <a:ext cx="11242960" cy="1020763"/>
           </a:xfrm>
         </p:spPr>
         <p:txBody>
@@ -5511,13 +5647,13 @@
           <a:lstStyle/>
           <a:p>
             <a:r>
-              <a:rPr lang="en-GB">
+              <a:rPr lang="en-GB" b="1">
                 <a:solidFill>
                   <a:schemeClr val="bg1">
                     <a:lumMod val="95000"/>
                   </a:schemeClr>
                 </a:solidFill>
-                <a:latin typeface="Arial Nova Light" panose="020B0304020202020204" pitchFamily="34" charset="0"/>
+                <a:latin typeface="Arial Nova Light"/>
               </a:rPr>
               <a:t>Problem &amp; Work Context</a:t>
             </a:r>
@@ -5538,15 +5674,15 @@
         </p:nvSpPr>
         <p:spPr>
           <a:xfrm>
-            <a:off x="949040" y="1690688"/>
-            <a:ext cx="11242960" cy="4832092"/>
+            <a:off x="949040" y="734724"/>
+            <a:ext cx="11242960" cy="6124754"/>
           </a:xfrm>
           <a:prstGeom prst="rect">
             <a:avLst/>
           </a:prstGeom>
         </p:spPr>
         <p:txBody>
-          <a:bodyPr wrap="square">
+          <a:bodyPr wrap="square" anchor="t">
             <a:spAutoFit/>
           </a:bodyPr>
           <a:lstStyle/>
@@ -5558,12 +5694,142 @@
                     <a:lumMod val="95000"/>
                   </a:schemeClr>
                 </a:solidFill>
-                <a:latin typeface="Arial Nova Light" panose="020B0304020202020204" pitchFamily="34" charset="0"/>
+                <a:latin typeface="Arial Nova Light"/>
               </a:rPr>
-              <a:t>Urban agriculture is performed under specific conditions that require technologies different to those used in the rural context. Such specific conditions include among others:</a:t>
-            </a:r>
-          </a:p>
-          <a:p>
+              <a:t> </a:t>
+            </a:r>
+            <a:r>
+              <a:rPr lang="en-GB" sz="2800">
+                <a:solidFill>
+                  <a:schemeClr val="bg1">
+                    <a:lumMod val="95000"/>
+                  </a:schemeClr>
+                </a:solidFill>
+                <a:latin typeface="Arial Nova Light"/>
+                <a:ea typeface="+mn-lt"/>
+                <a:cs typeface="+mn-lt"/>
+              </a:rPr>
+              <a:t>At least 55% of word's population lives in urban areas</a:t>
+            </a:r>
+            <a:endParaRPr lang="en-US">
+              <a:solidFill>
+                <a:schemeClr val="bg1">
+                  <a:lumMod val="95000"/>
+                </a:schemeClr>
+              </a:solidFill>
+              <a:latin typeface="Arial Nova Light"/>
+            </a:endParaRPr>
+          </a:p>
+          <a:p>
+            <a:r>
+              <a:rPr lang="en-GB" sz="2800">
+                <a:solidFill>
+                  <a:schemeClr val="bg1">
+                    <a:lumMod val="95000"/>
+                  </a:schemeClr>
+                </a:solidFill>
+                <a:latin typeface="Arial Nova Light"/>
+              </a:rPr>
+              <a:t>Urban areas consume ±80% of all food produced</a:t>
+            </a:r>
+          </a:p>
+          <a:p>
+            <a:r>
+              <a:rPr lang="en-GB" sz="2800">
+                <a:solidFill>
+                  <a:schemeClr val="bg1">
+                    <a:lumMod val="95000"/>
+                  </a:schemeClr>
+                </a:solidFill>
+                <a:latin typeface="Arial Nova Light"/>
+              </a:rPr>
+              <a:t>60% of irrigated and 35% of rainfed croplands are within 20Km from these areas</a:t>
+            </a:r>
+          </a:p>
+          <a:p>
+            <a:r>
+              <a:rPr lang="en-GB" sz="2800">
+                <a:solidFill>
+                  <a:schemeClr val="bg1">
+                    <a:lumMod val="95000"/>
+                  </a:schemeClr>
+                </a:solidFill>
+                <a:latin typeface="Arial Nova Light"/>
+              </a:rPr>
+              <a:t>1/3 of all food is lost into waste</a:t>
+            </a:r>
+          </a:p>
+          <a:p>
+            <a:r>
+              <a:rPr lang="en-GB" sz="2800">
+                <a:solidFill>
+                  <a:schemeClr val="bg1">
+                    <a:lumMod val="95000"/>
+                  </a:schemeClr>
+                </a:solidFill>
+                <a:latin typeface="Arial Nova Light"/>
+              </a:rPr>
+              <a:t>Food expenditure represents up to 2/3 of total household in low-income countries</a:t>
+            </a:r>
+          </a:p>
+          <a:p>
+            <a:r>
+              <a:rPr lang="en-GB" sz="2800">
+                <a:solidFill>
+                  <a:schemeClr val="bg1">
+                    <a:lumMod val="95000"/>
+                  </a:schemeClr>
+                </a:solidFill>
+                <a:latin typeface="Arial Nova Light"/>
+              </a:rPr>
+              <a:t>Urban agriculture is performed under specific conditions:</a:t>
+            </a:r>
+            <a:endParaRPr lang="en-GB">
+              <a:solidFill>
+                <a:schemeClr val="bg1">
+                  <a:lumMod val="95000"/>
+                </a:schemeClr>
+              </a:solidFill>
+            </a:endParaRPr>
+          </a:p>
+          <a:p>
+            <a:pPr marL="514350" indent="-514350">
+              <a:buAutoNum type="arabicParenR"/>
+            </a:pPr>
+            <a:r>
+              <a:rPr lang="en-GB" sz="2800">
+                <a:solidFill>
+                  <a:schemeClr val="bg1">
+                    <a:lumMod val="95000"/>
+                  </a:schemeClr>
+                </a:solidFill>
+                <a:latin typeface="Arial Nova Light"/>
+              </a:rPr>
+              <a:t>Limited availability of space and the high price of urban land, proximity to large numbers of people (and thus a need for safe production methods),</a:t>
+            </a:r>
+            <a:endParaRPr lang="en-US">
+              <a:solidFill>
+                <a:schemeClr val="bg1">
+                  <a:lumMod val="95000"/>
+                </a:schemeClr>
+              </a:solidFill>
+            </a:endParaRPr>
+          </a:p>
+          <a:p>
+            <a:pPr marL="514350" indent="-514350">
+              <a:buAutoNum type="arabicParenR"/>
+            </a:pPr>
+            <a:r>
+              <a:rPr lang="en-GB" sz="2800">
+                <a:solidFill>
+                  <a:schemeClr val="bg1">
+                    <a:lumMod val="95000"/>
+                  </a:schemeClr>
+                </a:solidFill>
+                <a:latin typeface="Arial Nova Light"/>
+              </a:rPr>
+              <a:t>use of urban resources (organic waste and wastewater), and </a:t>
+            </a:r>
             <a:endParaRPr lang="en-GB" sz="2800">
               <a:solidFill>
                 <a:schemeClr val="bg1">
@@ -5584,31 +5850,21 @@
                     <a:lumMod val="95000"/>
                   </a:schemeClr>
                 </a:solidFill>
-                <a:latin typeface="Arial Nova Light" panose="020B0304020202020204" pitchFamily="34" charset="0"/>
+                <a:latin typeface="Arial Nova Light"/>
               </a:rPr>
-              <a:t>Limited availability of space and the high price of urban land, proximity to large numbers of people (and thus a need for safe production methods),</a:t>
-            </a:r>
-          </a:p>
-          <a:p>
-            <a:pPr marL="514350" indent="-514350">
-              <a:buAutoNum type="arabicParenR"/>
-            </a:pPr>
-            <a:r>
-              <a:rPr lang="en-GB" sz="2800">
+              <a:t>possibilities for </a:t>
+            </a:r>
+            <a:r>
+              <a:rPr lang="en-GB" sz="2800" b="1">
                 <a:solidFill>
                   <a:schemeClr val="bg1">
                     <a:lumMod val="95000"/>
                   </a:schemeClr>
                 </a:solidFill>
-                <a:latin typeface="Arial Nova Light" panose="020B0304020202020204" pitchFamily="34" charset="0"/>
+                <a:latin typeface="Arial Nova Light"/>
               </a:rPr>
-              <a:t>use of urban resources (organic waste and wastewater), and </a:t>
-            </a:r>
-          </a:p>
-          <a:p>
-            <a:pPr marL="514350" indent="-514350">
-              <a:buAutoNum type="arabicParenR"/>
-            </a:pPr>
+              <a:t>direct producer-consumer contacts</a:t>
+            </a:r>
             <a:r>
               <a:rPr lang="en-GB" sz="2800">
                 <a:solidFill>
@@ -5616,34 +5872,31 @@
                     <a:lumMod val="95000"/>
                   </a:schemeClr>
                 </a:solidFill>
-                <a:latin typeface="Arial Nova Light" panose="020B0304020202020204" pitchFamily="34" charset="0"/>
+                <a:latin typeface="Arial Nova Light"/>
               </a:rPr>
-              <a:t>possibilities for direct producer-consumer contacts.</a:t>
-            </a:r>
-          </a:p>
-          <a:p>
-            <a:endParaRPr lang="en-GB" sz="2800">
+              <a:t>.</a:t>
+            </a:r>
+          </a:p>
+          <a:p>
+            <a:r>
+              <a:rPr lang="en-GB" sz="2800">
+                <a:solidFill>
+                  <a:schemeClr val="bg1">
+                    <a:lumMod val="95000"/>
+                  </a:schemeClr>
+                </a:solidFill>
+                <a:latin typeface="Arial Nova Light"/>
+              </a:rPr>
+              <a:t>Food policies require training citizens about new lifestyles</a:t>
+            </a:r>
+            <a:endParaRPr lang="en-GB">
               <a:solidFill>
                 <a:schemeClr val="bg1">
                   <a:lumMod val="95000"/>
                 </a:schemeClr>
               </a:solidFill>
-              <a:latin typeface="Arial Nova Light" panose="020B0304020202020204" pitchFamily="34" charset="0"/>
+              <a:latin typeface="Arial Nova Light"/>
             </a:endParaRPr>
-          </a:p>
-          <a:p>
-            <a:r>
-              <a:rPr lang="en-GB" sz="2800">
-                <a:solidFill>
-                  <a:schemeClr val="bg1">
-                    <a:lumMod val="95000"/>
-                  </a:schemeClr>
-                </a:solidFill>
-                <a:latin typeface="Arial Nova Light" panose="020B0304020202020204" pitchFamily="34" charset="0"/>
-              </a:rPr>
-              <a:t>Food policies require training citizens about new lifestyles</a:t>
-            </a:r>
-            <a:endParaRPr lang="en-GB"/>
           </a:p>
         </p:txBody>
       </p:sp>
@@ -5695,8 +5948,8 @@
         </p:nvSpPr>
         <p:spPr>
           <a:xfrm>
-            <a:off x="949040" y="365125"/>
-            <a:ext cx="11242960" cy="1325563"/>
+            <a:off x="907476" y="-147493"/>
+            <a:ext cx="11242960" cy="965345"/>
           </a:xfrm>
         </p:spPr>
         <p:txBody>
@@ -5704,13 +5957,13 @@
           <a:lstStyle/>
           <a:p>
             <a:r>
-              <a:rPr lang="en-GB">
+              <a:rPr lang="en-GB" b="1">
                 <a:solidFill>
                   <a:schemeClr val="bg1">
                     <a:lumMod val="95000"/>
                   </a:schemeClr>
                 </a:solidFill>
-                <a:latin typeface="Arial Nova Light" panose="020B0304020202020204" pitchFamily="34" charset="0"/>
+                <a:latin typeface="Arial Nova Light"/>
               </a:rPr>
               <a:t>Objectives</a:t>
             </a:r>
@@ -5731,130 +5984,166 @@
         </p:nvSpPr>
         <p:spPr>
           <a:xfrm>
-            <a:off x="949040" y="1690688"/>
-            <a:ext cx="11242960" cy="5262979"/>
+            <a:off x="1018312" y="707016"/>
+            <a:ext cx="11242960" cy="6309420"/>
           </a:xfrm>
           <a:prstGeom prst="rect">
             <a:avLst/>
           </a:prstGeom>
         </p:spPr>
         <p:txBody>
-          <a:bodyPr wrap="square">
+          <a:bodyPr wrap="square" anchor="t">
             <a:spAutoFit/>
           </a:bodyPr>
           <a:lstStyle/>
           <a:p>
             <a:r>
+              <a:rPr lang="en-GB" sz="3200" b="1">
+                <a:solidFill>
+                  <a:schemeClr val="bg1"/>
+                </a:solidFill>
+                <a:latin typeface="Arial Nova Light"/>
+                <a:ea typeface="+mn-lt"/>
+                <a:cs typeface="+mn-lt"/>
+              </a:rPr>
+              <a:t>GardenGem’s purpose is to be a tool for </a:t>
+            </a:r>
+            <a:r>
+              <a:rPr lang="en-GB" sz="3200" b="1" u="sng">
+                <a:solidFill>
+                  <a:schemeClr val="bg1"/>
+                </a:solidFill>
+                <a:latin typeface="Arial Nova Light"/>
+                <a:ea typeface="+mn-lt"/>
+                <a:cs typeface="+mn-lt"/>
+              </a:rPr>
+              <a:t>urban gardeners, researchers and citizens</a:t>
+            </a:r>
+            <a:r>
+              <a:rPr lang="en-GB" sz="3200" b="1">
+                <a:solidFill>
+                  <a:schemeClr val="bg1"/>
+                </a:solidFill>
+                <a:latin typeface="Arial Nova Light"/>
+                <a:ea typeface="+mn-lt"/>
+                <a:cs typeface="+mn-lt"/>
+              </a:rPr>
+              <a:t> for appropiate food education and practical urban agriculture.</a:t>
+            </a:r>
+            <a:endParaRPr lang="en-US" sz="3200">
+              <a:solidFill>
+                <a:schemeClr val="bg1"/>
+              </a:solidFill>
+              <a:latin typeface="Arial Nova Light"/>
+            </a:endParaRPr>
+          </a:p>
+          <a:p>
+            <a:r>
               <a:rPr lang="en-GB" sz="2800">
                 <a:solidFill>
                   <a:schemeClr val="bg1">
                     <a:lumMod val="95000"/>
                   </a:schemeClr>
                 </a:solidFill>
-                <a:latin typeface="Arial Nova Light" panose="020B0304020202020204" pitchFamily="34" charset="0"/>
+                <a:latin typeface="Arial Nova Light"/>
               </a:rPr>
-              <a:t>Help urban gardeners in order to assist them in the correct development and maintenance of their urban gardens.</a:t>
-            </a:r>
-          </a:p>
-          <a:p>
-            <a:endParaRPr lang="en-GB" sz="2800">
+              <a:t>GardenGem is a mobile application that will help urban gardeners by assisting them in the correct development and maintenance of their urban gardens.</a:t>
+            </a:r>
+            <a:endParaRPr lang="en-GB">
               <a:solidFill>
                 <a:schemeClr val="bg1">
                   <a:lumMod val="95000"/>
                 </a:schemeClr>
               </a:solidFill>
-              <a:latin typeface="Arial Nova Light" panose="020B0304020202020204" pitchFamily="34" charset="0"/>
+              <a:cs typeface="Calibri" panose="020F0502020204030204"/>
             </a:endParaRPr>
           </a:p>
           <a:p>
+            <a:pPr algn="just"/>
+            <a:r>
+              <a:rPr lang="en-GB" sz="2800" b="1">
+                <a:solidFill>
+                  <a:schemeClr val="bg1"/>
+                </a:solidFill>
+                <a:latin typeface="Arial Nova Light"/>
+                <a:ea typeface="+mn-lt"/>
+                <a:cs typeface="+mn-lt"/>
+              </a:rPr>
+              <a:t>Economical goal:</a:t>
+            </a:r>
             <a:r>
               <a:rPr lang="en-GB" sz="2800">
                 <a:solidFill>
-                  <a:schemeClr val="bg1">
-                    <a:lumMod val="95000"/>
-                  </a:schemeClr>
-                </a:solidFill>
-                <a:latin typeface="Arial Nova Light" panose="020B0304020202020204" pitchFamily="34" charset="0"/>
+                  <a:schemeClr val="bg1"/>
+                </a:solidFill>
+                <a:latin typeface="Arial Nova Light"/>
+                <a:ea typeface="+mn-lt"/>
+                <a:cs typeface="+mn-lt"/>
               </a:rPr>
-              <a:t>Economical goal: For the average citizen, growing vegetables locally saves money and selling the produce (fresh or processed) brings in resources.</a:t>
+              <a:t> To enable the average citizen, and local community to grow vegetables locally in order to save money and create a possible source of income. </a:t>
             </a:r>
             <a:endParaRPr lang="en-US" sz="2800">
               <a:solidFill>
-                <a:schemeClr val="bg1">
-                  <a:lumMod val="95000"/>
-                </a:schemeClr>
+                <a:schemeClr val="bg1"/>
               </a:solidFill>
-              <a:latin typeface="Arial Nova Light" panose="020B0304020202020204" pitchFamily="34" charset="0"/>
+              <a:latin typeface="Arial Nova Light"/>
+              <a:cs typeface="Calibri"/>
             </a:endParaRPr>
           </a:p>
           <a:p>
-            <a:endParaRPr lang="en-US" sz="2800">
+            <a:pPr algn="just"/>
+            <a:r>
+              <a:rPr lang="en-GB" sz="2800" b="1">
+                <a:solidFill>
+                  <a:schemeClr val="bg1"/>
+                </a:solidFill>
+                <a:latin typeface="Arial Nova Light"/>
+                <a:ea typeface="+mn-lt"/>
+                <a:cs typeface="+mn-lt"/>
+              </a:rPr>
+              <a:t>Social goal:</a:t>
+            </a:r>
+            <a:r>
+              <a:rPr lang="en-GB" sz="2800">
+                <a:solidFill>
+                  <a:schemeClr val="bg1"/>
+                </a:solidFill>
+                <a:latin typeface="Arial Nova Light"/>
+                <a:ea typeface="+mn-lt"/>
+                <a:cs typeface="+mn-lt"/>
+              </a:rPr>
+              <a:t> To promote social integration and combat poverty by the creation of urban garden communities based on participation.</a:t>
+            </a:r>
+          </a:p>
+          <a:p>
+            <a:r>
+              <a:rPr lang="en-GB" sz="2800" b="1">
+                <a:solidFill>
+                  <a:schemeClr val="bg1"/>
+                </a:solidFill>
+                <a:latin typeface="Arial Nova Light"/>
+                <a:ea typeface="+mn-lt"/>
+                <a:cs typeface="+mn-lt"/>
+              </a:rPr>
+              <a:t>Environmental goal:</a:t>
+            </a:r>
+            <a:r>
+              <a:rPr lang="en-GB" sz="2800">
+                <a:solidFill>
+                  <a:schemeClr val="bg1"/>
+                </a:solidFill>
+                <a:latin typeface="Arial Nova Light"/>
+                <a:ea typeface="+mn-lt"/>
+                <a:cs typeface="+mn-lt"/>
+              </a:rPr>
+              <a:t> To enhance the diversity and distribution of food products through processes that reuse resources in a sustainable and local way.</a:t>
+            </a:r>
+            <a:endParaRPr lang="en-US">
               <a:solidFill>
-                <a:schemeClr val="bg1">
-                  <a:lumMod val="95000"/>
-                </a:schemeClr>
+                <a:schemeClr val="bg1"/>
               </a:solidFill>
-              <a:latin typeface="Arial Nova Light" panose="020B0304020202020204" pitchFamily="34" charset="0"/>
+              <a:latin typeface="Arial Nova Light"/>
             </a:endParaRPr>
-          </a:p>
-          <a:p>
-            <a:r>
-              <a:rPr lang="en-US" sz="2800">
-                <a:solidFill>
-                  <a:schemeClr val="bg1">
-                    <a:lumMod val="95000"/>
-                  </a:schemeClr>
-                </a:solidFill>
-                <a:latin typeface="Arial Nova Light" panose="020B0304020202020204" pitchFamily="34" charset="0"/>
-              </a:rPr>
-              <a:t>Social goal: </a:t>
-            </a:r>
-            <a:r>
-              <a:rPr lang="en-GB" sz="2800">
-                <a:solidFill>
-                  <a:schemeClr val="bg1">
-                    <a:lumMod val="95000"/>
-                  </a:schemeClr>
-                </a:solidFill>
-                <a:latin typeface="Arial Nova Light" panose="020B0304020202020204" pitchFamily="34" charset="0"/>
-              </a:rPr>
-              <a:t>Urban agriculture play an important role for poverty alleviation and social integration.​</a:t>
-            </a:r>
-          </a:p>
-          <a:p>
-            <a:endParaRPr lang="en-GB" sz="2800">
-              <a:solidFill>
-                <a:schemeClr val="bg1">
-                  <a:lumMod val="95000"/>
-                </a:schemeClr>
-              </a:solidFill>
-              <a:latin typeface="Arial Nova Light" panose="020B0304020202020204" pitchFamily="34" charset="0"/>
-            </a:endParaRPr>
-          </a:p>
-          <a:p>
-            <a:pPr fontAlgn="base"/>
-            <a:r>
-              <a:rPr lang="en-GB" sz="2800">
-                <a:solidFill>
-                  <a:schemeClr val="bg1">
-                    <a:lumMod val="95000"/>
-                  </a:schemeClr>
-                </a:solidFill>
-                <a:latin typeface="Arial Nova Light" panose="020B0304020202020204" pitchFamily="34" charset="0"/>
-              </a:rPr>
-              <a:t>Environmental goal: </a:t>
-            </a:r>
-            <a:r>
-              <a:rPr lang="en-US" sz="2800">
-                <a:solidFill>
-                  <a:schemeClr val="bg1">
-                    <a:lumMod val="95000"/>
-                  </a:schemeClr>
-                </a:solidFill>
-                <a:latin typeface="Arial Nova Light" panose="020B0304020202020204" pitchFamily="34" charset="0"/>
-              </a:rPr>
-              <a:t>Urban agriculture enhances the diversity and distribution of food products through processes that reuse resources​</a:t>
-            </a:r>
           </a:p>
         </p:txBody>
       </p:sp>
@@ -5906,8 +6195,8 @@
         </p:nvSpPr>
         <p:spPr>
           <a:xfrm>
-            <a:off x="949040" y="365125"/>
-            <a:ext cx="11242960" cy="1325563"/>
+            <a:off x="962895" y="4906"/>
+            <a:ext cx="11242960" cy="757527"/>
           </a:xfrm>
         </p:spPr>
         <p:txBody>
@@ -5915,13 +6204,13 @@
           <a:lstStyle/>
           <a:p>
             <a:r>
-              <a:rPr lang="en-GB">
+              <a:rPr lang="en-GB" b="1">
                 <a:solidFill>
                   <a:schemeClr val="bg1">
                     <a:lumMod val="95000"/>
                   </a:schemeClr>
                 </a:solidFill>
-                <a:latin typeface="Arial Nova Light" panose="020B0304020202020204" pitchFamily="34" charset="0"/>
+                <a:latin typeface="Arial Nova Light"/>
               </a:rPr>
               <a:t>Results</a:t>
             </a:r>
@@ -5942,8 +6231,8 @@
         </p:nvSpPr>
         <p:spPr>
           <a:xfrm>
-            <a:off x="942833" y="1690688"/>
-            <a:ext cx="11242960" cy="3108543"/>
+            <a:off x="942833" y="651598"/>
+            <a:ext cx="11242960" cy="6124754"/>
           </a:xfrm>
           <a:prstGeom prst="rect">
             <a:avLst/>
@@ -5973,6 +6262,50 @@
                 </a:schemeClr>
               </a:solidFill>
             </a:endParaRPr>
+          </a:p>
+          <a:p>
+            <a:r>
+              <a:rPr lang="en-GB" sz="2800">
+                <a:solidFill>
+                  <a:schemeClr val="bg1">
+                    <a:lumMod val="95000"/>
+                  </a:schemeClr>
+                </a:solidFill>
+                <a:latin typeface="Arial Nova Light"/>
+              </a:rPr>
+              <a:t>The app is able record data about growing plants in order to monitor the growing conditions and make the plants grow better, and identify potential issues during the growing process.</a:t>
+            </a:r>
+            <a:endParaRPr lang="en-GB">
+              <a:solidFill>
+                <a:schemeClr val="bg1">
+                  <a:lumMod val="95000"/>
+                </a:schemeClr>
+              </a:solidFill>
+              <a:cs typeface="Calibri"/>
+            </a:endParaRPr>
+          </a:p>
+          <a:p>
+            <a:endParaRPr lang="en-GB" sz="2800">
+              <a:solidFill>
+                <a:schemeClr val="bg1">
+                  <a:lumMod val="95000"/>
+                </a:schemeClr>
+              </a:solidFill>
+              <a:latin typeface="Arial Nova Light" panose="020B0304020202020204" pitchFamily="34" charset="0"/>
+            </a:endParaRPr>
+          </a:p>
+          <a:p>
+            <a:r>
+              <a:rPr lang="en-GB" sz="2800">
+                <a:solidFill>
+                  <a:schemeClr val="bg1">
+                    <a:lumMod val="95000"/>
+                  </a:schemeClr>
+                </a:solidFill>
+                <a:latin typeface="Arial Nova Light"/>
+              </a:rPr>
+              <a:t>The concept behind this application is concentrated in the three pillars of sustainability as established in its goals, although more development is still needed for the complete fulfillment of these goals.</a:t>
+            </a:r>
           </a:p>
           <a:p>
             <a:endParaRPr lang="en-GB" sz="2800">
@@ -5994,40 +6327,21 @@
                 </a:solidFill>
                 <a:latin typeface="Arial Nova Light"/>
               </a:rPr>
-              <a:t>The app is able record data about growing plants in order to monitor the growing conditions and make the plants grow better, and identify potential issues during the growing process.</a:t>
-            </a:r>
-            <a:endParaRPr lang="en-GB">
-              <a:solidFill>
-                <a:schemeClr val="bg1">
-                  <a:lumMod val="95000"/>
-                </a:schemeClr>
-              </a:solidFill>
-              <a:cs typeface="Calibri"/>
-            </a:endParaRPr>
-          </a:p>
-          <a:p>
-            <a:endParaRPr lang="en-GB" sz="2800">
-              <a:solidFill>
-                <a:schemeClr val="bg1">
-                  <a:lumMod val="95000"/>
-                </a:schemeClr>
-              </a:solidFill>
-              <a:latin typeface="Arial Nova Light" panose="020B0304020202020204" pitchFamily="34" charset="0"/>
-            </a:endParaRPr>
-          </a:p>
-          <a:p>
-            <a:r>
-              <a:rPr lang="en-GB" sz="2800">
+              <a:t>Surveys made to validate the app, its concept and the future steps have shown outstanding possitive results that demonstrate the need and interest of the community in this product. More than 60% were already considering urban gardens.</a:t>
+            </a:r>
+          </a:p>
+          <a:p>
+            <a:r>
+              <a:rPr lang="en-GB" sz="2800" b="1">
                 <a:solidFill>
                   <a:schemeClr val="bg1">
                     <a:lumMod val="95000"/>
                   </a:schemeClr>
                 </a:solidFill>
-                <a:latin typeface="Arial Nova Light" panose="020B0304020202020204" pitchFamily="34" charset="0"/>
+                <a:latin typeface="Arial Nova Light"/>
               </a:rPr>
-              <a:t>Concentrating in the three pillars of sustainability</a:t>
-            </a:r>
-            <a:endParaRPr lang="en-GB"/>
+              <a:t>Received above 95% approval!</a:t>
+            </a:r>
           </a:p>
         </p:txBody>
       </p:sp>
@@ -6088,34 +6402,34 @@
           <a:lstStyle/>
           <a:p>
             <a:r>
-              <a:rPr lang="en-GB">
+              <a:rPr lang="en-GB" b="1">
                 <a:solidFill>
                   <a:schemeClr val="bg1">
                     <a:lumMod val="95000"/>
                   </a:schemeClr>
                 </a:solidFill>
-                <a:latin typeface="Arial Nova Light" panose="020B0304020202020204" pitchFamily="34" charset="0"/>
+                <a:latin typeface="Arial Nova Light"/>
               </a:rPr>
               <a:t>Results </a:t>
             </a:r>
             <a:r>
-              <a:rPr lang="en-GB" sz="2800">
+              <a:rPr lang="en-GB" sz="2800" b="1">
                 <a:solidFill>
                   <a:schemeClr val="bg1">
                     <a:lumMod val="95000"/>
                   </a:schemeClr>
                 </a:solidFill>
-                <a:latin typeface="Arial Nova Light" panose="020B0304020202020204" pitchFamily="34" charset="0"/>
+                <a:latin typeface="Arial Nova Light"/>
               </a:rPr>
               <a:t>(continued)</a:t>
             </a:r>
-            <a:endParaRPr lang="en-GB">
+            <a:endParaRPr lang="en-GB" b="1">
               <a:solidFill>
                 <a:schemeClr val="bg1">
                   <a:lumMod val="95000"/>
                 </a:schemeClr>
               </a:solidFill>
-              <a:latin typeface="Arial Nova Light" panose="020B0304020202020204" pitchFamily="34" charset="0"/>
+              <a:latin typeface="Arial Nova Light"/>
             </a:endParaRPr>
           </a:p>
         </p:txBody>
@@ -6362,24 +6676,16 @@
           <a:lstStyle/>
           <a:p>
             <a:r>
-              <a:rPr lang="en-GB">
+              <a:rPr lang="en-GB" b="1">
                 <a:solidFill>
                   <a:schemeClr val="bg1">
                     <a:lumMod val="95000"/>
                   </a:schemeClr>
                 </a:solidFill>
-                <a:latin typeface="Arial Nova Light" panose="020B0304020202020204" pitchFamily="34" charset="0"/>
+                <a:latin typeface="Arial Nova Light"/>
               </a:rPr>
               <a:t>Conclusions &amp; Further Work</a:t>
             </a:r>
-            <a:endParaRPr lang="en-GB" b="1">
-              <a:solidFill>
-                <a:schemeClr val="tx2">
-                  <a:lumMod val="75000"/>
-                </a:schemeClr>
-              </a:solidFill>
-              <a:latin typeface="Arial Nova Light" panose="020B0304020202020204" pitchFamily="34" charset="0"/>
-            </a:endParaRPr>
           </a:p>
         </p:txBody>
       </p:sp>
@@ -6585,7 +6891,7 @@
                     <a:lumMod val="95000"/>
                   </a:schemeClr>
                 </a:solidFill>
-                <a:latin typeface="Arial Nova Light" panose="020B0304020202020204" pitchFamily="34" charset="0"/>
+                <a:latin typeface="Arial Nova Light"/>
               </a:rPr>
               <a:t>A growing number of cities are designing policies and programmes on urban agriculture</a:t>
             </a:r>
@@ -6594,16 +6900,6 @@
             <a:pPr marL="0" indent="0">
               <a:buNone/>
             </a:pPr>
-            <a:endParaRPr lang="en-GB">
-              <a:solidFill>
-                <a:schemeClr val="bg1">
-                  <a:lumMod val="95000"/>
-                </a:schemeClr>
-              </a:solidFill>
-              <a:latin typeface="Arial Nova Light"/>
-            </a:endParaRPr>
-          </a:p>
-          <a:p>
             <a:r>
               <a:rPr lang="en-GB">
                 <a:solidFill>
@@ -6617,6 +6913,9 @@
             </a:r>
           </a:p>
           <a:p>
+            <a:pPr marL="0" indent="0">
+              <a:buNone/>
+            </a:pPr>
             <a:r>
               <a:rPr lang="en-GB">
                 <a:solidFill>
@@ -6624,12 +6923,15 @@
                     <a:lumMod val="95000"/>
                   </a:schemeClr>
                 </a:solidFill>
-                <a:latin typeface="Arial Nova Light" panose="020B0304020202020204" pitchFamily="34" charset="0"/>
+                <a:latin typeface="Arial Nova Light"/>
               </a:rPr>
               <a:t>The sustainability of urban agriculture is closely related to its contributions to the development of a sustainable and resilient city that is socially inclusive, food-secure, productive and environmentally-healthy.</a:t>
             </a:r>
           </a:p>
           <a:p>
+            <a:pPr marL="0" indent="0">
+              <a:buNone/>
+            </a:pPr>
             <a:r>
               <a:rPr lang="en-GB">
                 <a:solidFill>
@@ -6639,10 +6941,35 @@
                 </a:solidFill>
                 <a:latin typeface="Arial Nova Light"/>
               </a:rPr>
-              <a:t>Another related project that represents an important ally is OpenAg Initiative of the MIT with a Personal Food Computer (PFC)</a:t>
-            </a:r>
-          </a:p>
-          <a:p>
+              <a:t>Another related project that represents an important ally is </a:t>
+            </a:r>
+            <a:r>
+              <a:rPr lang="en-GB" err="1">
+                <a:solidFill>
+                  <a:schemeClr val="bg1">
+                    <a:lumMod val="95000"/>
+                  </a:schemeClr>
+                </a:solidFill>
+                <a:latin typeface="Arial Nova Light"/>
+              </a:rPr>
+              <a:t>OpenAg</a:t>
+            </a:r>
+            <a:r>
+              <a:rPr lang="en-GB">
+                <a:solidFill>
+                  <a:schemeClr val="bg1">
+                    <a:lumMod val="95000"/>
+                  </a:schemeClr>
+                </a:solidFill>
+                <a:latin typeface="Arial Nova Light"/>
+              </a:rPr>
+              <a:t> Initiative of the MIT with a Personal Food Computer (PFC)</a:t>
+            </a:r>
+          </a:p>
+          <a:p>
+            <a:pPr marL="0" indent="0">
+              <a:buNone/>
+            </a:pPr>
             <a:r>
               <a:rPr lang="en-GB">
                 <a:solidFill>
@@ -6843,13 +7170,13 @@
           <a:lstStyle/>
           <a:p>
             <a:r>
-              <a:rPr lang="en-GB">
+              <a:rPr lang="en-GB" b="1">
                 <a:solidFill>
                   <a:schemeClr val="bg1">
                     <a:lumMod val="95000"/>
                   </a:schemeClr>
                 </a:solidFill>
-                <a:latin typeface="Arial Nova Light" panose="020B0304020202020204" pitchFamily="34" charset="0"/>
+                <a:latin typeface="Arial Nova Light"/>
               </a:rPr>
               <a:t>References</a:t>
             </a:r>
@@ -6879,199 +7206,243 @@
           </a:xfrm>
         </p:spPr>
         <p:txBody>
-          <a:bodyPr>
-            <a:normAutofit fontScale="85000" lnSpcReduction="20000"/>
+          <a:bodyPr vert="horz" lIns="91440" tIns="45720" rIns="91440" bIns="45720" rtlCol="0" anchor="t">
+            <a:normAutofit fontScale="70000" lnSpcReduction="20000"/>
           </a:bodyPr>
           <a:lstStyle/>
           <a:p>
-            <a:pPr marL="514350" indent="-514350">
-              <a:buFont typeface="+mj-lt"/>
-              <a:buAutoNum type="arabicPeriod"/>
-            </a:pPr>
             <a:r>
               <a:rPr lang="en-GB">
                 <a:solidFill>
-                  <a:schemeClr val="bg1">
-                    <a:lumMod val="95000"/>
-                  </a:schemeClr>
-                </a:solidFill>
-                <a:latin typeface="Arial Nova Light" panose="020B0304020202020204" pitchFamily="34" charset="0"/>
+                  <a:schemeClr val="bg1"/>
+                </a:solidFill>
+                <a:ea typeface="+mn-lt"/>
+                <a:cs typeface="+mn-lt"/>
               </a:rPr>
-              <a:t>Barthel, S., Parker, J., &amp; </a:t>
-            </a:r>
-            <a:r>
-              <a:rPr lang="en-GB" err="1">
-                <a:solidFill>
-                  <a:schemeClr val="bg1">
-                    <a:lumMod val="95000"/>
-                  </a:schemeClr>
-                </a:solidFill>
-                <a:latin typeface="Arial Nova Light" panose="020B0304020202020204" pitchFamily="34" charset="0"/>
+              <a:t>Barthel, S., Parker, J., &amp; Ernstson, H. (2015). Food and Green Space in Cities: A Resilience Lens on Gardens and Urban Environmental Movements. Urban Studies, 52(7), 1321–1338. </a:t>
+            </a:r>
+            <a:r>
+              <a:rPr lang="en-GB">
+                <a:solidFill>
+                  <a:schemeClr val="bg1"/>
+                </a:solidFill>
+                <a:ea typeface="+mn-lt"/>
+                <a:cs typeface="+mn-lt"/>
+                <a:hlinkClick r:id="rId2"/>
               </a:rPr>
-              <a:t>Ernstson</a:t>
-            </a:r>
+              <a:t>https://doi.org/10.1177/0042098012472744</a:t>
+            </a:r>
+            <a:endParaRPr lang="en-US">
+              <a:solidFill>
+                <a:schemeClr val="bg1"/>
+              </a:solidFill>
+              <a:cs typeface="Calibri"/>
+            </a:endParaRPr>
+          </a:p>
+          <a:p>
             <a:r>
               <a:rPr lang="en-GB">
                 <a:solidFill>
-                  <a:schemeClr val="bg1">
-                    <a:lumMod val="95000"/>
-                  </a:schemeClr>
-                </a:solidFill>
-                <a:latin typeface="Arial Nova Light" panose="020B0304020202020204" pitchFamily="34" charset="0"/>
+                  <a:schemeClr val="bg1"/>
+                </a:solidFill>
+                <a:ea typeface="+mn-lt"/>
+                <a:cs typeface="+mn-lt"/>
               </a:rPr>
-              <a:t>, H. (2015). Food and Green Space in Cities: A Resilience Lens on Gardens and Urban Environmental Movements. Urban Studies, 52(7), 1321–1338. https://doi.org/10.1177/0042098012472744​</a:t>
-            </a:r>
-          </a:p>
-          <a:p>
-            <a:pPr marL="514350" indent="-514350">
-              <a:buFont typeface="+mj-lt"/>
-              <a:buAutoNum type="arabicPeriod"/>
-            </a:pPr>
+              <a:t>Broadway, M. (2009). American Cities : The Example of Milwaukee by. New York.</a:t>
+            </a:r>
+          </a:p>
+          <a:p>
             <a:r>
               <a:rPr lang="en-GB">
                 <a:solidFill>
-                  <a:schemeClr val="bg1">
-                    <a:lumMod val="95000"/>
-                  </a:schemeClr>
-                </a:solidFill>
-                <a:latin typeface="Arial Nova Light" panose="020B0304020202020204" pitchFamily="34" charset="0"/>
+                  <a:schemeClr val="bg1"/>
+                </a:solidFill>
+                <a:ea typeface="+mn-lt"/>
+                <a:cs typeface="+mn-lt"/>
               </a:rPr>
-              <a:t>Broadway, M. (2009). American Cities : The Example of Milwaukee by. New York.​</a:t>
-            </a:r>
-          </a:p>
-          <a:p>
-            <a:pPr marL="514350" indent="-514350">
-              <a:buFont typeface="+mj-lt"/>
-              <a:buAutoNum type="arabicPeriod"/>
-            </a:pPr>
-            <a:r>
-              <a:rPr lang="en-GB" err="1">
-                <a:solidFill>
-                  <a:schemeClr val="bg1">
-                    <a:lumMod val="95000"/>
-                  </a:schemeClr>
-                </a:solidFill>
-                <a:latin typeface="Arial Nova Light" panose="020B0304020202020204" pitchFamily="34" charset="0"/>
+              <a:t>Calvet-Mir, L., &amp; March, H. (2019). Crisis and post-crisis urban gardening initiatives from a Southern European perspective: The case of Barcelona. European Urban and Regional Studies, 26(1), 97–112. </a:t>
+            </a:r>
+            <a:r>
+              <a:rPr lang="en-GB">
+                <a:solidFill>
+                  <a:schemeClr val="bg1"/>
+                </a:solidFill>
+                <a:ea typeface="+mn-lt"/>
+                <a:cs typeface="+mn-lt"/>
+                <a:hlinkClick r:id="rId3"/>
               </a:rPr>
-              <a:t>Calvet</a:t>
-            </a:r>
+              <a:t>https://doi.org/10.1177/0969776417736098</a:t>
+            </a:r>
+            <a:endParaRPr lang="en-GB">
+              <a:solidFill>
+                <a:schemeClr val="bg1"/>
+              </a:solidFill>
+              <a:cs typeface="Calibri"/>
+            </a:endParaRPr>
+          </a:p>
+          <a:p>
             <a:r>
               <a:rPr lang="en-GB">
                 <a:solidFill>
-                  <a:schemeClr val="bg1">
-                    <a:lumMod val="95000"/>
-                  </a:schemeClr>
-                </a:solidFill>
-                <a:latin typeface="Arial Nova Light" panose="020B0304020202020204" pitchFamily="34" charset="0"/>
+                  <a:schemeClr val="bg1"/>
+                </a:solidFill>
+                <a:ea typeface="+mn-lt"/>
+                <a:cs typeface="+mn-lt"/>
               </a:rPr>
-              <a:t>-Mir, L., &amp; March, H. (2019). Crisis and post-crisis urban gardening initiatives from a Southern European perspective: The case of Barcelona. European Urban and Regional Studies, 26(1), 97–112. https://doi.org/10.1177/0969776417736098​</a:t>
-            </a:r>
-          </a:p>
-          <a:p>
-            <a:pPr marL="514350" indent="-514350">
-              <a:buFont typeface="+mj-lt"/>
-              <a:buAutoNum type="arabicPeriod"/>
-            </a:pPr>
-            <a:r>
-              <a:rPr lang="en-GB" err="1">
-                <a:solidFill>
-                  <a:schemeClr val="bg1">
-                    <a:lumMod val="95000"/>
-                  </a:schemeClr>
-                </a:solidFill>
-                <a:latin typeface="Arial Nova Light" panose="020B0304020202020204" pitchFamily="34" charset="0"/>
+              <a:t>Certomà, C. (2015). Expanding the ‘dark side of planning’: Governmentality and biopolitics in urban garden planning. Planning Theory, 14(1), 23–43. </a:t>
+            </a:r>
+            <a:r>
+              <a:rPr lang="en-GB">
+                <a:solidFill>
+                  <a:schemeClr val="bg1"/>
+                </a:solidFill>
+                <a:ea typeface="+mn-lt"/>
+                <a:cs typeface="+mn-lt"/>
+                <a:hlinkClick r:id="rId4"/>
               </a:rPr>
-              <a:t>Certomà</a:t>
-            </a:r>
+              <a:t>https://doi.org/10.1177/1473095213506202</a:t>
+            </a:r>
+            <a:endParaRPr lang="en-GB">
+              <a:solidFill>
+                <a:schemeClr val="bg1"/>
+              </a:solidFill>
+              <a:cs typeface="Calibri"/>
+            </a:endParaRPr>
+          </a:p>
+          <a:p>
             <a:r>
               <a:rPr lang="en-GB">
                 <a:solidFill>
-                  <a:schemeClr val="bg1">
-                    <a:lumMod val="95000"/>
-                  </a:schemeClr>
-                </a:solidFill>
-                <a:latin typeface="Arial Nova Light" panose="020B0304020202020204" pitchFamily="34" charset="0"/>
+                  <a:schemeClr val="bg1"/>
+                </a:solidFill>
+                <a:ea typeface="+mn-lt"/>
+                <a:cs typeface="+mn-lt"/>
               </a:rPr>
-              <a:t>, C. (2015). Expanding the ‘dark side of planning’: Governmentality and biopolitics in urban garden planning. Planning Theory, 14(1), 23–43. https://doi.org/10.1177/1473095213506202​</a:t>
-            </a:r>
-          </a:p>
-          <a:p>
-            <a:pPr marL="514350" indent="-514350">
-              <a:buFont typeface="+mj-lt"/>
-              <a:buAutoNum type="arabicPeriod"/>
-            </a:pPr>
-            <a:r>
-              <a:rPr lang="en-GB" err="1">
-                <a:solidFill>
-                  <a:schemeClr val="bg1">
-                    <a:lumMod val="95000"/>
-                  </a:schemeClr>
-                </a:solidFill>
-                <a:latin typeface="Arial Nova Light" panose="020B0304020202020204" pitchFamily="34" charset="0"/>
+              <a:t>FAO. (2019). FAO framework for the Urban Food Agenda [Ebook]. Rome: Food and Agriculture Organization of the United Nations (FAO).</a:t>
+            </a:r>
+            <a:endParaRPr lang="en-GB">
+              <a:solidFill>
+                <a:schemeClr val="bg1"/>
+              </a:solidFill>
+              <a:cs typeface="Calibri"/>
+            </a:endParaRPr>
+          </a:p>
+          <a:p>
+            <a:r>
+              <a:rPr lang="en-GB">
+                <a:solidFill>
+                  <a:schemeClr val="bg1"/>
+                </a:solidFill>
+                <a:ea typeface="+mn-lt"/>
+                <a:cs typeface="+mn-lt"/>
               </a:rPr>
-              <a:t>Sandrini</a:t>
+              <a:t>FAO - News Article: Urgent action in urban areas, key to achieving Zero Hunger and healthy diets for all. (2019). Retrieved from </a:t>
             </a:r>
             <a:r>
               <a:rPr lang="en-GB">
                 <a:solidFill>
-                  <a:schemeClr val="bg1">
-                    <a:lumMod val="95000"/>
-                  </a:schemeClr>
-                </a:solidFill>
-                <a:latin typeface="Arial Nova Light" panose="020B0304020202020204" pitchFamily="34" charset="0"/>
+                  <a:schemeClr val="bg1"/>
+                </a:solidFill>
+                <a:ea typeface="+mn-lt"/>
+                <a:cs typeface="+mn-lt"/>
+                <a:hlinkClick r:id="rId5"/>
               </a:rPr>
-              <a:t>, S., &amp; </a:t>
-            </a:r>
-            <a:r>
-              <a:rPr lang="en-GB" err="1">
-                <a:solidFill>
-                  <a:schemeClr val="bg1">
-                    <a:lumMod val="95000"/>
-                  </a:schemeClr>
-                </a:solidFill>
-                <a:latin typeface="Arial Nova Light" panose="020B0304020202020204" pitchFamily="34" charset="0"/>
+              <a:t>http://www.fao.org/news/story/en/item/1184269/icode/</a:t>
+            </a:r>
+            <a:endParaRPr lang="en-GB">
+              <a:solidFill>
+                <a:schemeClr val="bg1"/>
+              </a:solidFill>
+              <a:cs typeface="Calibri"/>
+            </a:endParaRPr>
+          </a:p>
+          <a:p>
+            <a:r>
+              <a:rPr lang="en-GB">
+                <a:solidFill>
+                  <a:schemeClr val="bg1"/>
+                </a:solidFill>
+                <a:ea typeface="+mn-lt"/>
+                <a:cs typeface="+mn-lt"/>
               </a:rPr>
-              <a:t>Cabini</a:t>
+              <a:t>pfc_edu_3.0 [OpenAg]. (2019). Retrieved from </a:t>
             </a:r>
             <a:r>
               <a:rPr lang="en-GB">
                 <a:solidFill>
-                  <a:schemeClr val="bg1">
-                    <a:lumMod val="95000"/>
-                  </a:schemeClr>
-                </a:solidFill>
-                <a:latin typeface="Arial Nova Light" panose="020B0304020202020204" pitchFamily="34" charset="0"/>
+                  <a:schemeClr val="bg1"/>
+                </a:solidFill>
+                <a:ea typeface="+mn-lt"/>
+                <a:cs typeface="+mn-lt"/>
+                <a:hlinkClick r:id="rId6"/>
               </a:rPr>
-              <a:t>, E. (2014). Multi-subject training for a sustainable farming and food system. Education Sciences &amp; Society, 5(1), 83–92. Retrieved from https://bit.ly/2SXzLcQ​</a:t>
-            </a:r>
-          </a:p>
-          <a:p>
-            <a:pPr marL="514350" indent="-514350">
-              <a:buFont typeface="+mj-lt"/>
-              <a:buAutoNum type="arabicPeriod"/>
-            </a:pPr>
-            <a:r>
-              <a:rPr lang="en-GB" err="1">
-                <a:solidFill>
-                  <a:schemeClr val="bg1">
-                    <a:lumMod val="95000"/>
-                  </a:schemeClr>
-                </a:solidFill>
-                <a:latin typeface="Arial Nova Light" panose="020B0304020202020204" pitchFamily="34" charset="0"/>
+              <a:t>https://wiki.openag.media.mit.edu/pfc_edu_3.0</a:t>
+            </a:r>
+            <a:endParaRPr lang="en-GB">
+              <a:solidFill>
+                <a:schemeClr val="bg1"/>
+              </a:solidFill>
+              <a:cs typeface="Calibri"/>
+            </a:endParaRPr>
+          </a:p>
+          <a:p>
+            <a:r>
+              <a:rPr lang="en-GB">
+                <a:solidFill>
+                  <a:schemeClr val="bg1"/>
+                </a:solidFill>
+                <a:ea typeface="+mn-lt"/>
+                <a:cs typeface="+mn-lt"/>
               </a:rPr>
-              <a:t>Trefle</a:t>
+              <a:t>Sandrini, S., &amp; Cabini, E. (2014). Multi-subject training for a sustainable farming and food system. Education Sciences &amp; Society, 5(1), 83–92. Retrieved from </a:t>
             </a:r>
             <a:r>
               <a:rPr lang="en-GB">
                 <a:solidFill>
-                  <a:schemeClr val="bg1">
-                    <a:lumMod val="95000"/>
-                  </a:schemeClr>
-                </a:solidFill>
-                <a:latin typeface="Arial Nova Light" panose="020B0304020202020204" pitchFamily="34" charset="0"/>
+                  <a:schemeClr val="bg1"/>
+                </a:solidFill>
+                <a:ea typeface="+mn-lt"/>
+                <a:cs typeface="+mn-lt"/>
+                <a:hlinkClick r:id="rId7"/>
               </a:rPr>
-              <a:t>, the plants API. (2019). Retrieved from https://trefle.io/reference</a:t>
-            </a:r>
+              <a:t>https://bit.ly/2SXzLcQ</a:t>
+            </a:r>
+            <a:endParaRPr lang="en-GB">
+              <a:solidFill>
+                <a:schemeClr val="bg1"/>
+              </a:solidFill>
+              <a:ea typeface="+mn-lt"/>
+              <a:cs typeface="+mn-lt"/>
+            </a:endParaRPr>
+          </a:p>
+          <a:p>
+            <a:r>
+              <a:rPr lang="en-GB">
+                <a:solidFill>
+                  <a:schemeClr val="bg1"/>
+                </a:solidFill>
+                <a:ea typeface="+mn-lt"/>
+                <a:cs typeface="+mn-lt"/>
+              </a:rPr>
+              <a:t>Trefle, the plants API. (2019). Retrieved from </a:t>
+            </a:r>
+            <a:r>
+              <a:rPr lang="en-GB">
+                <a:solidFill>
+                  <a:srgbClr val="C00000"/>
+                </a:solidFill>
+                <a:ea typeface="+mn-lt"/>
+                <a:cs typeface="+mn-lt"/>
+                <a:hlinkClick r:id="rId8"/>
+              </a:rPr>
+              <a:t>https://trefle.io/reference</a:t>
+            </a:r>
+            <a:endParaRPr lang="en-GB">
+              <a:solidFill>
+                <a:srgbClr val="C00000"/>
+              </a:solidFill>
+              <a:cs typeface="Calibri" panose="020F0502020204030204"/>
+            </a:endParaRPr>
           </a:p>
         </p:txBody>
       </p:sp>

--- a/1.2.Leadership_for_Sus_Dev/FProject/PRESENTATION_FINAL_PROJECT.pptx
+++ b/1.2.Leadership_for_Sus_Dev/FProject/PRESENTATION_FINAL_PROJECT.pptx
@@ -190,266 +190,6 @@
 <file path=ppt/changesInfos/changesInfo1.xml><?xml version="1.0" encoding="utf-8"?>
 <pc:chgInfo xmlns:a="http://schemas.openxmlformats.org/drawingml/2006/main" xmlns:r="http://schemas.openxmlformats.org/officeDocument/2006/relationships" xmlns:ac="http://schemas.microsoft.com/office/drawing/2013/main/command" xmlns:pc="http://schemas.microsoft.com/office/powerpoint/2013/main/command">
   <pc:docChgLst>
-    <pc:chgData name="Antonio Osamu Katagiri Tanaka" userId="2c28225e-d492-4964-8551-1b0a3c65dda0" providerId="ADAL" clId="{329B512D-3474-403B-B217-DE713D6D5C19}"/>
-    <pc:docChg chg="undo custSel addSld delSld modSld sldOrd modSection">
-      <pc:chgData name="Antonio Osamu Katagiri Tanaka" userId="2c28225e-d492-4964-8551-1b0a3c65dda0" providerId="ADAL" clId="{329B512D-3474-403B-B217-DE713D6D5C19}" dt="2019-04-04T15:50:31.505" v="1986" actId="20577"/>
-      <pc:docMkLst>
-        <pc:docMk/>
-      </pc:docMkLst>
-      <pc:sldChg chg="addSp">
-        <pc:chgData name="Antonio Osamu Katagiri Tanaka" userId="2c28225e-d492-4964-8551-1b0a3c65dda0" providerId="ADAL" clId="{329B512D-3474-403B-B217-DE713D6D5C19}" dt="2019-03-31T15:07:38.520" v="0" actId="9405"/>
-        <pc:sldMkLst>
-          <pc:docMk/>
-          <pc:sldMk cId="3401248549" sldId="256"/>
-        </pc:sldMkLst>
-        <pc:inkChg chg="add">
-          <ac:chgData name="Antonio Osamu Katagiri Tanaka" userId="2c28225e-d492-4964-8551-1b0a3c65dda0" providerId="ADAL" clId="{329B512D-3474-403B-B217-DE713D6D5C19}" dt="2019-03-31T15:07:38.520" v="0" actId="9405"/>
-          <ac:inkMkLst>
-            <pc:docMk/>
-            <pc:sldMk cId="3401248549" sldId="256"/>
-            <ac:inkMk id="2" creationId="{E00210A8-2E97-46D2-AE68-867D9198F33C}"/>
-          </ac:inkMkLst>
-        </pc:inkChg>
-      </pc:sldChg>
-      <pc:sldChg chg="modSp">
-        <pc:chgData name="Antonio Osamu Katagiri Tanaka" userId="2c28225e-d492-4964-8551-1b0a3c65dda0" providerId="ADAL" clId="{329B512D-3474-403B-B217-DE713D6D5C19}" dt="2019-04-04T15:50:31.505" v="1986" actId="20577"/>
-        <pc:sldMkLst>
-          <pc:docMk/>
-          <pc:sldMk cId="1105756717" sldId="257"/>
-        </pc:sldMkLst>
-        <pc:spChg chg="mod">
-          <ac:chgData name="Antonio Osamu Katagiri Tanaka" userId="2c28225e-d492-4964-8551-1b0a3c65dda0" providerId="ADAL" clId="{329B512D-3474-403B-B217-DE713D6D5C19}" dt="2019-04-04T15:50:31.505" v="1986" actId="20577"/>
-          <ac:spMkLst>
-            <pc:docMk/>
-            <pc:sldMk cId="1105756717" sldId="257"/>
-            <ac:spMk id="3" creationId="{6E971A9A-8031-4781-96A0-B9A5656935B5}"/>
-          </ac:spMkLst>
-        </pc:spChg>
-      </pc:sldChg>
-      <pc:sldChg chg="addSp delSp modSp">
-        <pc:chgData name="Antonio Osamu Katagiri Tanaka" userId="2c28225e-d492-4964-8551-1b0a3c65dda0" providerId="ADAL" clId="{329B512D-3474-403B-B217-DE713D6D5C19}" dt="2019-04-04T14:27:37.615" v="1984" actId="115"/>
-        <pc:sldMkLst>
-          <pc:docMk/>
-          <pc:sldMk cId="3604131991" sldId="263"/>
-        </pc:sldMkLst>
-        <pc:spChg chg="mod">
-          <ac:chgData name="Antonio Osamu Katagiri Tanaka" userId="2c28225e-d492-4964-8551-1b0a3c65dda0" providerId="ADAL" clId="{329B512D-3474-403B-B217-DE713D6D5C19}" dt="2019-04-04T14:27:37.615" v="1984" actId="115"/>
-          <ac:spMkLst>
-            <pc:docMk/>
-            <pc:sldMk cId="3604131991" sldId="263"/>
-            <ac:spMk id="6" creationId="{058630E6-31AF-4451-B084-C9809D0DA4E8}"/>
-          </ac:spMkLst>
-        </pc:spChg>
-        <pc:inkChg chg="add del">
-          <ac:chgData name="Antonio Osamu Katagiri Tanaka" userId="2c28225e-d492-4964-8551-1b0a3c65dda0" providerId="ADAL" clId="{329B512D-3474-403B-B217-DE713D6D5C19}" dt="2019-04-04T14:27:28.979" v="1982" actId="9405"/>
-          <ac:inkMkLst>
-            <pc:docMk/>
-            <pc:sldMk cId="3604131991" sldId="263"/>
-            <ac:inkMk id="2" creationId="{969D952D-714C-43B0-A513-C6B4AE47428D}"/>
-          </ac:inkMkLst>
-        </pc:inkChg>
-        <pc:inkChg chg="add del">
-          <ac:chgData name="Antonio Osamu Katagiri Tanaka" userId="2c28225e-d492-4964-8551-1b0a3c65dda0" providerId="ADAL" clId="{329B512D-3474-403B-B217-DE713D6D5C19}" dt="2019-04-04T14:27:28.045" v="1981" actId="9405"/>
-          <ac:inkMkLst>
-            <pc:docMk/>
-            <pc:sldMk cId="3604131991" sldId="263"/>
-            <ac:inkMk id="3" creationId="{FE05DE7C-4281-4120-83A0-C423CBD124A8}"/>
-          </ac:inkMkLst>
-        </pc:inkChg>
-        <pc:inkChg chg="add del">
-          <ac:chgData name="Antonio Osamu Katagiri Tanaka" userId="2c28225e-d492-4964-8551-1b0a3c65dda0" providerId="ADAL" clId="{329B512D-3474-403B-B217-DE713D6D5C19}" dt="2019-04-04T14:27:27.649" v="1980" actId="9405"/>
-          <ac:inkMkLst>
-            <pc:docMk/>
-            <pc:sldMk cId="3604131991" sldId="263"/>
-            <ac:inkMk id="5" creationId="{BB6A19F7-AA98-477A-A47F-B32552340760}"/>
-          </ac:inkMkLst>
-        </pc:inkChg>
-      </pc:sldChg>
-      <pc:sldChg chg="addSp delSp modSp add modNotesTx">
-        <pc:chgData name="Antonio Osamu Katagiri Tanaka" userId="2c28225e-d492-4964-8551-1b0a3c65dda0" providerId="ADAL" clId="{329B512D-3474-403B-B217-DE713D6D5C19}" dt="2019-04-04T13:21:57.223" v="1920" actId="20577"/>
-        <pc:sldMkLst>
-          <pc:docMk/>
-          <pc:sldMk cId="708711930" sldId="276"/>
-        </pc:sldMkLst>
-        <pc:spChg chg="mod">
-          <ac:chgData name="Antonio Osamu Katagiri Tanaka" userId="2c28225e-d492-4964-8551-1b0a3c65dda0" providerId="ADAL" clId="{329B512D-3474-403B-B217-DE713D6D5C19}" dt="2019-04-04T04:34:54.745" v="1145" actId="20577"/>
-          <ac:spMkLst>
-            <pc:docMk/>
-            <pc:sldMk cId="708711930" sldId="276"/>
-            <ac:spMk id="4" creationId="{F9ED8BE6-F7AC-4FD8-8FA8-8C683A7C2F62}"/>
-          </ac:spMkLst>
-        </pc:spChg>
-        <pc:spChg chg="add mod">
-          <ac:chgData name="Antonio Osamu Katagiri Tanaka" userId="2c28225e-d492-4964-8551-1b0a3c65dda0" providerId="ADAL" clId="{329B512D-3474-403B-B217-DE713D6D5C19}" dt="2019-04-04T13:21:57.223" v="1920" actId="20577"/>
-          <ac:spMkLst>
-            <pc:docMk/>
-            <pc:sldMk cId="708711930" sldId="276"/>
-            <ac:spMk id="7" creationId="{43F915F1-9C90-4B6E-AA0B-C9F4FCF704FA}"/>
-          </ac:spMkLst>
-        </pc:spChg>
-        <pc:picChg chg="add del mod">
-          <ac:chgData name="Antonio Osamu Katagiri Tanaka" userId="2c28225e-d492-4964-8551-1b0a3c65dda0" providerId="ADAL" clId="{329B512D-3474-403B-B217-DE713D6D5C19}" dt="2019-04-04T05:13:15.197" v="1321" actId="478"/>
-          <ac:picMkLst>
-            <pc:docMk/>
-            <pc:sldMk cId="708711930" sldId="276"/>
-            <ac:picMk id="5" creationId="{A98AA8FA-E2A8-490A-BE93-C2DB37F95CB5}"/>
-          </ac:picMkLst>
-        </pc:picChg>
-      </pc:sldChg>
-      <pc:sldChg chg="addSp delSp add">
-        <pc:chgData name="Antonio Osamu Katagiri Tanaka" userId="2c28225e-d492-4964-8551-1b0a3c65dda0" providerId="ADAL" clId="{329B512D-3474-403B-B217-DE713D6D5C19}" dt="2019-04-04T14:17:54.544" v="1976" actId="9405"/>
-        <pc:sldMkLst>
-          <pc:docMk/>
-          <pc:sldMk cId="2232161063" sldId="281"/>
-        </pc:sldMkLst>
-        <pc:spChg chg="del">
-          <ac:chgData name="Antonio Osamu Katagiri Tanaka" userId="2c28225e-d492-4964-8551-1b0a3c65dda0" providerId="ADAL" clId="{329B512D-3474-403B-B217-DE713D6D5C19}" dt="2019-04-04T14:16:15.620" v="1950" actId="478"/>
-          <ac:spMkLst>
-            <pc:docMk/>
-            <pc:sldMk cId="2232161063" sldId="281"/>
-            <ac:spMk id="2" creationId="{4C4F355D-C485-4947-B93D-D35B7AA9E70B}"/>
-          </ac:spMkLst>
-        </pc:spChg>
-        <pc:spChg chg="del">
-          <ac:chgData name="Antonio Osamu Katagiri Tanaka" userId="2c28225e-d492-4964-8551-1b0a3c65dda0" providerId="ADAL" clId="{329B512D-3474-403B-B217-DE713D6D5C19}" dt="2019-04-04T14:16:15.620" v="1950" actId="478"/>
-          <ac:spMkLst>
-            <pc:docMk/>
-            <pc:sldMk cId="2232161063" sldId="281"/>
-            <ac:spMk id="3" creationId="{CEFF394F-286F-4E9E-91A4-CDDC3F9A8031}"/>
-          </ac:spMkLst>
-        </pc:spChg>
-        <pc:inkChg chg="add del">
-          <ac:chgData name="Antonio Osamu Katagiri Tanaka" userId="2c28225e-d492-4964-8551-1b0a3c65dda0" providerId="ADAL" clId="{329B512D-3474-403B-B217-DE713D6D5C19}" dt="2019-04-04T14:16:38.510" v="1954" actId="9405"/>
-          <ac:inkMkLst>
-            <pc:docMk/>
-            <pc:sldMk cId="2232161063" sldId="281"/>
-            <ac:inkMk id="4" creationId="{F48662FE-D5D2-4B7F-8DA7-0CF64BB16546}"/>
-          </ac:inkMkLst>
-        </pc:inkChg>
-        <pc:inkChg chg="add del">
-          <ac:chgData name="Antonio Osamu Katagiri Tanaka" userId="2c28225e-d492-4964-8551-1b0a3c65dda0" providerId="ADAL" clId="{329B512D-3474-403B-B217-DE713D6D5C19}" dt="2019-04-04T14:16:38.154" v="1953" actId="9405"/>
-          <ac:inkMkLst>
-            <pc:docMk/>
-            <pc:sldMk cId="2232161063" sldId="281"/>
-            <ac:inkMk id="5" creationId="{4ABF39D1-C7B9-4BA2-B542-4048A038320F}"/>
-          </ac:inkMkLst>
-        </pc:inkChg>
-        <pc:inkChg chg="add del">
-          <ac:chgData name="Antonio Osamu Katagiri Tanaka" userId="2c28225e-d492-4964-8551-1b0a3c65dda0" providerId="ADAL" clId="{329B512D-3474-403B-B217-DE713D6D5C19}" dt="2019-04-04T14:16:47.175" v="1958" actId="9405"/>
-          <ac:inkMkLst>
-            <pc:docMk/>
-            <pc:sldMk cId="2232161063" sldId="281"/>
-            <ac:inkMk id="6" creationId="{5B1B56C8-70C9-4730-8643-79E88310667C}"/>
-          </ac:inkMkLst>
-        </pc:inkChg>
-        <pc:inkChg chg="add del">
-          <ac:chgData name="Antonio Osamu Katagiri Tanaka" userId="2c28225e-d492-4964-8551-1b0a3c65dda0" providerId="ADAL" clId="{329B512D-3474-403B-B217-DE713D6D5C19}" dt="2019-04-04T14:16:46.724" v="1957" actId="9405"/>
-          <ac:inkMkLst>
-            <pc:docMk/>
-            <pc:sldMk cId="2232161063" sldId="281"/>
-            <ac:inkMk id="7" creationId="{24C5F770-68B4-4D42-B489-41A511F861BD}"/>
-          </ac:inkMkLst>
-        </pc:inkChg>
-        <pc:inkChg chg="add del">
-          <ac:chgData name="Antonio Osamu Katagiri Tanaka" userId="2c28225e-d492-4964-8551-1b0a3c65dda0" providerId="ADAL" clId="{329B512D-3474-403B-B217-DE713D6D5C19}" dt="2019-04-04T14:17:20.271" v="1975" actId="9405"/>
-          <ac:inkMkLst>
-            <pc:docMk/>
-            <pc:sldMk cId="2232161063" sldId="281"/>
-            <ac:inkMk id="8" creationId="{39B76950-E0E3-487C-9E7C-22E8EC186848}"/>
-          </ac:inkMkLst>
-        </pc:inkChg>
-        <pc:inkChg chg="add del">
-          <ac:chgData name="Antonio Osamu Katagiri Tanaka" userId="2c28225e-d492-4964-8551-1b0a3c65dda0" providerId="ADAL" clId="{329B512D-3474-403B-B217-DE713D6D5C19}" dt="2019-04-04T14:17:20.012" v="1974" actId="9405"/>
-          <ac:inkMkLst>
-            <pc:docMk/>
-            <pc:sldMk cId="2232161063" sldId="281"/>
-            <ac:inkMk id="9" creationId="{3CEC4F54-38E1-4934-8B8C-FFE12692C698}"/>
-          </ac:inkMkLst>
-        </pc:inkChg>
-        <pc:inkChg chg="add del">
-          <ac:chgData name="Antonio Osamu Katagiri Tanaka" userId="2c28225e-d492-4964-8551-1b0a3c65dda0" providerId="ADAL" clId="{329B512D-3474-403B-B217-DE713D6D5C19}" dt="2019-04-04T14:17:09.245" v="1963"/>
-          <ac:inkMkLst>
-            <pc:docMk/>
-            <pc:sldMk cId="2232161063" sldId="281"/>
-            <ac:inkMk id="10" creationId="{0DBEE789-6623-4AB2-ADC5-98E430E1CBAF}"/>
-          </ac:inkMkLst>
-        </pc:inkChg>
-        <pc:inkChg chg="add del">
-          <ac:chgData name="Antonio Osamu Katagiri Tanaka" userId="2c28225e-d492-4964-8551-1b0a3c65dda0" providerId="ADAL" clId="{329B512D-3474-403B-B217-DE713D6D5C19}" dt="2019-04-04T14:17:19.713" v="1973" actId="9405"/>
-          <ac:inkMkLst>
-            <pc:docMk/>
-            <pc:sldMk cId="2232161063" sldId="281"/>
-            <ac:inkMk id="11" creationId="{DFC9F2CA-5285-4A5C-9F5B-2525D84FA85B}"/>
-          </ac:inkMkLst>
-        </pc:inkChg>
-        <pc:inkChg chg="add del">
-          <ac:chgData name="Antonio Osamu Katagiri Tanaka" userId="2c28225e-d492-4964-8551-1b0a3c65dda0" providerId="ADAL" clId="{329B512D-3474-403B-B217-DE713D6D5C19}" dt="2019-04-04T14:17:11.940" v="1965"/>
-          <ac:inkMkLst>
-            <pc:docMk/>
-            <pc:sldMk cId="2232161063" sldId="281"/>
-            <ac:inkMk id="12" creationId="{70729EB8-D999-44DE-BD4B-AC2656488D0D}"/>
-          </ac:inkMkLst>
-        </pc:inkChg>
-        <pc:inkChg chg="add del">
-          <ac:chgData name="Antonio Osamu Katagiri Tanaka" userId="2c28225e-d492-4964-8551-1b0a3c65dda0" providerId="ADAL" clId="{329B512D-3474-403B-B217-DE713D6D5C19}" dt="2019-04-04T14:17:19.448" v="1972" actId="9405"/>
-          <ac:inkMkLst>
-            <pc:docMk/>
-            <pc:sldMk cId="2232161063" sldId="281"/>
-            <ac:inkMk id="13" creationId="{B5E4568C-A122-4752-BFD4-D01AB9477A90}"/>
-          </ac:inkMkLst>
-        </pc:inkChg>
-        <pc:inkChg chg="add del">
-          <ac:chgData name="Antonio Osamu Katagiri Tanaka" userId="2c28225e-d492-4964-8551-1b0a3c65dda0" providerId="ADAL" clId="{329B512D-3474-403B-B217-DE713D6D5C19}" dt="2019-04-04T14:17:14.340" v="1967"/>
-          <ac:inkMkLst>
-            <pc:docMk/>
-            <pc:sldMk cId="2232161063" sldId="281"/>
-            <ac:inkMk id="14" creationId="{B7C371AD-F542-4243-992B-83DE8682F6E8}"/>
-          </ac:inkMkLst>
-        </pc:inkChg>
-        <pc:inkChg chg="add del">
-          <ac:chgData name="Antonio Osamu Katagiri Tanaka" userId="2c28225e-d492-4964-8551-1b0a3c65dda0" providerId="ADAL" clId="{329B512D-3474-403B-B217-DE713D6D5C19}" dt="2019-04-04T14:17:19.102" v="1971" actId="9405"/>
-          <ac:inkMkLst>
-            <pc:docMk/>
-            <pc:sldMk cId="2232161063" sldId="281"/>
-            <ac:inkMk id="15" creationId="{CFB02AAB-6668-48F3-B426-4D9D0CC71014}"/>
-          </ac:inkMkLst>
-        </pc:inkChg>
-        <pc:inkChg chg="add del">
-          <ac:chgData name="Antonio Osamu Katagiri Tanaka" userId="2c28225e-d492-4964-8551-1b0a3c65dda0" providerId="ADAL" clId="{329B512D-3474-403B-B217-DE713D6D5C19}" dt="2019-04-04T14:17:17.351" v="1969"/>
-          <ac:inkMkLst>
-            <pc:docMk/>
-            <pc:sldMk cId="2232161063" sldId="281"/>
-            <ac:inkMk id="16" creationId="{F958836C-F4E8-4AF9-BD66-055A4B6A0328}"/>
-          </ac:inkMkLst>
-        </pc:inkChg>
-        <pc:inkChg chg="add del">
-          <ac:chgData name="Antonio Osamu Katagiri Tanaka" userId="2c28225e-d492-4964-8551-1b0a3c65dda0" providerId="ADAL" clId="{329B512D-3474-403B-B217-DE713D6D5C19}" dt="2019-04-04T14:17:18.869" v="1970" actId="9405"/>
-          <ac:inkMkLst>
-            <pc:docMk/>
-            <pc:sldMk cId="2232161063" sldId="281"/>
-            <ac:inkMk id="17" creationId="{381EC61D-F6A6-4D31-8DC8-0FDB22BF7969}"/>
-          </ac:inkMkLst>
-        </pc:inkChg>
-        <pc:inkChg chg="add">
-          <ac:chgData name="Antonio Osamu Katagiri Tanaka" userId="2c28225e-d492-4964-8551-1b0a3c65dda0" providerId="ADAL" clId="{329B512D-3474-403B-B217-DE713D6D5C19}" dt="2019-04-04T14:17:17.351" v="1969"/>
-          <ac:inkMkLst>
-            <pc:docMk/>
-            <pc:sldMk cId="2232161063" sldId="281"/>
-            <ac:inkMk id="18" creationId="{A82FD42E-7762-4781-B54C-6FC99285B972}"/>
-          </ac:inkMkLst>
-        </pc:inkChg>
-        <pc:inkChg chg="add">
-          <ac:chgData name="Antonio Osamu Katagiri Tanaka" userId="2c28225e-d492-4964-8551-1b0a3c65dda0" providerId="ADAL" clId="{329B512D-3474-403B-B217-DE713D6D5C19}" dt="2019-04-04T14:17:54.544" v="1976" actId="9405"/>
-          <ac:inkMkLst>
-            <pc:docMk/>
-            <pc:sldMk cId="2232161063" sldId="281"/>
-            <ac:inkMk id="19" creationId="{BAA549A7-2830-4ED6-A802-0791908B8068}"/>
-          </ac:inkMkLst>
-        </pc:inkChg>
-      </pc:sldChg>
-    </pc:docChg>
-  </pc:docChgLst>
-  <pc:docChgLst>
     <pc:chgData name="Antonio Osamu Katagiri Tanaka" userId="2c28225e-d492-4964-8551-1b0a3c65dda0" providerId="ADAL" clId="{E8966260-3096-4054-A5E0-0A91A10A6CF4}"/>
     <pc:docChg chg="custSel delSld modSld modSection">
       <pc:chgData name="Antonio Osamu Katagiri Tanaka" userId="2c28225e-d492-4964-8551-1b0a3c65dda0" providerId="ADAL" clId="{E8966260-3096-4054-A5E0-0A91A10A6CF4}" dt="2019-05-05T18:21:47.650" v="183" actId="1076"/>
@@ -494,13 +234,6 @@
           </ac:spMkLst>
         </pc:spChg>
       </pc:sldChg>
-      <pc:sldChg chg="del">
-        <pc:chgData name="Antonio Osamu Katagiri Tanaka" userId="2c28225e-d492-4964-8551-1b0a3c65dda0" providerId="ADAL" clId="{E8966260-3096-4054-A5E0-0A91A10A6CF4}" dt="2019-05-05T18:18:49.783" v="109" actId="2696"/>
-        <pc:sldMkLst>
-          <pc:docMk/>
-          <pc:sldMk cId="1147480841" sldId="258"/>
-        </pc:sldMkLst>
-      </pc:sldChg>
       <pc:sldChg chg="delSp modSp">
         <pc:chgData name="Antonio Osamu Katagiri Tanaka" userId="2c28225e-d492-4964-8551-1b0a3c65dda0" providerId="ADAL" clId="{E8966260-3096-4054-A5E0-0A91A10A6CF4}" dt="2019-05-05T18:18:19.783" v="108" actId="478"/>
         <pc:sldMkLst>
@@ -532,20 +265,6 @@
           </ac:picMkLst>
         </pc:picChg>
       </pc:sldChg>
-      <pc:sldChg chg="del">
-        <pc:chgData name="Antonio Osamu Katagiri Tanaka" userId="2c28225e-d492-4964-8551-1b0a3c65dda0" providerId="ADAL" clId="{E8966260-3096-4054-A5E0-0A91A10A6CF4}" dt="2019-05-05T18:19:07.219" v="110" actId="2696"/>
-        <pc:sldMkLst>
-          <pc:docMk/>
-          <pc:sldMk cId="2503017019" sldId="261"/>
-        </pc:sldMkLst>
-      </pc:sldChg>
-      <pc:sldChg chg="del">
-        <pc:chgData name="Antonio Osamu Katagiri Tanaka" userId="2c28225e-d492-4964-8551-1b0a3c65dda0" providerId="ADAL" clId="{E8966260-3096-4054-A5E0-0A91A10A6CF4}" dt="2019-05-05T18:20:04.225" v="154" actId="2696"/>
-        <pc:sldMkLst>
-          <pc:docMk/>
-          <pc:sldMk cId="3893641512" sldId="262"/>
-        </pc:sldMkLst>
-      </pc:sldChg>
       <pc:sldChg chg="modSp">
         <pc:chgData name="Antonio Osamu Katagiri Tanaka" userId="2c28225e-d492-4964-8551-1b0a3c65dda0" providerId="ADAL" clId="{E8966260-3096-4054-A5E0-0A91A10A6CF4}" dt="2019-05-05T18:20:20.845" v="178" actId="20577"/>
         <pc:sldMkLst>
@@ -560,41 +279,6 @@
             <ac:spMk id="6" creationId="{058630E6-31AF-4451-B084-C9809D0DA4E8}"/>
           </ac:spMkLst>
         </pc:spChg>
-      </pc:sldChg>
-      <pc:sldChg chg="del">
-        <pc:chgData name="Antonio Osamu Katagiri Tanaka" userId="2c28225e-d492-4964-8551-1b0a3c65dda0" providerId="ADAL" clId="{E8966260-3096-4054-A5E0-0A91A10A6CF4}" dt="2019-05-05T18:19:07.234" v="111" actId="2696"/>
-        <pc:sldMkLst>
-          <pc:docMk/>
-          <pc:sldMk cId="2598307304" sldId="264"/>
-        </pc:sldMkLst>
-      </pc:sldChg>
-      <pc:sldChg chg="del">
-        <pc:chgData name="Antonio Osamu Katagiri Tanaka" userId="2c28225e-d492-4964-8551-1b0a3c65dda0" providerId="ADAL" clId="{E8966260-3096-4054-A5E0-0A91A10A6CF4}" dt="2019-05-05T18:20:04.300" v="156" actId="2696"/>
-        <pc:sldMkLst>
-          <pc:docMk/>
-          <pc:sldMk cId="1380703515" sldId="265"/>
-        </pc:sldMkLst>
-      </pc:sldChg>
-      <pc:sldChg chg="del">
-        <pc:chgData name="Antonio Osamu Katagiri Tanaka" userId="2c28225e-d492-4964-8551-1b0a3c65dda0" providerId="ADAL" clId="{E8966260-3096-4054-A5E0-0A91A10A6CF4}" dt="2019-05-05T18:20:04.217" v="149" actId="2696"/>
-        <pc:sldMkLst>
-          <pc:docMk/>
-          <pc:sldMk cId="3341228731" sldId="266"/>
-        </pc:sldMkLst>
-      </pc:sldChg>
-      <pc:sldChg chg="del">
-        <pc:chgData name="Antonio Osamu Katagiri Tanaka" userId="2c28225e-d492-4964-8551-1b0a3c65dda0" providerId="ADAL" clId="{E8966260-3096-4054-A5E0-0A91A10A6CF4}" dt="2019-05-05T18:20:04.214" v="147" actId="2696"/>
-        <pc:sldMkLst>
-          <pc:docMk/>
-          <pc:sldMk cId="4191868023" sldId="267"/>
-        </pc:sldMkLst>
-      </pc:sldChg>
-      <pc:sldChg chg="del">
-        <pc:chgData name="Antonio Osamu Katagiri Tanaka" userId="2c28225e-d492-4964-8551-1b0a3c65dda0" providerId="ADAL" clId="{E8966260-3096-4054-A5E0-0A91A10A6CF4}" dt="2019-05-05T18:19:07.290" v="112" actId="2696"/>
-        <pc:sldMkLst>
-          <pc:docMk/>
-          <pc:sldMk cId="3853310930" sldId="268"/>
-        </pc:sldMkLst>
       </pc:sldChg>
       <pc:sldChg chg="addSp delSp modSp">
         <pc:chgData name="Antonio Osamu Katagiri Tanaka" userId="2c28225e-d492-4964-8551-1b0a3c65dda0" providerId="ADAL" clId="{E8966260-3096-4054-A5E0-0A91A10A6CF4}" dt="2019-05-05T18:21:47.650" v="183" actId="1076"/>
@@ -619,48 +303,6 @@
           </ac:picMkLst>
         </pc:picChg>
       </pc:sldChg>
-      <pc:sldChg chg="del">
-        <pc:chgData name="Antonio Osamu Katagiri Tanaka" userId="2c28225e-d492-4964-8551-1b0a3c65dda0" providerId="ADAL" clId="{E8966260-3096-4054-A5E0-0A91A10A6CF4}" dt="2019-05-05T18:19:07.332" v="113" actId="2696"/>
-        <pc:sldMkLst>
-          <pc:docMk/>
-          <pc:sldMk cId="3718396701" sldId="270"/>
-        </pc:sldMkLst>
-      </pc:sldChg>
-      <pc:sldChg chg="del">
-        <pc:chgData name="Antonio Osamu Katagiri Tanaka" userId="2c28225e-d492-4964-8551-1b0a3c65dda0" providerId="ADAL" clId="{E8966260-3096-4054-A5E0-0A91A10A6CF4}" dt="2019-05-05T18:19:07.474" v="115" actId="2696"/>
-        <pc:sldMkLst>
-          <pc:docMk/>
-          <pc:sldMk cId="1388157750" sldId="271"/>
-        </pc:sldMkLst>
-      </pc:sldChg>
-      <pc:sldChg chg="del">
-        <pc:chgData name="Antonio Osamu Katagiri Tanaka" userId="2c28225e-d492-4964-8551-1b0a3c65dda0" providerId="ADAL" clId="{E8966260-3096-4054-A5E0-0A91A10A6CF4}" dt="2019-05-05T18:19:07.488" v="116" actId="2696"/>
-        <pc:sldMkLst>
-          <pc:docMk/>
-          <pc:sldMk cId="3743568195" sldId="272"/>
-        </pc:sldMkLst>
-      </pc:sldChg>
-      <pc:sldChg chg="del">
-        <pc:chgData name="Antonio Osamu Katagiri Tanaka" userId="2c28225e-d492-4964-8551-1b0a3c65dda0" providerId="ADAL" clId="{E8966260-3096-4054-A5E0-0A91A10A6CF4}" dt="2019-05-05T18:20:04.228" v="155" actId="2696"/>
-        <pc:sldMkLst>
-          <pc:docMk/>
-          <pc:sldMk cId="3231993023" sldId="273"/>
-        </pc:sldMkLst>
-      </pc:sldChg>
-      <pc:sldChg chg="del">
-        <pc:chgData name="Antonio Osamu Katagiri Tanaka" userId="2c28225e-d492-4964-8551-1b0a3c65dda0" providerId="ADAL" clId="{E8966260-3096-4054-A5E0-0A91A10A6CF4}" dt="2019-05-05T18:19:07.457" v="114" actId="2696"/>
-        <pc:sldMkLst>
-          <pc:docMk/>
-          <pc:sldMk cId="4180764040" sldId="274"/>
-        </pc:sldMkLst>
-      </pc:sldChg>
-      <pc:sldChg chg="del">
-        <pc:chgData name="Antonio Osamu Katagiri Tanaka" userId="2c28225e-d492-4964-8551-1b0a3c65dda0" providerId="ADAL" clId="{E8966260-3096-4054-A5E0-0A91A10A6CF4}" dt="2019-05-05T18:20:04.224" v="153" actId="2696"/>
-        <pc:sldMkLst>
-          <pc:docMk/>
-          <pc:sldMk cId="1610641762" sldId="275"/>
-        </pc:sldMkLst>
-      </pc:sldChg>
       <pc:sldChg chg="modSp">
         <pc:chgData name="Antonio Osamu Katagiri Tanaka" userId="2c28225e-d492-4964-8551-1b0a3c65dda0" providerId="ADAL" clId="{E8966260-3096-4054-A5E0-0A91A10A6CF4}" dt="2019-05-05T18:19:48.704" v="146" actId="20577"/>
         <pc:sldMkLst>
@@ -676,33 +318,139 @@
           </ac:spMkLst>
         </pc:spChg>
       </pc:sldChg>
-      <pc:sldChg chg="del">
-        <pc:chgData name="Antonio Osamu Katagiri Tanaka" userId="2c28225e-d492-4964-8551-1b0a3c65dda0" providerId="ADAL" clId="{E8966260-3096-4054-A5E0-0A91A10A6CF4}" dt="2019-05-05T18:20:04.219" v="150" actId="2696"/>
+    </pc:docChg>
+  </pc:docChgLst>
+  <pc:docChgLst>
+    <pc:chgData name="Antonio Osamu Katagiri Tanaka" userId="2c28225e-d492-4964-8551-1b0a3c65dda0" providerId="ADAL" clId="{A1255C39-2EFB-4D15-B143-B65097792378}"/>
+    <pc:docChg chg="undo custSel addSld delSld modSld">
+      <pc:chgData name="Antonio Osamu Katagiri Tanaka" userId="2c28225e-d492-4964-8551-1b0a3c65dda0" providerId="ADAL" clId="{A1255C39-2EFB-4D15-B143-B65097792378}" dt="2019-03-29T13:16:25.522" v="350" actId="20577"/>
+      <pc:docMkLst>
+        <pc:docMk/>
+      </pc:docMkLst>
+      <pc:sldChg chg="modSp">
+        <pc:chgData name="Antonio Osamu Katagiri Tanaka" userId="2c28225e-d492-4964-8551-1b0a3c65dda0" providerId="ADAL" clId="{A1255C39-2EFB-4D15-B143-B65097792378}" dt="2019-03-28T22:22:21.819" v="38" actId="20577"/>
         <pc:sldMkLst>
           <pc:docMk/>
-          <pc:sldMk cId="4081235605" sldId="277"/>
+          <pc:sldMk cId="3401248549" sldId="256"/>
         </pc:sldMkLst>
+        <pc:spChg chg="mod">
+          <ac:chgData name="Antonio Osamu Katagiri Tanaka" userId="2c28225e-d492-4964-8551-1b0a3c65dda0" providerId="ADAL" clId="{A1255C39-2EFB-4D15-B143-B65097792378}" dt="2019-03-28T22:22:21.819" v="38" actId="20577"/>
+          <ac:spMkLst>
+            <pc:docMk/>
+            <pc:sldMk cId="3401248549" sldId="256"/>
+            <ac:spMk id="7" creationId="{8D0BEDFD-CE79-4A45-9ADE-72FBEA303FCC}"/>
+          </ac:spMkLst>
+        </pc:spChg>
       </pc:sldChg>
-      <pc:sldChg chg="del">
-        <pc:chgData name="Antonio Osamu Katagiri Tanaka" userId="2c28225e-d492-4964-8551-1b0a3c65dda0" providerId="ADAL" clId="{E8966260-3096-4054-A5E0-0A91A10A6CF4}" dt="2019-05-05T18:20:04.220" v="151" actId="2696"/>
+      <pc:sldChg chg="modSp addCm delCm">
+        <pc:chgData name="Antonio Osamu Katagiri Tanaka" userId="2c28225e-d492-4964-8551-1b0a3c65dda0" providerId="ADAL" clId="{A1255C39-2EFB-4D15-B143-B65097792378}" dt="2019-03-29T13:16:25.522" v="350" actId="20577"/>
         <pc:sldMkLst>
           <pc:docMk/>
-          <pc:sldMk cId="3364986435" sldId="278"/>
+          <pc:sldMk cId="1105756717" sldId="257"/>
         </pc:sldMkLst>
+        <pc:spChg chg="mod">
+          <ac:chgData name="Antonio Osamu Katagiri Tanaka" userId="2c28225e-d492-4964-8551-1b0a3c65dda0" providerId="ADAL" clId="{A1255C39-2EFB-4D15-B143-B65097792378}" dt="2019-03-28T22:24:17.071" v="98" actId="790"/>
+          <ac:spMkLst>
+            <pc:docMk/>
+            <pc:sldMk cId="1105756717" sldId="257"/>
+            <ac:spMk id="2" creationId="{6B4CD107-D7DB-4A9B-AA15-4038D49BB7C0}"/>
+          </ac:spMkLst>
+        </pc:spChg>
+        <pc:spChg chg="mod">
+          <ac:chgData name="Antonio Osamu Katagiri Tanaka" userId="2c28225e-d492-4964-8551-1b0a3c65dda0" providerId="ADAL" clId="{A1255C39-2EFB-4D15-B143-B65097792378}" dt="2019-03-29T13:16:25.522" v="350" actId="20577"/>
+          <ac:spMkLst>
+            <pc:docMk/>
+            <pc:sldMk cId="1105756717" sldId="257"/>
+            <ac:spMk id="3" creationId="{6E971A9A-8031-4781-96A0-B9A5656935B5}"/>
+          </ac:spMkLst>
+        </pc:spChg>
       </pc:sldChg>
-      <pc:sldChg chg="del">
-        <pc:chgData name="Antonio Osamu Katagiri Tanaka" userId="2c28225e-d492-4964-8551-1b0a3c65dda0" providerId="ADAL" clId="{E8966260-3096-4054-A5E0-0A91A10A6CF4}" dt="2019-05-05T18:20:04.221" v="152" actId="2696"/>
+      <pc:sldChg chg="addSp delSp modSp">
+        <pc:chgData name="Antonio Osamu Katagiri Tanaka" userId="2c28225e-d492-4964-8551-1b0a3c65dda0" providerId="ADAL" clId="{A1255C39-2EFB-4D15-B143-B65097792378}" dt="2019-03-28T23:56:37.673" v="212" actId="113"/>
         <pc:sldMkLst>
           <pc:docMk/>
-          <pc:sldMk cId="2164953142" sldId="279"/>
+          <pc:sldMk cId="4056039362" sldId="260"/>
         </pc:sldMkLst>
-      </pc:sldChg>
-      <pc:sldChg chg="del">
-        <pc:chgData name="Antonio Osamu Katagiri Tanaka" userId="2c28225e-d492-4964-8551-1b0a3c65dda0" providerId="ADAL" clId="{E8966260-3096-4054-A5E0-0A91A10A6CF4}" dt="2019-05-05T18:20:04.216" v="148" actId="2696"/>
-        <pc:sldMkLst>
-          <pc:docMk/>
-          <pc:sldMk cId="3680588873" sldId="280"/>
-        </pc:sldMkLst>
+        <pc:spChg chg="del">
+          <ac:chgData name="Antonio Osamu Katagiri Tanaka" userId="2c28225e-d492-4964-8551-1b0a3c65dda0" providerId="ADAL" clId="{A1255C39-2EFB-4D15-B143-B65097792378}" dt="2019-03-28T23:48:09.150" v="129" actId="478"/>
+          <ac:spMkLst>
+            <pc:docMk/>
+            <pc:sldMk cId="4056039362" sldId="260"/>
+            <ac:spMk id="2" creationId="{6B4CD107-D7DB-4A9B-AA15-4038D49BB7C0}"/>
+          </ac:spMkLst>
+        </pc:spChg>
+        <pc:spChg chg="del">
+          <ac:chgData name="Antonio Osamu Katagiri Tanaka" userId="2c28225e-d492-4964-8551-1b0a3c65dda0" providerId="ADAL" clId="{A1255C39-2EFB-4D15-B143-B65097792378}" dt="2019-03-28T23:48:09.150" v="129" actId="478"/>
+          <ac:spMkLst>
+            <pc:docMk/>
+            <pc:sldMk cId="4056039362" sldId="260"/>
+            <ac:spMk id="3" creationId="{6E971A9A-8031-4781-96A0-B9A5656935B5}"/>
+          </ac:spMkLst>
+        </pc:spChg>
+        <pc:spChg chg="add mod">
+          <ac:chgData name="Antonio Osamu Katagiri Tanaka" userId="2c28225e-d492-4964-8551-1b0a3c65dda0" providerId="ADAL" clId="{A1255C39-2EFB-4D15-B143-B65097792378}" dt="2019-03-28T23:50:57.963" v="160" actId="14100"/>
+          <ac:spMkLst>
+            <pc:docMk/>
+            <pc:sldMk cId="4056039362" sldId="260"/>
+            <ac:spMk id="6" creationId="{438892A2-F58C-479B-93B3-BDD2A80D348B}"/>
+          </ac:spMkLst>
+        </pc:spChg>
+        <pc:spChg chg="add del">
+          <ac:chgData name="Antonio Osamu Katagiri Tanaka" userId="2c28225e-d492-4964-8551-1b0a3c65dda0" providerId="ADAL" clId="{A1255C39-2EFB-4D15-B143-B65097792378}" dt="2019-03-28T23:48:28.310" v="146" actId="478"/>
+          <ac:spMkLst>
+            <pc:docMk/>
+            <pc:sldMk cId="4056039362" sldId="260"/>
+            <ac:spMk id="7" creationId="{EF6DB918-A567-432C-9553-B291EBCD9916}"/>
+          </ac:spMkLst>
+        </pc:spChg>
+        <pc:spChg chg="add del mod">
+          <ac:chgData name="Antonio Osamu Katagiri Tanaka" userId="2c28225e-d492-4964-8551-1b0a3c65dda0" providerId="ADAL" clId="{A1255C39-2EFB-4D15-B143-B65097792378}" dt="2019-03-28T23:48:31.374" v="147" actId="478"/>
+          <ac:spMkLst>
+            <pc:docMk/>
+            <pc:sldMk cId="4056039362" sldId="260"/>
+            <ac:spMk id="9" creationId="{1E2B6CCF-ADC6-4398-BBBE-8A3899B1F60D}"/>
+          </ac:spMkLst>
+        </pc:spChg>
+        <pc:spChg chg="add del mod">
+          <ac:chgData name="Antonio Osamu Katagiri Tanaka" userId="2c28225e-d492-4964-8551-1b0a3c65dda0" providerId="ADAL" clId="{A1255C39-2EFB-4D15-B143-B65097792378}" dt="2019-03-28T23:49:31.279" v="152" actId="478"/>
+          <ac:spMkLst>
+            <pc:docMk/>
+            <pc:sldMk cId="4056039362" sldId="260"/>
+            <ac:spMk id="10" creationId="{76E5AA51-769F-464D-B9B3-B06DC2DB3974}"/>
+          </ac:spMkLst>
+        </pc:spChg>
+        <pc:spChg chg="add del mod">
+          <ac:chgData name="Antonio Osamu Katagiri Tanaka" userId="2c28225e-d492-4964-8551-1b0a3c65dda0" providerId="ADAL" clId="{A1255C39-2EFB-4D15-B143-B65097792378}" dt="2019-03-28T23:49:33.812" v="153" actId="478"/>
+          <ac:spMkLst>
+            <pc:docMk/>
+            <pc:sldMk cId="4056039362" sldId="260"/>
+            <ac:spMk id="12" creationId="{687A944B-A58D-42D4-A5FB-9C5AEDA23012}"/>
+          </ac:spMkLst>
+        </pc:spChg>
+        <pc:spChg chg="add mod">
+          <ac:chgData name="Antonio Osamu Katagiri Tanaka" userId="2c28225e-d492-4964-8551-1b0a3c65dda0" providerId="ADAL" clId="{A1255C39-2EFB-4D15-B143-B65097792378}" dt="2019-03-28T23:56:37.673" v="212" actId="113"/>
+          <ac:spMkLst>
+            <pc:docMk/>
+            <pc:sldMk cId="4056039362" sldId="260"/>
+            <ac:spMk id="14" creationId="{B1FDEF3E-1872-41D3-A841-FBE14801F476}"/>
+          </ac:spMkLst>
+        </pc:spChg>
+        <pc:picChg chg="add del mod">
+          <ac:chgData name="Antonio Osamu Katagiri Tanaka" userId="2c28225e-d492-4964-8551-1b0a3c65dda0" providerId="ADAL" clId="{A1255C39-2EFB-4D15-B143-B65097792378}" dt="2019-03-28T23:50:01.886" v="156" actId="478"/>
+          <ac:picMkLst>
+            <pc:docMk/>
+            <pc:sldMk cId="4056039362" sldId="260"/>
+            <ac:picMk id="5" creationId="{977539DB-7CD6-458F-9C2E-830FC458ECDD}"/>
+          </ac:picMkLst>
+        </pc:picChg>
+        <pc:picChg chg="add mod">
+          <ac:chgData name="Antonio Osamu Katagiri Tanaka" userId="2c28225e-d492-4964-8551-1b0a3c65dda0" providerId="ADAL" clId="{A1255C39-2EFB-4D15-B143-B65097792378}" dt="2019-03-28T23:53:58.543" v="189" actId="1036"/>
+          <ac:picMkLst>
+            <pc:docMk/>
+            <pc:sldMk cId="4056039362" sldId="260"/>
+            <ac:picMk id="13" creationId="{8578D0BD-CD2C-44B1-976E-1029D186D2DF}"/>
+          </ac:picMkLst>
+        </pc:picChg>
       </pc:sldChg>
     </pc:docChg>
   </pc:docChgLst>
@@ -793,20 +541,43 @@
     </pc:docChg>
   </pc:docChgLst>
   <pc:docChgLst>
-    <pc:chgData name="Antonio Osamu Katagiri Tanaka" userId="2c28225e-d492-4964-8551-1b0a3c65dda0" providerId="ADAL" clId="{BA091A27-582A-4D6D-8346-D5CF8624059C}"/>
-    <pc:docChg chg="undo custSel addSld delSld modSld sldOrd">
-      <pc:chgData name="Antonio Osamu Katagiri Tanaka" userId="2c28225e-d492-4964-8551-1b0a3c65dda0" providerId="ADAL" clId="{BA091A27-582A-4D6D-8346-D5CF8624059C}" dt="2019-03-29T18:11:35.461" v="1535" actId="20577"/>
+    <pc:chgData name="Antonio Osamu Katagiri Tanaka" userId="2c28225e-d492-4964-8551-1b0a3c65dda0" providerId="ADAL" clId="{32B8FC8B-73BF-4179-A255-324A3489FE93}"/>
+    <pc:docChg chg="undo custSel addSld delSld modSld modSection">
+      <pc:chgData name="Antonio Osamu Katagiri Tanaka" userId="2c28225e-d492-4964-8551-1b0a3c65dda0" providerId="ADAL" clId="{32B8FC8B-73BF-4179-A255-324A3489FE93}" dt="2019-05-06T01:36:25.897" v="545" actId="1076"/>
       <pc:docMkLst>
         <pc:docMk/>
       </pc:docMkLst>
       <pc:sldChg chg="modSp">
-        <pc:chgData name="Antonio Osamu Katagiri Tanaka" userId="2c28225e-d492-4964-8551-1b0a3c65dda0" providerId="ADAL" clId="{BA091A27-582A-4D6D-8346-D5CF8624059C}" dt="2019-03-29T17:31:38.150" v="1287" actId="20577"/>
+        <pc:chgData name="Antonio Osamu Katagiri Tanaka" userId="2c28225e-d492-4964-8551-1b0a3c65dda0" providerId="ADAL" clId="{32B8FC8B-73BF-4179-A255-324A3489FE93}" dt="2019-05-05T18:39:36.571" v="128" actId="20577"/>
+        <pc:sldMkLst>
+          <pc:docMk/>
+          <pc:sldMk cId="3401248549" sldId="256"/>
+        </pc:sldMkLst>
+        <pc:spChg chg="mod">
+          <ac:chgData name="Antonio Osamu Katagiri Tanaka" userId="2c28225e-d492-4964-8551-1b0a3c65dda0" providerId="ADAL" clId="{32B8FC8B-73BF-4179-A255-324A3489FE93}" dt="2019-05-05T18:34:37.442" v="25" actId="20577"/>
+          <ac:spMkLst>
+            <pc:docMk/>
+            <pc:sldMk cId="3401248549" sldId="256"/>
+            <ac:spMk id="6" creationId="{3EB028BF-0783-48AF-AB96-57CC5B2CBEAF}"/>
+          </ac:spMkLst>
+        </pc:spChg>
+        <pc:spChg chg="mod">
+          <ac:chgData name="Antonio Osamu Katagiri Tanaka" userId="2c28225e-d492-4964-8551-1b0a3c65dda0" providerId="ADAL" clId="{32B8FC8B-73BF-4179-A255-324A3489FE93}" dt="2019-05-05T18:39:36.571" v="128" actId="20577"/>
+          <ac:spMkLst>
+            <pc:docMk/>
+            <pc:sldMk cId="3401248549" sldId="256"/>
+            <ac:spMk id="7" creationId="{8D0BEDFD-CE79-4A45-9ADE-72FBEA303FCC}"/>
+          </ac:spMkLst>
+        </pc:spChg>
+      </pc:sldChg>
+      <pc:sldChg chg="modSp">
+        <pc:chgData name="Antonio Osamu Katagiri Tanaka" userId="2c28225e-d492-4964-8551-1b0a3c65dda0" providerId="ADAL" clId="{32B8FC8B-73BF-4179-A255-324A3489FE93}" dt="2019-05-05T18:45:15.734" v="227" actId="20577"/>
         <pc:sldMkLst>
           <pc:docMk/>
           <pc:sldMk cId="1105756717" sldId="257"/>
         </pc:sldMkLst>
         <pc:spChg chg="mod">
-          <ac:chgData name="Antonio Osamu Katagiri Tanaka" userId="2c28225e-d492-4964-8551-1b0a3c65dda0" providerId="ADAL" clId="{BA091A27-582A-4D6D-8346-D5CF8624059C}" dt="2019-03-29T17:31:38.150" v="1287" actId="20577"/>
+          <ac:chgData name="Antonio Osamu Katagiri Tanaka" userId="2c28225e-d492-4964-8551-1b0a3c65dda0" providerId="ADAL" clId="{32B8FC8B-73BF-4179-A255-324A3489FE93}" dt="2019-05-05T18:45:15.734" v="227" actId="20577"/>
           <ac:spMkLst>
             <pc:docMk/>
             <pc:sldMk cId="1105756717" sldId="257"/>
@@ -814,22 +585,45 @@
           </ac:spMkLst>
         </pc:spChg>
       </pc:sldChg>
-      <pc:sldChg chg="modSp add ord">
-        <pc:chgData name="Antonio Osamu Katagiri Tanaka" userId="2c28225e-d492-4964-8551-1b0a3c65dda0" providerId="ADAL" clId="{BA091A27-582A-4D6D-8346-D5CF8624059C}" dt="2019-03-29T17:30:36.770" v="1284"/>
+      <pc:sldChg chg="addSp delSp modSp">
+        <pc:chgData name="Antonio Osamu Katagiri Tanaka" userId="2c28225e-d492-4964-8551-1b0a3c65dda0" providerId="ADAL" clId="{32B8FC8B-73BF-4179-A255-324A3489FE93}" dt="2019-05-06T01:30:50.507" v="506" actId="478"/>
+        <pc:sldMkLst>
+          <pc:docMk/>
+          <pc:sldMk cId="4056039362" sldId="260"/>
+        </pc:sldMkLst>
+        <pc:spChg chg="add mod">
+          <ac:chgData name="Antonio Osamu Katagiri Tanaka" userId="2c28225e-d492-4964-8551-1b0a3c65dda0" providerId="ADAL" clId="{32B8FC8B-73BF-4179-A255-324A3489FE93}" dt="2019-05-06T01:30:45.509" v="505" actId="20577"/>
+          <ac:spMkLst>
+            <pc:docMk/>
+            <pc:sldMk cId="4056039362" sldId="260"/>
+            <ac:spMk id="4" creationId="{F8AAC0B0-37FC-4A11-B894-7B27109CC8B7}"/>
+          </ac:spMkLst>
+        </pc:spChg>
+        <pc:spChg chg="mod">
+          <ac:chgData name="Antonio Osamu Katagiri Tanaka" userId="2c28225e-d492-4964-8551-1b0a3c65dda0" providerId="ADAL" clId="{32B8FC8B-73BF-4179-A255-324A3489FE93}" dt="2019-05-05T18:46:21.585" v="234"/>
+          <ac:spMkLst>
+            <pc:docMk/>
+            <pc:sldMk cId="4056039362" sldId="260"/>
+            <ac:spMk id="6" creationId="{438892A2-F58C-479B-93B3-BDD2A80D348B}"/>
+          </ac:spMkLst>
+        </pc:spChg>
+        <pc:spChg chg="del mod">
+          <ac:chgData name="Antonio Osamu Katagiri Tanaka" userId="2c28225e-d492-4964-8551-1b0a3c65dda0" providerId="ADAL" clId="{32B8FC8B-73BF-4179-A255-324A3489FE93}" dt="2019-05-06T01:30:50.507" v="506" actId="478"/>
+          <ac:spMkLst>
+            <pc:docMk/>
+            <pc:sldMk cId="4056039362" sldId="260"/>
+            <ac:spMk id="14" creationId="{B1FDEF3E-1872-41D3-A841-FBE14801F476}"/>
+          </ac:spMkLst>
+        </pc:spChg>
+      </pc:sldChg>
+      <pc:sldChg chg="modSp">
+        <pc:chgData name="Antonio Osamu Katagiri Tanaka" userId="2c28225e-d492-4964-8551-1b0a3c65dda0" providerId="ADAL" clId="{32B8FC8B-73BF-4179-A255-324A3489FE93}" dt="2019-05-05T18:54:21.532" v="357" actId="6549"/>
         <pc:sldMkLst>
           <pc:docMk/>
           <pc:sldMk cId="3604131991" sldId="263"/>
         </pc:sldMkLst>
         <pc:spChg chg="mod">
-          <ac:chgData name="Antonio Osamu Katagiri Tanaka" userId="2c28225e-d492-4964-8551-1b0a3c65dda0" providerId="ADAL" clId="{BA091A27-582A-4D6D-8346-D5CF8624059C}" dt="2019-03-29T15:52:32.017" v="518" actId="20577"/>
-          <ac:spMkLst>
-            <pc:docMk/>
-            <pc:sldMk cId="3604131991" sldId="263"/>
-            <ac:spMk id="4" creationId="{F9ED8BE6-F7AC-4FD8-8FA8-8C683A7C2F62}"/>
-          </ac:spMkLst>
-        </pc:spChg>
-        <pc:spChg chg="mod">
-          <ac:chgData name="Antonio Osamu Katagiri Tanaka" userId="2c28225e-d492-4964-8551-1b0a3c65dda0" providerId="ADAL" clId="{BA091A27-582A-4D6D-8346-D5CF8624059C}" dt="2019-03-29T15:53:27.381" v="528" actId="11"/>
+          <ac:chgData name="Antonio Osamu Katagiri Tanaka" userId="2c28225e-d492-4964-8551-1b0a3c65dda0" providerId="ADAL" clId="{32B8FC8B-73BF-4179-A255-324A3489FE93}" dt="2019-05-05T18:54:21.532" v="357" actId="6549"/>
           <ac:spMkLst>
             <pc:docMk/>
             <pc:sldMk cId="3604131991" sldId="263"/>
@@ -837,30 +631,14 @@
           </ac:spMkLst>
         </pc:spChg>
       </pc:sldChg>
-    </pc:docChg>
-  </pc:docChgLst>
-  <pc:docChgLst>
-    <pc:chgData name="Guest User" userId="S::urn:spo:anon#eefee8524a9af362ce993b59cbad1dc10e96478d9a467e62d16060d771e11e01::" providerId="AD" clId="Web-{4120883B-3EAF-4E35-87A7-AF060FDADAAF}"/>
-    <pc:docChg chg="delSld modSld modSection">
-      <pc:chgData name="Guest User" userId="S::urn:spo:anon#eefee8524a9af362ce993b59cbad1dc10e96478d9a467e62d16060d771e11e01::" providerId="AD" clId="Web-{4120883B-3EAF-4E35-87A7-AF060FDADAAF}" dt="2019-05-06T04:29:14.633" v="367" actId="14100"/>
-      <pc:docMkLst>
-        <pc:docMk/>
-      </pc:docMkLst>
-      <pc:sldChg chg="mod modShow">
-        <pc:chgData name="Guest User" userId="S::urn:spo:anon#eefee8524a9af362ce993b59cbad1dc10e96478d9a467e62d16060d771e11e01::" providerId="AD" clId="Web-{4120883B-3EAF-4E35-87A7-AF060FDADAAF}" dt="2019-05-06T01:44:42.730" v="1"/>
-        <pc:sldMkLst>
-          <pc:docMk/>
-          <pc:sldMk cId="1105756717" sldId="257"/>
-        </pc:sldMkLst>
-      </pc:sldChg>
       <pc:sldChg chg="modSp">
-        <pc:chgData name="Guest User" userId="S::urn:spo:anon#eefee8524a9af362ce993b59cbad1dc10e96478d9a467e62d16060d771e11e01::" providerId="AD" clId="Web-{4120883B-3EAF-4E35-87A7-AF060FDADAAF}" dt="2019-05-06T04:29:14.633" v="367" actId="14100"/>
+        <pc:chgData name="Antonio Osamu Katagiri Tanaka" userId="2c28225e-d492-4964-8551-1b0a3c65dda0" providerId="ADAL" clId="{32B8FC8B-73BF-4179-A255-324A3489FE93}" dt="2019-05-06T01:33:14.638" v="522"/>
         <pc:sldMkLst>
           <pc:docMk/>
           <pc:sldMk cId="708711930" sldId="276"/>
         </pc:sldMkLst>
         <pc:spChg chg="mod">
-          <ac:chgData name="Guest User" userId="S::urn:spo:anon#eefee8524a9af362ce993b59cbad1dc10e96478d9a467e62d16060d771e11e01::" providerId="AD" clId="Web-{4120883B-3EAF-4E35-87A7-AF060FDADAAF}" dt="2019-05-06T04:29:14.633" v="367" actId="14100"/>
+          <ac:chgData name="Antonio Osamu Katagiri Tanaka" userId="2c28225e-d492-4964-8551-1b0a3c65dda0" providerId="ADAL" clId="{32B8FC8B-73BF-4179-A255-324A3489FE93}" dt="2019-05-05T18:47:01.963" v="254"/>
           <ac:spMkLst>
             <pc:docMk/>
             <pc:sldMk cId="708711930" sldId="276"/>
@@ -868,7 +646,7 @@
           </ac:spMkLst>
         </pc:spChg>
         <pc:spChg chg="mod">
-          <ac:chgData name="Guest User" userId="S::urn:spo:anon#eefee8524a9af362ce993b59cbad1dc10e96478d9a467e62d16060d771e11e01::" providerId="AD" clId="Web-{4120883B-3EAF-4E35-87A7-AF060FDADAAF}" dt="2019-05-06T04:29:08.336" v="365" actId="20577"/>
+          <ac:chgData name="Antonio Osamu Katagiri Tanaka" userId="2c28225e-d492-4964-8551-1b0a3c65dda0" providerId="ADAL" clId="{32B8FC8B-73BF-4179-A255-324A3489FE93}" dt="2019-05-06T01:33:14.638" v="522"/>
           <ac:spMkLst>
             <pc:docMk/>
             <pc:sldMk cId="708711930" sldId="276"/>
@@ -876,27 +654,106 @@
           </ac:spMkLst>
         </pc:spChg>
       </pc:sldChg>
-      <pc:sldChg chg="del">
-        <pc:chgData name="Guest User" userId="S::urn:spo:anon#eefee8524a9af362ce993b59cbad1dc10e96478d9a467e62d16060d771e11e01::" providerId="AD" clId="Web-{4120883B-3EAF-4E35-87A7-AF060FDADAAF}" dt="2019-05-06T01:44:17.480" v="0"/>
+      <pc:sldChg chg="modSp add">
+        <pc:chgData name="Antonio Osamu Katagiri Tanaka" userId="2c28225e-d492-4964-8551-1b0a3c65dda0" providerId="ADAL" clId="{32B8FC8B-73BF-4179-A255-324A3489FE93}" dt="2019-05-06T01:22:51.840" v="489" actId="313"/>
         <pc:sldMkLst>
           <pc:docMk/>
-          <pc:sldMk cId="2232161063" sldId="281"/>
+          <pc:sldMk cId="1982087068" sldId="282"/>
         </pc:sldMkLst>
+        <pc:spChg chg="mod">
+          <ac:chgData name="Antonio Osamu Katagiri Tanaka" userId="2c28225e-d492-4964-8551-1b0a3c65dda0" providerId="ADAL" clId="{32B8FC8B-73BF-4179-A255-324A3489FE93}" dt="2019-05-05T18:46:27.589" v="235"/>
+          <ac:spMkLst>
+            <pc:docMk/>
+            <pc:sldMk cId="1982087068" sldId="282"/>
+            <ac:spMk id="6" creationId="{438892A2-F58C-479B-93B3-BDD2A80D348B}"/>
+          </ac:spMkLst>
+        </pc:spChg>
+        <pc:spChg chg="mod">
+          <ac:chgData name="Antonio Osamu Katagiri Tanaka" userId="2c28225e-d492-4964-8551-1b0a3c65dda0" providerId="ADAL" clId="{32B8FC8B-73BF-4179-A255-324A3489FE93}" dt="2019-05-06T01:22:51.840" v="489" actId="313"/>
+          <ac:spMkLst>
+            <pc:docMk/>
+            <pc:sldMk cId="1982087068" sldId="282"/>
+            <ac:spMk id="14" creationId="{B1FDEF3E-1872-41D3-A841-FBE14801F476}"/>
+          </ac:spMkLst>
+        </pc:spChg>
       </pc:sldChg>
-      <pc:sldChg chg="modSp">
-        <pc:chgData name="Guest User" userId="S::urn:spo:anon#eefee8524a9af362ce993b59cbad1dc10e96478d9a467e62d16060d771e11e01::" providerId="AD" clId="Web-{4120883B-3EAF-4E35-87A7-AF060FDADAAF}" dt="2019-05-06T04:22:28.927" v="14" actId="20577"/>
+      <pc:sldChg chg="addSp delSp modSp add">
+        <pc:chgData name="Antonio Osamu Katagiri Tanaka" userId="2c28225e-d492-4964-8551-1b0a3c65dda0" providerId="ADAL" clId="{32B8FC8B-73BF-4179-A255-324A3489FE93}" dt="2019-05-06T01:35:15.004" v="524"/>
         <pc:sldMkLst>
           <pc:docMk/>
           <pc:sldMk cId="3526386784" sldId="283"/>
         </pc:sldMkLst>
         <pc:spChg chg="mod">
-          <ac:chgData name="Guest User" userId="S::urn:spo:anon#eefee8524a9af362ce993b59cbad1dc10e96478d9a467e62d16060d771e11e01::" providerId="AD" clId="Web-{4120883B-3EAF-4E35-87A7-AF060FDADAAF}" dt="2019-05-06T04:22:28.927" v="14" actId="20577"/>
+          <ac:chgData name="Antonio Osamu Katagiri Tanaka" userId="2c28225e-d492-4964-8551-1b0a3c65dda0" providerId="ADAL" clId="{32B8FC8B-73BF-4179-A255-324A3489FE93}" dt="2019-05-05T18:46:37.149" v="236"/>
+          <ac:spMkLst>
+            <pc:docMk/>
+            <pc:sldMk cId="3526386784" sldId="283"/>
+            <ac:spMk id="6" creationId="{438892A2-F58C-479B-93B3-BDD2A80D348B}"/>
+          </ac:spMkLst>
+        </pc:spChg>
+        <pc:spChg chg="mod">
+          <ac:chgData name="Antonio Osamu Katagiri Tanaka" userId="2c28225e-d492-4964-8551-1b0a3c65dda0" providerId="ADAL" clId="{32B8FC8B-73BF-4179-A255-324A3489FE93}" dt="2019-05-06T01:17:21.193" v="391" actId="20577"/>
           <ac:spMkLst>
             <pc:docMk/>
             <pc:sldMk cId="3526386784" sldId="283"/>
             <ac:spMk id="14" creationId="{B1FDEF3E-1872-41D3-A841-FBE14801F476}"/>
           </ac:spMkLst>
         </pc:spChg>
+        <pc:picChg chg="add del mod">
+          <ac:chgData name="Antonio Osamu Katagiri Tanaka" userId="2c28225e-d492-4964-8551-1b0a3c65dda0" providerId="ADAL" clId="{32B8FC8B-73BF-4179-A255-324A3489FE93}" dt="2019-05-06T01:35:15.004" v="524"/>
+          <ac:picMkLst>
+            <pc:docMk/>
+            <pc:sldMk cId="3526386784" sldId="283"/>
+            <ac:picMk id="3" creationId="{D61DE846-7373-46A2-9116-854F7015B21C}"/>
+          </ac:picMkLst>
+        </pc:picChg>
+      </pc:sldChg>
+      <pc:sldChg chg="addSp delSp modSp add">
+        <pc:chgData name="Antonio Osamu Katagiri Tanaka" userId="2c28225e-d492-4964-8551-1b0a3c65dda0" providerId="ADAL" clId="{32B8FC8B-73BF-4179-A255-324A3489FE93}" dt="2019-05-06T01:36:25.897" v="545" actId="1076"/>
+        <pc:sldMkLst>
+          <pc:docMk/>
+          <pc:sldMk cId="1924512942" sldId="284"/>
+        </pc:sldMkLst>
+        <pc:spChg chg="mod">
+          <ac:chgData name="Antonio Osamu Katagiri Tanaka" userId="2c28225e-d492-4964-8551-1b0a3c65dda0" providerId="ADAL" clId="{32B8FC8B-73BF-4179-A255-324A3489FE93}" dt="2019-05-05T18:46:50.683" v="253" actId="404"/>
+          <ac:spMkLst>
+            <pc:docMk/>
+            <pc:sldMk cId="1924512942" sldId="284"/>
+            <ac:spMk id="6" creationId="{438892A2-F58C-479B-93B3-BDD2A80D348B}"/>
+          </ac:spMkLst>
+        </pc:spChg>
+        <pc:spChg chg="del">
+          <ac:chgData name="Antonio Osamu Katagiri Tanaka" userId="2c28225e-d492-4964-8551-1b0a3c65dda0" providerId="ADAL" clId="{32B8FC8B-73BF-4179-A255-324A3489FE93}" dt="2019-05-06T01:31:03.802" v="508" actId="478"/>
+          <ac:spMkLst>
+            <pc:docMk/>
+            <pc:sldMk cId="1924512942" sldId="284"/>
+            <ac:spMk id="14" creationId="{B1FDEF3E-1872-41D3-A841-FBE14801F476}"/>
+          </ac:spMkLst>
+        </pc:spChg>
+        <pc:picChg chg="add mod">
+          <ac:chgData name="Antonio Osamu Katagiri Tanaka" userId="2c28225e-d492-4964-8551-1b0a3c65dda0" providerId="ADAL" clId="{32B8FC8B-73BF-4179-A255-324A3489FE93}" dt="2019-05-06T01:36:12.553" v="541" actId="1076"/>
+          <ac:picMkLst>
+            <pc:docMk/>
+            <pc:sldMk cId="1924512942" sldId="284"/>
+            <ac:picMk id="3" creationId="{6AB294B2-C0FF-49BE-BF6F-B5E9ADD12668}"/>
+          </ac:picMkLst>
+        </pc:picChg>
+        <pc:picChg chg="add mod">
+          <ac:chgData name="Antonio Osamu Katagiri Tanaka" userId="2c28225e-d492-4964-8551-1b0a3c65dda0" providerId="ADAL" clId="{32B8FC8B-73BF-4179-A255-324A3489FE93}" dt="2019-05-06T01:36:25.897" v="545" actId="1076"/>
+          <ac:picMkLst>
+            <pc:docMk/>
+            <pc:sldMk cId="1924512942" sldId="284"/>
+            <ac:picMk id="5" creationId="{D21522CE-DC73-4A00-89B7-CF3C3BFF4448}"/>
+          </ac:picMkLst>
+        </pc:picChg>
+        <pc:picChg chg="add mod">
+          <ac:chgData name="Antonio Osamu Katagiri Tanaka" userId="2c28225e-d492-4964-8551-1b0a3c65dda0" providerId="ADAL" clId="{32B8FC8B-73BF-4179-A255-324A3489FE93}" dt="2019-05-06T01:36:23.736" v="544" actId="1076"/>
+          <ac:picMkLst>
+            <pc:docMk/>
+            <pc:sldMk cId="1924512942" sldId="284"/>
+            <ac:picMk id="8" creationId="{6BE7C238-D3C2-4039-82DC-842CEE4C9559}"/>
+          </ac:picMkLst>
+        </pc:picChg>
       </pc:sldChg>
     </pc:docChg>
   </pc:docChgLst>
@@ -1040,43 +897,152 @@
     </pc:docChg>
   </pc:docChgLst>
   <pc:docChgLst>
-    <pc:chgData name="Antonio Osamu Katagiri Tanaka" userId="2c28225e-d492-4964-8551-1b0a3c65dda0" providerId="ADAL" clId="{32B8FC8B-73BF-4179-A255-324A3489FE93}"/>
-    <pc:docChg chg="undo custSel addSld delSld modSld modSection">
-      <pc:chgData name="Antonio Osamu Katagiri Tanaka" userId="2c28225e-d492-4964-8551-1b0a3c65dda0" providerId="ADAL" clId="{32B8FC8B-73BF-4179-A255-324A3489FE93}" dt="2019-05-06T01:36:25.897" v="545" actId="1076"/>
+    <pc:chgData name="Antonio Osamu Katagiri Tanaka" userId="2c28225e-d492-4964-8551-1b0a3c65dda0" providerId="ADAL" clId="{BA091A27-582A-4D6D-8346-D5CF8624059C}"/>
+    <pc:docChg chg="undo custSel addSld delSld modSld sldOrd">
+      <pc:chgData name="Antonio Osamu Katagiri Tanaka" userId="2c28225e-d492-4964-8551-1b0a3c65dda0" providerId="ADAL" clId="{BA091A27-582A-4D6D-8346-D5CF8624059C}" dt="2019-03-29T18:11:35.461" v="1535" actId="20577"/>
       <pc:docMkLst>
         <pc:docMk/>
       </pc:docMkLst>
       <pc:sldChg chg="modSp">
-        <pc:chgData name="Antonio Osamu Katagiri Tanaka" userId="2c28225e-d492-4964-8551-1b0a3c65dda0" providerId="ADAL" clId="{32B8FC8B-73BF-4179-A255-324A3489FE93}" dt="2019-05-05T18:39:36.571" v="128" actId="20577"/>
-        <pc:sldMkLst>
-          <pc:docMk/>
-          <pc:sldMk cId="3401248549" sldId="256"/>
-        </pc:sldMkLst>
-        <pc:spChg chg="mod">
-          <ac:chgData name="Antonio Osamu Katagiri Tanaka" userId="2c28225e-d492-4964-8551-1b0a3c65dda0" providerId="ADAL" clId="{32B8FC8B-73BF-4179-A255-324A3489FE93}" dt="2019-05-05T18:34:37.442" v="25" actId="20577"/>
-          <ac:spMkLst>
-            <pc:docMk/>
-            <pc:sldMk cId="3401248549" sldId="256"/>
-            <ac:spMk id="6" creationId="{3EB028BF-0783-48AF-AB96-57CC5B2CBEAF}"/>
-          </ac:spMkLst>
-        </pc:spChg>
-        <pc:spChg chg="mod">
-          <ac:chgData name="Antonio Osamu Katagiri Tanaka" userId="2c28225e-d492-4964-8551-1b0a3c65dda0" providerId="ADAL" clId="{32B8FC8B-73BF-4179-A255-324A3489FE93}" dt="2019-05-05T18:39:36.571" v="128" actId="20577"/>
-          <ac:spMkLst>
-            <pc:docMk/>
-            <pc:sldMk cId="3401248549" sldId="256"/>
-            <ac:spMk id="7" creationId="{8D0BEDFD-CE79-4A45-9ADE-72FBEA303FCC}"/>
-          </ac:spMkLst>
-        </pc:spChg>
-      </pc:sldChg>
-      <pc:sldChg chg="modSp">
-        <pc:chgData name="Antonio Osamu Katagiri Tanaka" userId="2c28225e-d492-4964-8551-1b0a3c65dda0" providerId="ADAL" clId="{32B8FC8B-73BF-4179-A255-324A3489FE93}" dt="2019-05-05T18:45:15.734" v="227" actId="20577"/>
+        <pc:chgData name="Antonio Osamu Katagiri Tanaka" userId="2c28225e-d492-4964-8551-1b0a3c65dda0" providerId="ADAL" clId="{BA091A27-582A-4D6D-8346-D5CF8624059C}" dt="2019-03-29T17:31:38.150" v="1287" actId="20577"/>
         <pc:sldMkLst>
           <pc:docMk/>
           <pc:sldMk cId="1105756717" sldId="257"/>
         </pc:sldMkLst>
         <pc:spChg chg="mod">
-          <ac:chgData name="Antonio Osamu Katagiri Tanaka" userId="2c28225e-d492-4964-8551-1b0a3c65dda0" providerId="ADAL" clId="{32B8FC8B-73BF-4179-A255-324A3489FE93}" dt="2019-05-05T18:45:15.734" v="227" actId="20577"/>
+          <ac:chgData name="Antonio Osamu Katagiri Tanaka" userId="2c28225e-d492-4964-8551-1b0a3c65dda0" providerId="ADAL" clId="{BA091A27-582A-4D6D-8346-D5CF8624059C}" dt="2019-03-29T17:31:38.150" v="1287" actId="20577"/>
+          <ac:spMkLst>
+            <pc:docMk/>
+            <pc:sldMk cId="1105756717" sldId="257"/>
+            <ac:spMk id="3" creationId="{6E971A9A-8031-4781-96A0-B9A5656935B5}"/>
+          </ac:spMkLst>
+        </pc:spChg>
+      </pc:sldChg>
+      <pc:sldChg chg="modSp add ord">
+        <pc:chgData name="Antonio Osamu Katagiri Tanaka" userId="2c28225e-d492-4964-8551-1b0a3c65dda0" providerId="ADAL" clId="{BA091A27-582A-4D6D-8346-D5CF8624059C}" dt="2019-03-29T17:30:36.770" v="1284"/>
+        <pc:sldMkLst>
+          <pc:docMk/>
+          <pc:sldMk cId="3604131991" sldId="263"/>
+        </pc:sldMkLst>
+        <pc:spChg chg="mod">
+          <ac:chgData name="Antonio Osamu Katagiri Tanaka" userId="2c28225e-d492-4964-8551-1b0a3c65dda0" providerId="ADAL" clId="{BA091A27-582A-4D6D-8346-D5CF8624059C}" dt="2019-03-29T15:52:32.017" v="518" actId="20577"/>
+          <ac:spMkLst>
+            <pc:docMk/>
+            <pc:sldMk cId="3604131991" sldId="263"/>
+            <ac:spMk id="4" creationId="{F9ED8BE6-F7AC-4FD8-8FA8-8C683A7C2F62}"/>
+          </ac:spMkLst>
+        </pc:spChg>
+        <pc:spChg chg="mod">
+          <ac:chgData name="Antonio Osamu Katagiri Tanaka" userId="2c28225e-d492-4964-8551-1b0a3c65dda0" providerId="ADAL" clId="{BA091A27-582A-4D6D-8346-D5CF8624059C}" dt="2019-03-29T15:53:27.381" v="528" actId="11"/>
+          <ac:spMkLst>
+            <pc:docMk/>
+            <pc:sldMk cId="3604131991" sldId="263"/>
+            <ac:spMk id="6" creationId="{058630E6-31AF-4451-B084-C9809D0DA4E8}"/>
+          </ac:spMkLst>
+        </pc:spChg>
+      </pc:sldChg>
+    </pc:docChg>
+  </pc:docChgLst>
+  <pc:docChgLst>
+    <pc:chgData name="Guest User" userId="S::urn:spo:anon#eefee8524a9af362ce993b59cbad1dc10e96478d9a467e62d16060d771e11e01::" providerId="AD" clId="Web-{4120883B-3EAF-4E35-87A7-AF060FDADAAF}"/>
+    <pc:docChg chg="delSld modSld modSection">
+      <pc:chgData name="Guest User" userId="S::urn:spo:anon#eefee8524a9af362ce993b59cbad1dc10e96478d9a467e62d16060d771e11e01::" providerId="AD" clId="Web-{4120883B-3EAF-4E35-87A7-AF060FDADAAF}" dt="2019-05-06T04:29:14.633" v="367" actId="14100"/>
+      <pc:docMkLst>
+        <pc:docMk/>
+      </pc:docMkLst>
+      <pc:sldChg chg="mod modShow">
+        <pc:chgData name="Guest User" userId="S::urn:spo:anon#eefee8524a9af362ce993b59cbad1dc10e96478d9a467e62d16060d771e11e01::" providerId="AD" clId="Web-{4120883B-3EAF-4E35-87A7-AF060FDADAAF}" dt="2019-05-06T01:44:42.730" v="1"/>
+        <pc:sldMkLst>
+          <pc:docMk/>
+          <pc:sldMk cId="1105756717" sldId="257"/>
+        </pc:sldMkLst>
+      </pc:sldChg>
+      <pc:sldChg chg="modSp">
+        <pc:chgData name="Guest User" userId="S::urn:spo:anon#eefee8524a9af362ce993b59cbad1dc10e96478d9a467e62d16060d771e11e01::" providerId="AD" clId="Web-{4120883B-3EAF-4E35-87A7-AF060FDADAAF}" dt="2019-05-06T04:29:14.633" v="367" actId="14100"/>
+        <pc:sldMkLst>
+          <pc:docMk/>
+          <pc:sldMk cId="708711930" sldId="276"/>
+        </pc:sldMkLst>
+        <pc:spChg chg="mod">
+          <ac:chgData name="Guest User" userId="S::urn:spo:anon#eefee8524a9af362ce993b59cbad1dc10e96478d9a467e62d16060d771e11e01::" providerId="AD" clId="Web-{4120883B-3EAF-4E35-87A7-AF060FDADAAF}" dt="2019-05-06T04:29:14.633" v="367" actId="14100"/>
+          <ac:spMkLst>
+            <pc:docMk/>
+            <pc:sldMk cId="708711930" sldId="276"/>
+            <ac:spMk id="4" creationId="{F9ED8BE6-F7AC-4FD8-8FA8-8C683A7C2F62}"/>
+          </ac:spMkLst>
+        </pc:spChg>
+        <pc:spChg chg="mod">
+          <ac:chgData name="Guest User" userId="S::urn:spo:anon#eefee8524a9af362ce993b59cbad1dc10e96478d9a467e62d16060d771e11e01::" providerId="AD" clId="Web-{4120883B-3EAF-4E35-87A7-AF060FDADAAF}" dt="2019-05-06T04:29:08.336" v="365" actId="20577"/>
+          <ac:spMkLst>
+            <pc:docMk/>
+            <pc:sldMk cId="708711930" sldId="276"/>
+            <ac:spMk id="7" creationId="{43F915F1-9C90-4B6E-AA0B-C9F4FCF704FA}"/>
+          </ac:spMkLst>
+        </pc:spChg>
+      </pc:sldChg>
+      <pc:sldChg chg="modSp">
+        <pc:chgData name="Guest User" userId="S::urn:spo:anon#eefee8524a9af362ce993b59cbad1dc10e96478d9a467e62d16060d771e11e01::" providerId="AD" clId="Web-{4120883B-3EAF-4E35-87A7-AF060FDADAAF}" dt="2019-05-06T04:22:28.927" v="14" actId="20577"/>
+        <pc:sldMkLst>
+          <pc:docMk/>
+          <pc:sldMk cId="3526386784" sldId="283"/>
+        </pc:sldMkLst>
+        <pc:spChg chg="mod">
+          <ac:chgData name="Guest User" userId="S::urn:spo:anon#eefee8524a9af362ce993b59cbad1dc10e96478d9a467e62d16060d771e11e01::" providerId="AD" clId="Web-{4120883B-3EAF-4E35-87A7-AF060FDADAAF}" dt="2019-05-06T04:22:28.927" v="14" actId="20577"/>
+          <ac:spMkLst>
+            <pc:docMk/>
+            <pc:sldMk cId="3526386784" sldId="283"/>
+            <ac:spMk id="14" creationId="{B1FDEF3E-1872-41D3-A841-FBE14801F476}"/>
+          </ac:spMkLst>
+        </pc:spChg>
+      </pc:sldChg>
+    </pc:docChg>
+  </pc:docChgLst>
+  <pc:docChgLst>
+    <pc:chgData name="Guest User" userId="S::urn:spo:anon#eefee8524a9af362ce993b59cbad1dc10e96478d9a467e62d16060d771e11e01::" providerId="AD" clId="Web-{B3554685-8874-0F0B-5B33-F77968689505}"/>
+    <pc:docChg chg="modSld">
+      <pc:chgData name="Guest User" userId="S::urn:spo:anon#eefee8524a9af362ce993b59cbad1dc10e96478d9a467e62d16060d771e11e01::" providerId="AD" clId="Web-{B3554685-8874-0F0B-5B33-F77968689505}" dt="2019-05-06T01:58:42.005" v="0"/>
+      <pc:docMkLst>
+        <pc:docMk/>
+      </pc:docMkLst>
+      <pc:sldChg chg="mod modShow">
+        <pc:chgData name="Guest User" userId="S::urn:spo:anon#eefee8524a9af362ce993b59cbad1dc10e96478d9a467e62d16060d771e11e01::" providerId="AD" clId="Web-{B3554685-8874-0F0B-5B33-F77968689505}" dt="2019-05-06T01:58:42.005" v="0"/>
+        <pc:sldMkLst>
+          <pc:docMk/>
+          <pc:sldMk cId="1105756717" sldId="257"/>
+        </pc:sldMkLst>
+      </pc:sldChg>
+    </pc:docChg>
+  </pc:docChgLst>
+  <pc:docChgLst>
+    <pc:chgData name="Antonio Osamu Katagiri Tanaka" userId="2c28225e-d492-4964-8551-1b0a3c65dda0" providerId="ADAL" clId="{329B512D-3474-403B-B217-DE713D6D5C19}"/>
+    <pc:docChg chg="undo custSel addSld delSld modSld sldOrd modSection">
+      <pc:chgData name="Antonio Osamu Katagiri Tanaka" userId="2c28225e-d492-4964-8551-1b0a3c65dda0" providerId="ADAL" clId="{329B512D-3474-403B-B217-DE713D6D5C19}" dt="2019-04-04T15:50:31.505" v="1986" actId="20577"/>
+      <pc:docMkLst>
+        <pc:docMk/>
+      </pc:docMkLst>
+      <pc:sldChg chg="addSp">
+        <pc:chgData name="Antonio Osamu Katagiri Tanaka" userId="2c28225e-d492-4964-8551-1b0a3c65dda0" providerId="ADAL" clId="{329B512D-3474-403B-B217-DE713D6D5C19}" dt="2019-03-31T15:07:38.520" v="0" actId="9405"/>
+        <pc:sldMkLst>
+          <pc:docMk/>
+          <pc:sldMk cId="3401248549" sldId="256"/>
+        </pc:sldMkLst>
+        <pc:inkChg chg="add">
+          <ac:chgData name="Antonio Osamu Katagiri Tanaka" userId="2c28225e-d492-4964-8551-1b0a3c65dda0" providerId="ADAL" clId="{329B512D-3474-403B-B217-DE713D6D5C19}" dt="2019-03-31T15:07:38.520" v="0" actId="9405"/>
+          <ac:inkMkLst>
+            <pc:docMk/>
+            <pc:sldMk cId="3401248549" sldId="256"/>
+            <ac:inkMk id="2" creationId="{E00210A8-2E97-46D2-AE68-867D9198F33C}"/>
+          </ac:inkMkLst>
+        </pc:inkChg>
+      </pc:sldChg>
+      <pc:sldChg chg="modSp">
+        <pc:chgData name="Antonio Osamu Katagiri Tanaka" userId="2c28225e-d492-4964-8551-1b0a3c65dda0" providerId="ADAL" clId="{329B512D-3474-403B-B217-DE713D6D5C19}" dt="2019-04-04T15:50:31.505" v="1986" actId="20577"/>
+        <pc:sldMkLst>
+          <pc:docMk/>
+          <pc:sldMk cId="1105756717" sldId="257"/>
+        </pc:sldMkLst>
+        <pc:spChg chg="mod">
+          <ac:chgData name="Antonio Osamu Katagiri Tanaka" userId="2c28225e-d492-4964-8551-1b0a3c65dda0" providerId="ADAL" clId="{329B512D-3474-403B-B217-DE713D6D5C19}" dt="2019-04-04T15:50:31.505" v="1986" actId="20577"/>
           <ac:spMkLst>
             <pc:docMk/>
             <pc:sldMk cId="1105756717" sldId="257"/>
@@ -1085,330 +1051,98 @@
         </pc:spChg>
       </pc:sldChg>
       <pc:sldChg chg="addSp delSp modSp">
-        <pc:chgData name="Antonio Osamu Katagiri Tanaka" userId="2c28225e-d492-4964-8551-1b0a3c65dda0" providerId="ADAL" clId="{32B8FC8B-73BF-4179-A255-324A3489FE93}" dt="2019-05-06T01:30:50.507" v="506" actId="478"/>
-        <pc:sldMkLst>
-          <pc:docMk/>
-          <pc:sldMk cId="4056039362" sldId="260"/>
-        </pc:sldMkLst>
-        <pc:spChg chg="add mod">
-          <ac:chgData name="Antonio Osamu Katagiri Tanaka" userId="2c28225e-d492-4964-8551-1b0a3c65dda0" providerId="ADAL" clId="{32B8FC8B-73BF-4179-A255-324A3489FE93}" dt="2019-05-06T01:30:45.509" v="505" actId="20577"/>
-          <ac:spMkLst>
-            <pc:docMk/>
-            <pc:sldMk cId="4056039362" sldId="260"/>
-            <ac:spMk id="4" creationId="{F8AAC0B0-37FC-4A11-B894-7B27109CC8B7}"/>
-          </ac:spMkLst>
-        </pc:spChg>
-        <pc:spChg chg="mod">
-          <ac:chgData name="Antonio Osamu Katagiri Tanaka" userId="2c28225e-d492-4964-8551-1b0a3c65dda0" providerId="ADAL" clId="{32B8FC8B-73BF-4179-A255-324A3489FE93}" dt="2019-05-05T18:46:21.585" v="234"/>
-          <ac:spMkLst>
-            <pc:docMk/>
-            <pc:sldMk cId="4056039362" sldId="260"/>
-            <ac:spMk id="6" creationId="{438892A2-F58C-479B-93B3-BDD2A80D348B}"/>
-          </ac:spMkLst>
-        </pc:spChg>
-        <pc:spChg chg="del mod">
-          <ac:chgData name="Antonio Osamu Katagiri Tanaka" userId="2c28225e-d492-4964-8551-1b0a3c65dda0" providerId="ADAL" clId="{32B8FC8B-73BF-4179-A255-324A3489FE93}" dt="2019-05-06T01:30:50.507" v="506" actId="478"/>
-          <ac:spMkLst>
-            <pc:docMk/>
-            <pc:sldMk cId="4056039362" sldId="260"/>
-            <ac:spMk id="14" creationId="{B1FDEF3E-1872-41D3-A841-FBE14801F476}"/>
-          </ac:spMkLst>
-        </pc:spChg>
-      </pc:sldChg>
-      <pc:sldChg chg="modSp">
-        <pc:chgData name="Antonio Osamu Katagiri Tanaka" userId="2c28225e-d492-4964-8551-1b0a3c65dda0" providerId="ADAL" clId="{32B8FC8B-73BF-4179-A255-324A3489FE93}" dt="2019-05-05T18:54:21.532" v="357" actId="6549"/>
+        <pc:chgData name="Antonio Osamu Katagiri Tanaka" userId="2c28225e-d492-4964-8551-1b0a3c65dda0" providerId="ADAL" clId="{329B512D-3474-403B-B217-DE713D6D5C19}" dt="2019-04-04T14:27:37.615" v="1984" actId="115"/>
         <pc:sldMkLst>
           <pc:docMk/>
           <pc:sldMk cId="3604131991" sldId="263"/>
         </pc:sldMkLst>
         <pc:spChg chg="mod">
-          <ac:chgData name="Antonio Osamu Katagiri Tanaka" userId="2c28225e-d492-4964-8551-1b0a3c65dda0" providerId="ADAL" clId="{32B8FC8B-73BF-4179-A255-324A3489FE93}" dt="2019-05-05T18:54:21.532" v="357" actId="6549"/>
+          <ac:chgData name="Antonio Osamu Katagiri Tanaka" userId="2c28225e-d492-4964-8551-1b0a3c65dda0" providerId="ADAL" clId="{329B512D-3474-403B-B217-DE713D6D5C19}" dt="2019-04-04T14:27:37.615" v="1984" actId="115"/>
           <ac:spMkLst>
             <pc:docMk/>
             <pc:sldMk cId="3604131991" sldId="263"/>
             <ac:spMk id="6" creationId="{058630E6-31AF-4451-B084-C9809D0DA4E8}"/>
           </ac:spMkLst>
         </pc:spChg>
+        <pc:inkChg chg="add del">
+          <ac:chgData name="Antonio Osamu Katagiri Tanaka" userId="2c28225e-d492-4964-8551-1b0a3c65dda0" providerId="ADAL" clId="{329B512D-3474-403B-B217-DE713D6D5C19}" dt="2019-04-04T14:27:28.979" v="1982" actId="9405"/>
+          <ac:inkMkLst>
+            <pc:docMk/>
+            <pc:sldMk cId="3604131991" sldId="263"/>
+            <ac:inkMk id="2" creationId="{969D952D-714C-43B0-A513-C6B4AE47428D}"/>
+          </ac:inkMkLst>
+        </pc:inkChg>
+        <pc:inkChg chg="add del">
+          <ac:chgData name="Antonio Osamu Katagiri Tanaka" userId="2c28225e-d492-4964-8551-1b0a3c65dda0" providerId="ADAL" clId="{329B512D-3474-403B-B217-DE713D6D5C19}" dt="2019-04-04T14:27:28.045" v="1981" actId="9405"/>
+          <ac:inkMkLst>
+            <pc:docMk/>
+            <pc:sldMk cId="3604131991" sldId="263"/>
+            <ac:inkMk id="3" creationId="{FE05DE7C-4281-4120-83A0-C423CBD124A8}"/>
+          </ac:inkMkLst>
+        </pc:inkChg>
+        <pc:inkChg chg="add del">
+          <ac:chgData name="Antonio Osamu Katagiri Tanaka" userId="2c28225e-d492-4964-8551-1b0a3c65dda0" providerId="ADAL" clId="{329B512D-3474-403B-B217-DE713D6D5C19}" dt="2019-04-04T14:27:27.649" v="1980" actId="9405"/>
+          <ac:inkMkLst>
+            <pc:docMk/>
+            <pc:sldMk cId="3604131991" sldId="263"/>
+            <ac:inkMk id="5" creationId="{BB6A19F7-AA98-477A-A47F-B32552340760}"/>
+          </ac:inkMkLst>
+        </pc:inkChg>
       </pc:sldChg>
-      <pc:sldChg chg="modSp">
-        <pc:chgData name="Antonio Osamu Katagiri Tanaka" userId="2c28225e-d492-4964-8551-1b0a3c65dda0" providerId="ADAL" clId="{32B8FC8B-73BF-4179-A255-324A3489FE93}" dt="2019-05-06T01:33:14.638" v="522"/>
+      <pc:sldChg chg="addSp delSp modSp add modNotesTx">
+        <pc:chgData name="Antonio Osamu Katagiri Tanaka" userId="2c28225e-d492-4964-8551-1b0a3c65dda0" providerId="ADAL" clId="{329B512D-3474-403B-B217-DE713D6D5C19}" dt="2019-04-04T13:21:57.223" v="1920" actId="20577"/>
         <pc:sldMkLst>
           <pc:docMk/>
           <pc:sldMk cId="708711930" sldId="276"/>
         </pc:sldMkLst>
         <pc:spChg chg="mod">
-          <ac:chgData name="Antonio Osamu Katagiri Tanaka" userId="2c28225e-d492-4964-8551-1b0a3c65dda0" providerId="ADAL" clId="{32B8FC8B-73BF-4179-A255-324A3489FE93}" dt="2019-05-05T18:47:01.963" v="254"/>
+          <ac:chgData name="Antonio Osamu Katagiri Tanaka" userId="2c28225e-d492-4964-8551-1b0a3c65dda0" providerId="ADAL" clId="{329B512D-3474-403B-B217-DE713D6D5C19}" dt="2019-04-04T04:34:54.745" v="1145" actId="20577"/>
           <ac:spMkLst>
             <pc:docMk/>
             <pc:sldMk cId="708711930" sldId="276"/>
             <ac:spMk id="4" creationId="{F9ED8BE6-F7AC-4FD8-8FA8-8C683A7C2F62}"/>
           </ac:spMkLst>
         </pc:spChg>
-        <pc:spChg chg="mod">
-          <ac:chgData name="Antonio Osamu Katagiri Tanaka" userId="2c28225e-d492-4964-8551-1b0a3c65dda0" providerId="ADAL" clId="{32B8FC8B-73BF-4179-A255-324A3489FE93}" dt="2019-05-06T01:33:14.638" v="522"/>
+        <pc:spChg chg="add mod">
+          <ac:chgData name="Antonio Osamu Katagiri Tanaka" userId="2c28225e-d492-4964-8551-1b0a3c65dda0" providerId="ADAL" clId="{329B512D-3474-403B-B217-DE713D6D5C19}" dt="2019-04-04T13:21:57.223" v="1920" actId="20577"/>
           <ac:spMkLst>
             <pc:docMk/>
             <pc:sldMk cId="708711930" sldId="276"/>
             <ac:spMk id="7" creationId="{43F915F1-9C90-4B6E-AA0B-C9F4FCF704FA}"/>
           </ac:spMkLst>
         </pc:spChg>
-      </pc:sldChg>
-      <pc:sldChg chg="addSp">
-        <pc:chgData name="Antonio Osamu Katagiri Tanaka" userId="2c28225e-d492-4964-8551-1b0a3c65dda0" providerId="ADAL" clId="{32B8FC8B-73BF-4179-A255-324A3489FE93}" dt="2019-05-06T01:30:58.686" v="507"/>
-        <pc:sldMkLst>
-          <pc:docMk/>
-          <pc:sldMk cId="2232161063" sldId="281"/>
-        </pc:sldMkLst>
-        <pc:spChg chg="add">
-          <ac:chgData name="Antonio Osamu Katagiri Tanaka" userId="2c28225e-d492-4964-8551-1b0a3c65dda0" providerId="ADAL" clId="{32B8FC8B-73BF-4179-A255-324A3489FE93}" dt="2019-05-06T01:30:58.686" v="507"/>
-          <ac:spMkLst>
-            <pc:docMk/>
-            <pc:sldMk cId="2232161063" sldId="281"/>
-            <ac:spMk id="3" creationId="{E2C1BD49-4A59-4739-9773-BF73456C40B7}"/>
-          </ac:spMkLst>
-        </pc:spChg>
-      </pc:sldChg>
-      <pc:sldChg chg="modSp add">
-        <pc:chgData name="Antonio Osamu Katagiri Tanaka" userId="2c28225e-d492-4964-8551-1b0a3c65dda0" providerId="ADAL" clId="{32B8FC8B-73BF-4179-A255-324A3489FE93}" dt="2019-05-06T01:22:51.840" v="489" actId="313"/>
-        <pc:sldMkLst>
-          <pc:docMk/>
-          <pc:sldMk cId="1982087068" sldId="282"/>
-        </pc:sldMkLst>
-        <pc:spChg chg="mod">
-          <ac:chgData name="Antonio Osamu Katagiri Tanaka" userId="2c28225e-d492-4964-8551-1b0a3c65dda0" providerId="ADAL" clId="{32B8FC8B-73BF-4179-A255-324A3489FE93}" dt="2019-05-05T18:46:27.589" v="235"/>
-          <ac:spMkLst>
-            <pc:docMk/>
-            <pc:sldMk cId="1982087068" sldId="282"/>
-            <ac:spMk id="6" creationId="{438892A2-F58C-479B-93B3-BDD2A80D348B}"/>
-          </ac:spMkLst>
-        </pc:spChg>
-        <pc:spChg chg="mod">
-          <ac:chgData name="Antonio Osamu Katagiri Tanaka" userId="2c28225e-d492-4964-8551-1b0a3c65dda0" providerId="ADAL" clId="{32B8FC8B-73BF-4179-A255-324A3489FE93}" dt="2019-05-06T01:22:51.840" v="489" actId="313"/>
-          <ac:spMkLst>
-            <pc:docMk/>
-            <pc:sldMk cId="1982087068" sldId="282"/>
-            <ac:spMk id="14" creationId="{B1FDEF3E-1872-41D3-A841-FBE14801F476}"/>
-          </ac:spMkLst>
-        </pc:spChg>
-      </pc:sldChg>
-      <pc:sldChg chg="addSp delSp modSp add">
-        <pc:chgData name="Antonio Osamu Katagiri Tanaka" userId="2c28225e-d492-4964-8551-1b0a3c65dda0" providerId="ADAL" clId="{32B8FC8B-73BF-4179-A255-324A3489FE93}" dt="2019-05-06T01:35:15.004" v="524"/>
-        <pc:sldMkLst>
-          <pc:docMk/>
-          <pc:sldMk cId="3526386784" sldId="283"/>
-        </pc:sldMkLst>
-        <pc:spChg chg="mod">
-          <ac:chgData name="Antonio Osamu Katagiri Tanaka" userId="2c28225e-d492-4964-8551-1b0a3c65dda0" providerId="ADAL" clId="{32B8FC8B-73BF-4179-A255-324A3489FE93}" dt="2019-05-05T18:46:37.149" v="236"/>
-          <ac:spMkLst>
-            <pc:docMk/>
-            <pc:sldMk cId="3526386784" sldId="283"/>
-            <ac:spMk id="6" creationId="{438892A2-F58C-479B-93B3-BDD2A80D348B}"/>
-          </ac:spMkLst>
-        </pc:spChg>
-        <pc:spChg chg="mod">
-          <ac:chgData name="Antonio Osamu Katagiri Tanaka" userId="2c28225e-d492-4964-8551-1b0a3c65dda0" providerId="ADAL" clId="{32B8FC8B-73BF-4179-A255-324A3489FE93}" dt="2019-05-06T01:17:21.193" v="391" actId="20577"/>
-          <ac:spMkLst>
-            <pc:docMk/>
-            <pc:sldMk cId="3526386784" sldId="283"/>
-            <ac:spMk id="14" creationId="{B1FDEF3E-1872-41D3-A841-FBE14801F476}"/>
-          </ac:spMkLst>
-        </pc:spChg>
         <pc:picChg chg="add del mod">
-          <ac:chgData name="Antonio Osamu Katagiri Tanaka" userId="2c28225e-d492-4964-8551-1b0a3c65dda0" providerId="ADAL" clId="{32B8FC8B-73BF-4179-A255-324A3489FE93}" dt="2019-05-06T01:35:15.004" v="524"/>
+          <ac:chgData name="Antonio Osamu Katagiri Tanaka" userId="2c28225e-d492-4964-8551-1b0a3c65dda0" providerId="ADAL" clId="{329B512D-3474-403B-B217-DE713D6D5C19}" dt="2019-04-04T05:13:15.197" v="1321" actId="478"/>
           <ac:picMkLst>
             <pc:docMk/>
-            <pc:sldMk cId="3526386784" sldId="283"/>
-            <ac:picMk id="3" creationId="{D61DE846-7373-46A2-9116-854F7015B21C}"/>
+            <pc:sldMk cId="708711930" sldId="276"/>
+            <ac:picMk id="5" creationId="{A98AA8FA-E2A8-490A-BE93-C2DB37F95CB5}"/>
           </ac:picMkLst>
         </pc:picChg>
-      </pc:sldChg>
-      <pc:sldChg chg="addSp delSp modSp add">
-        <pc:chgData name="Antonio Osamu Katagiri Tanaka" userId="2c28225e-d492-4964-8551-1b0a3c65dda0" providerId="ADAL" clId="{32B8FC8B-73BF-4179-A255-324A3489FE93}" dt="2019-05-06T01:36:25.897" v="545" actId="1076"/>
-        <pc:sldMkLst>
-          <pc:docMk/>
-          <pc:sldMk cId="1924512942" sldId="284"/>
-        </pc:sldMkLst>
-        <pc:spChg chg="mod">
-          <ac:chgData name="Antonio Osamu Katagiri Tanaka" userId="2c28225e-d492-4964-8551-1b0a3c65dda0" providerId="ADAL" clId="{32B8FC8B-73BF-4179-A255-324A3489FE93}" dt="2019-05-05T18:46:50.683" v="253" actId="404"/>
-          <ac:spMkLst>
-            <pc:docMk/>
-            <pc:sldMk cId="1924512942" sldId="284"/>
-            <ac:spMk id="6" creationId="{438892A2-F58C-479B-93B3-BDD2A80D348B}"/>
-          </ac:spMkLst>
-        </pc:spChg>
-        <pc:spChg chg="del">
-          <ac:chgData name="Antonio Osamu Katagiri Tanaka" userId="2c28225e-d492-4964-8551-1b0a3c65dda0" providerId="ADAL" clId="{32B8FC8B-73BF-4179-A255-324A3489FE93}" dt="2019-05-06T01:31:03.802" v="508" actId="478"/>
-          <ac:spMkLst>
-            <pc:docMk/>
-            <pc:sldMk cId="1924512942" sldId="284"/>
-            <ac:spMk id="14" creationId="{B1FDEF3E-1872-41D3-A841-FBE14801F476}"/>
-          </ac:spMkLst>
-        </pc:spChg>
-        <pc:picChg chg="add mod">
-          <ac:chgData name="Antonio Osamu Katagiri Tanaka" userId="2c28225e-d492-4964-8551-1b0a3c65dda0" providerId="ADAL" clId="{32B8FC8B-73BF-4179-A255-324A3489FE93}" dt="2019-05-06T01:36:12.553" v="541" actId="1076"/>
-          <ac:picMkLst>
-            <pc:docMk/>
-            <pc:sldMk cId="1924512942" sldId="284"/>
-            <ac:picMk id="3" creationId="{6AB294B2-C0FF-49BE-BF6F-B5E9ADD12668}"/>
-          </ac:picMkLst>
-        </pc:picChg>
-        <pc:picChg chg="add mod">
-          <ac:chgData name="Antonio Osamu Katagiri Tanaka" userId="2c28225e-d492-4964-8551-1b0a3c65dda0" providerId="ADAL" clId="{32B8FC8B-73BF-4179-A255-324A3489FE93}" dt="2019-05-06T01:36:25.897" v="545" actId="1076"/>
-          <ac:picMkLst>
-            <pc:docMk/>
-            <pc:sldMk cId="1924512942" sldId="284"/>
-            <ac:picMk id="5" creationId="{D21522CE-DC73-4A00-89B7-CF3C3BFF4448}"/>
-          </ac:picMkLst>
-        </pc:picChg>
-        <pc:picChg chg="add mod">
-          <ac:chgData name="Antonio Osamu Katagiri Tanaka" userId="2c28225e-d492-4964-8551-1b0a3c65dda0" providerId="ADAL" clId="{32B8FC8B-73BF-4179-A255-324A3489FE93}" dt="2019-05-06T01:36:23.736" v="544" actId="1076"/>
-          <ac:picMkLst>
-            <pc:docMk/>
-            <pc:sldMk cId="1924512942" sldId="284"/>
-            <ac:picMk id="8" creationId="{6BE7C238-D3C2-4039-82DC-842CEE4C9559}"/>
-          </ac:picMkLst>
-        </pc:picChg>
-      </pc:sldChg>
-      <pc:sldChg chg="add del">
-        <pc:chgData name="Antonio Osamu Katagiri Tanaka" userId="2c28225e-d492-4964-8551-1b0a3c65dda0" providerId="ADAL" clId="{32B8FC8B-73BF-4179-A255-324A3489FE93}" dt="2019-05-05T18:46:12.386" v="233" actId="2696"/>
-        <pc:sldMkLst>
-          <pc:docMk/>
-          <pc:sldMk cId="1158943362" sldId="285"/>
-        </pc:sldMkLst>
       </pc:sldChg>
     </pc:docChg>
   </pc:docChgLst>
   <pc:docChgLst>
-    <pc:chgData name="Antonio Osamu Katagiri Tanaka" userId="2c28225e-d492-4964-8551-1b0a3c65dda0" providerId="ADAL" clId="{A1255C39-2EFB-4D15-B143-B65097792378}"/>
-    <pc:docChg chg="undo custSel addSld delSld modSld">
-      <pc:chgData name="Antonio Osamu Katagiri Tanaka" userId="2c28225e-d492-4964-8551-1b0a3c65dda0" providerId="ADAL" clId="{A1255C39-2EFB-4D15-B143-B65097792378}" dt="2019-03-29T13:16:25.522" v="350" actId="20577"/>
+    <pc:chgData name="Antonio Osamu Katagiri Tanaka" userId="2c28225e-d492-4964-8551-1b0a3c65dda0" providerId="ADAL" clId="{A3B34291-9EF3-4ECB-9AED-80E90D311AAB}"/>
+    <pc:docChg chg="custSel modSld">
+      <pc:chgData name="Antonio Osamu Katagiri Tanaka" userId="2c28225e-d492-4964-8551-1b0a3c65dda0" providerId="ADAL" clId="{A3B34291-9EF3-4ECB-9AED-80E90D311AAB}" dt="2019-05-13T16:36:07.898" v="9" actId="5793"/>
       <pc:docMkLst>
         <pc:docMk/>
       </pc:docMkLst>
       <pc:sldChg chg="modSp">
-        <pc:chgData name="Antonio Osamu Katagiri Tanaka" userId="2c28225e-d492-4964-8551-1b0a3c65dda0" providerId="ADAL" clId="{A1255C39-2EFB-4D15-B143-B65097792378}" dt="2019-03-28T22:22:21.819" v="38" actId="20577"/>
+        <pc:chgData name="Antonio Osamu Katagiri Tanaka" userId="2c28225e-d492-4964-8551-1b0a3c65dda0" providerId="ADAL" clId="{A3B34291-9EF3-4ECB-9AED-80E90D311AAB}" dt="2019-05-13T16:36:07.898" v="9" actId="5793"/>
         <pc:sldMkLst>
           <pc:docMk/>
-          <pc:sldMk cId="3401248549" sldId="256"/>
+          <pc:sldMk cId="3604131991" sldId="263"/>
         </pc:sldMkLst>
         <pc:spChg chg="mod">
-          <ac:chgData name="Antonio Osamu Katagiri Tanaka" userId="2c28225e-d492-4964-8551-1b0a3c65dda0" providerId="ADAL" clId="{A1255C39-2EFB-4D15-B143-B65097792378}" dt="2019-03-28T22:22:21.819" v="38" actId="20577"/>
+          <ac:chgData name="Antonio Osamu Katagiri Tanaka" userId="2c28225e-d492-4964-8551-1b0a3c65dda0" providerId="ADAL" clId="{A3B34291-9EF3-4ECB-9AED-80E90D311AAB}" dt="2019-05-13T16:36:07.898" v="9" actId="5793"/>
           <ac:spMkLst>
             <pc:docMk/>
-            <pc:sldMk cId="3401248549" sldId="256"/>
-            <ac:spMk id="7" creationId="{8D0BEDFD-CE79-4A45-9ADE-72FBEA303FCC}"/>
+            <pc:sldMk cId="3604131991" sldId="263"/>
+            <ac:spMk id="4" creationId="{F9ED8BE6-F7AC-4FD8-8FA8-8C683A7C2F62}"/>
           </ac:spMkLst>
         </pc:spChg>
-      </pc:sldChg>
-      <pc:sldChg chg="modSp addCm delCm">
-        <pc:chgData name="Antonio Osamu Katagiri Tanaka" userId="2c28225e-d492-4964-8551-1b0a3c65dda0" providerId="ADAL" clId="{A1255C39-2EFB-4D15-B143-B65097792378}" dt="2019-03-29T13:16:25.522" v="350" actId="20577"/>
-        <pc:sldMkLst>
-          <pc:docMk/>
-          <pc:sldMk cId="1105756717" sldId="257"/>
-        </pc:sldMkLst>
-        <pc:spChg chg="mod">
-          <ac:chgData name="Antonio Osamu Katagiri Tanaka" userId="2c28225e-d492-4964-8551-1b0a3c65dda0" providerId="ADAL" clId="{A1255C39-2EFB-4D15-B143-B65097792378}" dt="2019-03-28T22:24:17.071" v="98" actId="790"/>
-          <ac:spMkLst>
-            <pc:docMk/>
-            <pc:sldMk cId="1105756717" sldId="257"/>
-            <ac:spMk id="2" creationId="{6B4CD107-D7DB-4A9B-AA15-4038D49BB7C0}"/>
-          </ac:spMkLst>
-        </pc:spChg>
-        <pc:spChg chg="mod">
-          <ac:chgData name="Antonio Osamu Katagiri Tanaka" userId="2c28225e-d492-4964-8551-1b0a3c65dda0" providerId="ADAL" clId="{A1255C39-2EFB-4D15-B143-B65097792378}" dt="2019-03-29T13:16:25.522" v="350" actId="20577"/>
-          <ac:spMkLst>
-            <pc:docMk/>
-            <pc:sldMk cId="1105756717" sldId="257"/>
-            <ac:spMk id="3" creationId="{6E971A9A-8031-4781-96A0-B9A5656935B5}"/>
-          </ac:spMkLst>
-        </pc:spChg>
-      </pc:sldChg>
-      <pc:sldChg chg="addSp delSp modSp">
-        <pc:chgData name="Antonio Osamu Katagiri Tanaka" userId="2c28225e-d492-4964-8551-1b0a3c65dda0" providerId="ADAL" clId="{A1255C39-2EFB-4D15-B143-B65097792378}" dt="2019-03-28T23:56:37.673" v="212" actId="113"/>
-        <pc:sldMkLst>
-          <pc:docMk/>
-          <pc:sldMk cId="4056039362" sldId="260"/>
-        </pc:sldMkLst>
-        <pc:spChg chg="del">
-          <ac:chgData name="Antonio Osamu Katagiri Tanaka" userId="2c28225e-d492-4964-8551-1b0a3c65dda0" providerId="ADAL" clId="{A1255C39-2EFB-4D15-B143-B65097792378}" dt="2019-03-28T23:48:09.150" v="129" actId="478"/>
-          <ac:spMkLst>
-            <pc:docMk/>
-            <pc:sldMk cId="4056039362" sldId="260"/>
-            <ac:spMk id="2" creationId="{6B4CD107-D7DB-4A9B-AA15-4038D49BB7C0}"/>
-          </ac:spMkLst>
-        </pc:spChg>
-        <pc:spChg chg="del">
-          <ac:chgData name="Antonio Osamu Katagiri Tanaka" userId="2c28225e-d492-4964-8551-1b0a3c65dda0" providerId="ADAL" clId="{A1255C39-2EFB-4D15-B143-B65097792378}" dt="2019-03-28T23:48:09.150" v="129" actId="478"/>
-          <ac:spMkLst>
-            <pc:docMk/>
-            <pc:sldMk cId="4056039362" sldId="260"/>
-            <ac:spMk id="3" creationId="{6E971A9A-8031-4781-96A0-B9A5656935B5}"/>
-          </ac:spMkLst>
-        </pc:spChg>
-        <pc:spChg chg="add mod">
-          <ac:chgData name="Antonio Osamu Katagiri Tanaka" userId="2c28225e-d492-4964-8551-1b0a3c65dda0" providerId="ADAL" clId="{A1255C39-2EFB-4D15-B143-B65097792378}" dt="2019-03-28T23:50:57.963" v="160" actId="14100"/>
-          <ac:spMkLst>
-            <pc:docMk/>
-            <pc:sldMk cId="4056039362" sldId="260"/>
-            <ac:spMk id="6" creationId="{438892A2-F58C-479B-93B3-BDD2A80D348B}"/>
-          </ac:spMkLst>
-        </pc:spChg>
-        <pc:spChg chg="add del">
-          <ac:chgData name="Antonio Osamu Katagiri Tanaka" userId="2c28225e-d492-4964-8551-1b0a3c65dda0" providerId="ADAL" clId="{A1255C39-2EFB-4D15-B143-B65097792378}" dt="2019-03-28T23:48:28.310" v="146" actId="478"/>
-          <ac:spMkLst>
-            <pc:docMk/>
-            <pc:sldMk cId="4056039362" sldId="260"/>
-            <ac:spMk id="7" creationId="{EF6DB918-A567-432C-9553-B291EBCD9916}"/>
-          </ac:spMkLst>
-        </pc:spChg>
-        <pc:spChg chg="add del mod">
-          <ac:chgData name="Antonio Osamu Katagiri Tanaka" userId="2c28225e-d492-4964-8551-1b0a3c65dda0" providerId="ADAL" clId="{A1255C39-2EFB-4D15-B143-B65097792378}" dt="2019-03-28T23:48:31.374" v="147" actId="478"/>
-          <ac:spMkLst>
-            <pc:docMk/>
-            <pc:sldMk cId="4056039362" sldId="260"/>
-            <ac:spMk id="9" creationId="{1E2B6CCF-ADC6-4398-BBBE-8A3899B1F60D}"/>
-          </ac:spMkLst>
-        </pc:spChg>
-        <pc:spChg chg="add del mod">
-          <ac:chgData name="Antonio Osamu Katagiri Tanaka" userId="2c28225e-d492-4964-8551-1b0a3c65dda0" providerId="ADAL" clId="{A1255C39-2EFB-4D15-B143-B65097792378}" dt="2019-03-28T23:49:31.279" v="152" actId="478"/>
-          <ac:spMkLst>
-            <pc:docMk/>
-            <pc:sldMk cId="4056039362" sldId="260"/>
-            <ac:spMk id="10" creationId="{76E5AA51-769F-464D-B9B3-B06DC2DB3974}"/>
-          </ac:spMkLst>
-        </pc:spChg>
-        <pc:spChg chg="add del mod">
-          <ac:chgData name="Antonio Osamu Katagiri Tanaka" userId="2c28225e-d492-4964-8551-1b0a3c65dda0" providerId="ADAL" clId="{A1255C39-2EFB-4D15-B143-B65097792378}" dt="2019-03-28T23:49:33.812" v="153" actId="478"/>
-          <ac:spMkLst>
-            <pc:docMk/>
-            <pc:sldMk cId="4056039362" sldId="260"/>
-            <ac:spMk id="12" creationId="{687A944B-A58D-42D4-A5FB-9C5AEDA23012}"/>
-          </ac:spMkLst>
-        </pc:spChg>
-        <pc:spChg chg="add mod">
-          <ac:chgData name="Antonio Osamu Katagiri Tanaka" userId="2c28225e-d492-4964-8551-1b0a3c65dda0" providerId="ADAL" clId="{A1255C39-2EFB-4D15-B143-B65097792378}" dt="2019-03-28T23:56:37.673" v="212" actId="113"/>
-          <ac:spMkLst>
-            <pc:docMk/>
-            <pc:sldMk cId="4056039362" sldId="260"/>
-            <ac:spMk id="14" creationId="{B1FDEF3E-1872-41D3-A841-FBE14801F476}"/>
-          </ac:spMkLst>
-        </pc:spChg>
-        <pc:picChg chg="add del mod">
-          <ac:chgData name="Antonio Osamu Katagiri Tanaka" userId="2c28225e-d492-4964-8551-1b0a3c65dda0" providerId="ADAL" clId="{A1255C39-2EFB-4D15-B143-B65097792378}" dt="2019-03-28T23:50:01.886" v="156" actId="478"/>
-          <ac:picMkLst>
-            <pc:docMk/>
-            <pc:sldMk cId="4056039362" sldId="260"/>
-            <ac:picMk id="5" creationId="{977539DB-7CD6-458F-9C2E-830FC458ECDD}"/>
-          </ac:picMkLst>
-        </pc:picChg>
-        <pc:picChg chg="add mod">
-          <ac:chgData name="Antonio Osamu Katagiri Tanaka" userId="2c28225e-d492-4964-8551-1b0a3c65dda0" providerId="ADAL" clId="{A1255C39-2EFB-4D15-B143-B65097792378}" dt="2019-03-28T23:53:58.543" v="189" actId="1036"/>
-          <ac:picMkLst>
-            <pc:docMk/>
-            <pc:sldMk cId="4056039362" sldId="260"/>
-            <ac:picMk id="13" creationId="{8578D0BD-CD2C-44B1-976E-1029D186D2DF}"/>
-          </ac:picMkLst>
-        </pc:picChg>
       </pc:sldChg>
     </pc:docChg>
   </pc:docChgLst>
@@ -1433,22 +1167,6 @@
             <ac:picMk id="3" creationId="{6AB294B2-C0FF-49BE-BF6F-B5E9ADD12668}"/>
           </ac:picMkLst>
         </pc:picChg>
-      </pc:sldChg>
-    </pc:docChg>
-  </pc:docChgLst>
-  <pc:docChgLst>
-    <pc:chgData name="Guest User" userId="S::urn:spo:anon#eefee8524a9af362ce993b59cbad1dc10e96478d9a467e62d16060d771e11e01::" providerId="AD" clId="Web-{B3554685-8874-0F0B-5B33-F77968689505}"/>
-    <pc:docChg chg="modSld">
-      <pc:chgData name="Guest User" userId="S::urn:spo:anon#eefee8524a9af362ce993b59cbad1dc10e96478d9a467e62d16060d771e11e01::" providerId="AD" clId="Web-{B3554685-8874-0F0B-5B33-F77968689505}" dt="2019-05-06T01:58:42.005" v="0"/>
-      <pc:docMkLst>
-        <pc:docMk/>
-      </pc:docMkLst>
-      <pc:sldChg chg="mod modShow">
-        <pc:chgData name="Guest User" userId="S::urn:spo:anon#eefee8524a9af362ce993b59cbad1dc10e96478d9a467e62d16060d771e11e01::" providerId="AD" clId="Web-{B3554685-8874-0F0B-5B33-F77968689505}" dt="2019-05-06T01:58:42.005" v="0"/>
-        <pc:sldMkLst>
-          <pc:docMk/>
-          <pc:sldMk cId="1105756717" sldId="257"/>
-        </pc:sldMkLst>
       </pc:sldChg>
     </pc:docChg>
   </pc:docChgLst>
@@ -1568,7 +1286,7 @@
           <a:p>
             <a:fld id="{1B402B64-CAC4-4D07-834F-F232921309C8}" type="datetimeFigureOut">
               <a:rPr lang="en-GB" smtClean="0"/>
-              <a:t>12/05/2019</a:t>
+              <a:t>13/05/2019</a:t>
             </a:fld>
             <a:endParaRPr lang="en-GB"/>
           </a:p>
@@ -2076,7 +1794,7 @@
           <a:p>
             <a:fld id="{D884633D-11AC-4888-94B9-297E606567D1}" type="datetimeFigureOut">
               <a:rPr lang="en-GB" smtClean="0"/>
-              <a:t>12/05/2019</a:t>
+              <a:t>13/05/2019</a:t>
             </a:fld>
             <a:endParaRPr lang="en-GB"/>
           </a:p>
@@ -2276,7 +1994,7 @@
           <a:p>
             <a:fld id="{D884633D-11AC-4888-94B9-297E606567D1}" type="datetimeFigureOut">
               <a:rPr lang="en-GB" smtClean="0"/>
-              <a:t>12/05/2019</a:t>
+              <a:t>13/05/2019</a:t>
             </a:fld>
             <a:endParaRPr lang="en-GB"/>
           </a:p>
@@ -2486,7 +2204,7 @@
           <a:p>
             <a:fld id="{D884633D-11AC-4888-94B9-297E606567D1}" type="datetimeFigureOut">
               <a:rPr lang="en-GB" smtClean="0"/>
-              <a:t>12/05/2019</a:t>
+              <a:t>13/05/2019</a:t>
             </a:fld>
             <a:endParaRPr lang="en-GB"/>
           </a:p>
@@ -2686,7 +2404,7 @@
           <a:p>
             <a:fld id="{D884633D-11AC-4888-94B9-297E606567D1}" type="datetimeFigureOut">
               <a:rPr lang="en-GB" smtClean="0"/>
-              <a:t>12/05/2019</a:t>
+              <a:t>13/05/2019</a:t>
             </a:fld>
             <a:endParaRPr lang="en-GB"/>
           </a:p>
@@ -2962,7 +2680,7 @@
           <a:p>
             <a:fld id="{D884633D-11AC-4888-94B9-297E606567D1}" type="datetimeFigureOut">
               <a:rPr lang="en-GB" smtClean="0"/>
-              <a:t>12/05/2019</a:t>
+              <a:t>13/05/2019</a:t>
             </a:fld>
             <a:endParaRPr lang="en-GB"/>
           </a:p>
@@ -3230,7 +2948,7 @@
           <a:p>
             <a:fld id="{D884633D-11AC-4888-94B9-297E606567D1}" type="datetimeFigureOut">
               <a:rPr lang="en-GB" smtClean="0"/>
-              <a:t>12/05/2019</a:t>
+              <a:t>13/05/2019</a:t>
             </a:fld>
             <a:endParaRPr lang="en-GB"/>
           </a:p>
@@ -3645,7 +3363,7 @@
           <a:p>
             <a:fld id="{D884633D-11AC-4888-94B9-297E606567D1}" type="datetimeFigureOut">
               <a:rPr lang="en-GB" smtClean="0"/>
-              <a:t>12/05/2019</a:t>
+              <a:t>13/05/2019</a:t>
             </a:fld>
             <a:endParaRPr lang="en-GB"/>
           </a:p>
@@ -3787,7 +3505,7 @@
           <a:p>
             <a:fld id="{D884633D-11AC-4888-94B9-297E606567D1}" type="datetimeFigureOut">
               <a:rPr lang="en-GB" smtClean="0"/>
-              <a:t>12/05/2019</a:t>
+              <a:t>13/05/2019</a:t>
             </a:fld>
             <a:endParaRPr lang="en-GB"/>
           </a:p>
@@ -3900,7 +3618,7 @@
           <a:p>
             <a:fld id="{D884633D-11AC-4888-94B9-297E606567D1}" type="datetimeFigureOut">
               <a:rPr lang="en-GB" smtClean="0"/>
-              <a:t>12/05/2019</a:t>
+              <a:t>13/05/2019</a:t>
             </a:fld>
             <a:endParaRPr lang="en-GB"/>
           </a:p>
@@ -4213,7 +3931,7 @@
           <a:p>
             <a:fld id="{D884633D-11AC-4888-94B9-297E606567D1}" type="datetimeFigureOut">
               <a:rPr lang="en-GB" smtClean="0"/>
-              <a:t>12/05/2019</a:t>
+              <a:t>13/05/2019</a:t>
             </a:fld>
             <a:endParaRPr lang="en-GB"/>
           </a:p>
@@ -4502,7 +4220,7 @@
           <a:p>
             <a:fld id="{D884633D-11AC-4888-94B9-297E606567D1}" type="datetimeFigureOut">
               <a:rPr lang="en-GB" smtClean="0"/>
-              <a:t>12/05/2019</a:t>
+              <a:t>13/05/2019</a:t>
             </a:fld>
             <a:endParaRPr lang="en-GB"/>
           </a:p>
@@ -4754,7 +4472,7 @@
           <a:p>
             <a:fld id="{D884633D-11AC-4888-94B9-297E606567D1}" type="datetimeFigureOut">
               <a:rPr lang="en-GB" smtClean="0"/>
-              <a:t>12/05/2019</a:t>
+              <a:t>13/05/2019</a:t>
             </a:fld>
             <a:endParaRPr lang="en-GB"/>
           </a:p>
@@ -5380,8 +5098,8 @@
           </a:p>
         </p:txBody>
       </p:sp>
-      <mc:AlternateContent xmlns:mc="http://schemas.openxmlformats.org/markup-compatibility/2006">
-        <mc:Choice xmlns:p14="http://schemas.microsoft.com/office/powerpoint/2010/main" Requires="p14">
+      <mc:AlternateContent xmlns:mc="http://schemas.openxmlformats.org/markup-compatibility/2006" xmlns:p14="http://schemas.microsoft.com/office/powerpoint/2010/main">
+        <mc:Choice Requires="p14">
           <p:contentPart p14:bwMode="auto" r:id="rId3">
             <p14:nvContentPartPr>
               <p14:cNvPr id="2" name="Ink 1">
@@ -5400,7 +5118,7 @@
             </p14:xfrm>
           </p:contentPart>
         </mc:Choice>
-        <mc:Fallback>
+        <mc:Fallback xmlns="">
           <p:pic>
             <p:nvPicPr>
               <p:cNvPr id="2" name="Ink 1">
@@ -7170,7 +6888,7 @@
           <a:lstStyle/>
           <a:p>
             <a:r>
-              <a:rPr lang="en-GB" b="1">
+              <a:rPr lang="en-GB" b="1" dirty="0">
                 <a:solidFill>
                   <a:schemeClr val="bg1">
                     <a:lumMod val="95000"/>
@@ -7178,7 +6896,7 @@
                 </a:solidFill>
                 <a:latin typeface="Arial Nova Light"/>
               </a:rPr>
-              <a:t>References</a:t>
+              <a:t>Relevant References</a:t>
             </a:r>
           </a:p>
         </p:txBody>
